--- a/Präsentation_DevOps_Romeis.pptx
+++ b/Präsentation_DevOps_Romeis.pptx
@@ -5,52 +5,53 @@
     <p:sldMasterId id="2147483659" r:id="rId1"/>
   </p:sldMasterIdLst>
   <p:notesMasterIdLst>
-    <p:notesMasterId r:id="rId9"/>
+    <p:notesMasterId r:id="rId10"/>
   </p:notesMasterIdLst>
   <p:sldIdLst>
     <p:sldId id="256" r:id="rId2"/>
     <p:sldId id="257" r:id="rId3"/>
     <p:sldId id="258" r:id="rId4"/>
-    <p:sldId id="259" r:id="rId5"/>
-    <p:sldId id="260" r:id="rId6"/>
-    <p:sldId id="261" r:id="rId7"/>
-    <p:sldId id="262" r:id="rId8"/>
+    <p:sldId id="263" r:id="rId5"/>
+    <p:sldId id="259" r:id="rId6"/>
+    <p:sldId id="260" r:id="rId7"/>
+    <p:sldId id="261" r:id="rId8"/>
+    <p:sldId id="262" r:id="rId9"/>
   </p:sldIdLst>
   <p:sldSz cx="9144000" cy="5143500" type="screen16x9"/>
   <p:notesSz cx="6858000" cy="9144000"/>
   <p:embeddedFontLst>
     <p:embeddedFont>
       <p:font typeface="Merriweather" panose="00000500000000000000" pitchFamily="2" charset="0"/>
-      <p:regular r:id="rId10"/>
-      <p:bold r:id="rId11"/>
-      <p:italic r:id="rId12"/>
-      <p:boldItalic r:id="rId13"/>
+      <p:regular r:id="rId11"/>
+      <p:bold r:id="rId12"/>
+      <p:italic r:id="rId13"/>
+      <p:boldItalic r:id="rId14"/>
     </p:embeddedFont>
     <p:embeddedFont>
       <p:font typeface="Poppins" panose="00000500000000000000" pitchFamily="2" charset="0"/>
-      <p:regular r:id="rId14"/>
-      <p:bold r:id="rId15"/>
-      <p:italic r:id="rId16"/>
-      <p:boldItalic r:id="rId17"/>
+      <p:regular r:id="rId15"/>
+      <p:bold r:id="rId16"/>
+      <p:italic r:id="rId17"/>
+      <p:boldItalic r:id="rId18"/>
     </p:embeddedFont>
     <p:embeddedFont>
       <p:font typeface="Poppins SemiBold" panose="00000700000000000000" pitchFamily="2" charset="0"/>
-      <p:regular r:id="rId18"/>
-      <p:bold r:id="rId19"/>
-      <p:italic r:id="rId20"/>
-      <p:boldItalic r:id="rId21"/>
+      <p:regular r:id="rId19"/>
+      <p:bold r:id="rId20"/>
+      <p:italic r:id="rId21"/>
+      <p:boldItalic r:id="rId22"/>
     </p:embeddedFont>
     <p:embeddedFont>
       <p:font typeface="Roboto" panose="02000000000000000000" pitchFamily="2" charset="0"/>
-      <p:regular r:id="rId22"/>
-      <p:bold r:id="rId23"/>
-      <p:italic r:id="rId24"/>
-      <p:boldItalic r:id="rId25"/>
+      <p:regular r:id="rId23"/>
+      <p:bold r:id="rId24"/>
+      <p:italic r:id="rId25"/>
+      <p:boldItalic r:id="rId26"/>
     </p:embeddedFont>
     <p:embeddedFont>
       <p:font typeface="Roboto Black" panose="02000000000000000000" pitchFamily="2" charset="0"/>
-      <p:bold r:id="rId26"/>
-      <p:boldItalic r:id="rId27"/>
+      <p:bold r:id="rId27"/>
+      <p:boldItalic r:id="rId28"/>
     </p:embeddedFont>
   </p:embeddedFontLst>
   <p:defaultTextStyle>
@@ -875,7 +876,7 @@
         </p:nvSpPr>
         <p:spPr>
           <a:xfrm>
-            <a:off x="381300" y="685800"/>
+            <a:off x="381000" y="685800"/>
             <a:ext cx="6096000" cy="3429000"/>
           </a:xfrm>
           <a:custGeom>
@@ -938,7 +939,11 @@
               </a:spcAft>
               <a:buNone/>
             </a:pPr>
-            <a:endParaRPr/>
+            <a:r>
+              <a:rPr lang="de-DE" dirty="0"/>
+              <a:t>– Kurzvorstellung der gewählten Applikation und der darunter liegenden Technologie – Herangehensweise (Was? Wann?) – Tools → Genutzte Frameworks / Tools für die vorgegebenen Schritte kurz vorstellen – Probleme und deren Lösung, wenn Probleme vorhanden – Innovationen, wenn vorhanden – Demo (Pipelines) soweit möglich – TODO </a:t>
+            </a:r>
+            <a:endParaRPr dirty="0"/>
           </a:p>
         </p:txBody>
       </p:sp>
@@ -979,7 +984,7 @@
         </p:nvSpPr>
         <p:spPr>
           <a:xfrm>
-            <a:off x="381300" y="685800"/>
+            <a:off x="381000" y="685800"/>
             <a:ext cx="6096000" cy="3429000"/>
           </a:xfrm>
           <a:custGeom>
@@ -1059,6 +1064,133 @@
   <p:cSld>
     <p:spTree>
       <p:nvGrpSpPr>
+        <p:cNvPr id="1" name="Shape 92">
+          <a:extLst>
+            <a:ext uri="{FF2B5EF4-FFF2-40B4-BE49-F238E27FC236}">
+              <a16:creationId xmlns:a16="http://schemas.microsoft.com/office/drawing/2014/main" id="{FC5662CF-8EA6-CE20-88DE-01419320ECEC}"/>
+            </a:ext>
+          </a:extLst>
+        </p:cNvPr>
+        <p:cNvGrpSpPr/>
+        <p:nvPr/>
+      </p:nvGrpSpPr>
+      <p:grpSpPr>
+        <a:xfrm>
+          <a:off x="0" y="0"/>
+          <a:ext cx="0" cy="0"/>
+          <a:chOff x="0" y="0"/>
+          <a:chExt cx="0" cy="0"/>
+        </a:xfrm>
+      </p:grpSpPr>
+      <p:sp>
+        <p:nvSpPr>
+          <p:cNvPr id="93" name="Google Shape;93;g35fd806cf8c_0_16:notes">
+            <a:extLst>
+              <a:ext uri="{FF2B5EF4-FFF2-40B4-BE49-F238E27FC236}">
+                <a16:creationId xmlns:a16="http://schemas.microsoft.com/office/drawing/2014/main" id="{6CD5AAD6-041B-BB78-C6B5-8FA05588702D}"/>
+              </a:ext>
+            </a:extLst>
+          </p:cNvPr>
+          <p:cNvSpPr>
+            <a:spLocks noGrp="1" noRot="1" noChangeAspect="1"/>
+          </p:cNvSpPr>
+          <p:nvPr>
+            <p:ph type="sldImg" idx="2"/>
+          </p:nvPr>
+        </p:nvSpPr>
+        <p:spPr>
+          <a:xfrm>
+            <a:off x="381000" y="685800"/>
+            <a:ext cx="6096000" cy="3429000"/>
+          </a:xfrm>
+          <a:custGeom>
+            <a:avLst/>
+            <a:gdLst/>
+            <a:ahLst/>
+            <a:cxnLst/>
+            <a:rect l="l" t="t" r="r" b="b"/>
+            <a:pathLst>
+              <a:path w="120000" h="120000" extrusionOk="0">
+                <a:moveTo>
+                  <a:pt x="0" y="0"/>
+                </a:moveTo>
+                <a:lnTo>
+                  <a:pt x="120000" y="0"/>
+                </a:lnTo>
+                <a:lnTo>
+                  <a:pt x="120000" y="120000"/>
+                </a:lnTo>
+                <a:lnTo>
+                  <a:pt x="0" y="120000"/>
+                </a:lnTo>
+                <a:close/>
+              </a:path>
+            </a:pathLst>
+          </a:custGeom>
+        </p:spPr>
+      </p:sp>
+      <p:sp>
+        <p:nvSpPr>
+          <p:cNvPr id="94" name="Google Shape;94;g35fd806cf8c_0_16:notes">
+            <a:extLst>
+              <a:ext uri="{FF2B5EF4-FFF2-40B4-BE49-F238E27FC236}">
+                <a16:creationId xmlns:a16="http://schemas.microsoft.com/office/drawing/2014/main" id="{58E05848-DE3C-6D07-C23F-2A4724FF2A84}"/>
+              </a:ext>
+            </a:extLst>
+          </p:cNvPr>
+          <p:cNvSpPr txBox="1">
+            <a:spLocks noGrp="1"/>
+          </p:cNvSpPr>
+          <p:nvPr>
+            <p:ph type="body" idx="1"/>
+          </p:nvPr>
+        </p:nvSpPr>
+        <p:spPr>
+          <a:xfrm>
+            <a:off x="685800" y="4343400"/>
+            <a:ext cx="5486400" cy="4114800"/>
+          </a:xfrm>
+          <a:prstGeom prst="rect">
+            <a:avLst/>
+          </a:prstGeom>
+        </p:spPr>
+        <p:txBody>
+          <a:bodyPr spcFirstLastPara="1" wrap="square" lIns="91425" tIns="91425" rIns="91425" bIns="91425" anchor="t" anchorCtr="0">
+            <a:noAutofit/>
+          </a:bodyPr>
+          <a:lstStyle/>
+          <a:p>
+            <a:pPr marL="0" lvl="0" indent="0" algn="l" rtl="0">
+              <a:spcBef>
+                <a:spcPts val="0"/>
+              </a:spcBef>
+              <a:spcAft>
+                <a:spcPts val="0"/>
+              </a:spcAft>
+              <a:buNone/>
+            </a:pPr>
+            <a:endParaRPr/>
+          </a:p>
+        </p:txBody>
+      </p:sp>
+    </p:spTree>
+    <p:extLst>
+      <p:ext uri="{BB962C8B-B14F-4D97-AF65-F5344CB8AC3E}">
+        <p14:creationId xmlns:p14="http://schemas.microsoft.com/office/powerpoint/2010/main" val="3533883418"/>
+      </p:ext>
+    </p:extLst>
+  </p:cSld>
+  <p:clrMapOvr>
+    <a:masterClrMapping/>
+  </p:clrMapOvr>
+</p:notes>
+</file>
+
+<file path=ppt/notesSlides/notesSlide5.xml><?xml version="1.0" encoding="utf-8"?>
+<p:notes xmlns:a="http://schemas.openxmlformats.org/drawingml/2006/main" xmlns:r="http://schemas.openxmlformats.org/officeDocument/2006/relationships" xmlns:p="http://schemas.openxmlformats.org/presentationml/2006/main" showMasterSp="0" showMasterPhAnim="0">
+  <p:cSld>
+    <p:spTree>
+      <p:nvGrpSpPr>
         <p:cNvPr id="1" name="Shape 101"/>
         <p:cNvGrpSpPr/>
         <p:nvPr/>
@@ -1083,7 +1215,7 @@
         </p:nvSpPr>
         <p:spPr>
           <a:xfrm>
-            <a:off x="381300" y="685800"/>
+            <a:off x="381000" y="685800"/>
             <a:ext cx="6096000" cy="3429000"/>
           </a:xfrm>
           <a:custGeom>
@@ -1158,7 +1290,7 @@
 </p:notes>
 </file>
 
-<file path=ppt/notesSlides/notesSlide5.xml><?xml version="1.0" encoding="utf-8"?>
+<file path=ppt/notesSlides/notesSlide6.xml><?xml version="1.0" encoding="utf-8"?>
 <p:notes xmlns:a="http://schemas.openxmlformats.org/drawingml/2006/main" xmlns:r="http://schemas.openxmlformats.org/officeDocument/2006/relationships" xmlns:p="http://schemas.openxmlformats.org/presentationml/2006/main" showMasterSp="0" showMasterPhAnim="0">
   <p:cSld>
     <p:spTree>
@@ -1262,7 +1394,7 @@
 </p:notes>
 </file>
 
-<file path=ppt/notesSlides/notesSlide6.xml><?xml version="1.0" encoding="utf-8"?>
+<file path=ppt/notesSlides/notesSlide7.xml><?xml version="1.0" encoding="utf-8"?>
 <p:notes xmlns:a="http://schemas.openxmlformats.org/drawingml/2006/main" xmlns:r="http://schemas.openxmlformats.org/officeDocument/2006/relationships" xmlns:p="http://schemas.openxmlformats.org/presentationml/2006/main" showMasterSp="0" showMasterPhAnim="0">
   <p:cSld>
     <p:spTree>
@@ -1291,7 +1423,7 @@
         </p:nvSpPr>
         <p:spPr>
           <a:xfrm>
-            <a:off x="381300" y="685800"/>
+            <a:off x="381000" y="685800"/>
             <a:ext cx="6096000" cy="3429000"/>
           </a:xfrm>
           <a:custGeom>
@@ -1366,7 +1498,7 @@
 </p:notes>
 </file>
 
-<file path=ppt/notesSlides/notesSlide7.xml><?xml version="1.0" encoding="utf-8"?>
+<file path=ppt/notesSlides/notesSlide8.xml><?xml version="1.0" encoding="utf-8"?>
 <p:notes xmlns:a="http://schemas.openxmlformats.org/drawingml/2006/main" xmlns:r="http://schemas.openxmlformats.org/officeDocument/2006/relationships" xmlns:p="http://schemas.openxmlformats.org/presentationml/2006/main" showMasterSp="0" showMasterPhAnim="0">
   <p:cSld>
     <p:spTree>
@@ -1395,7 +1527,7 @@
         </p:nvSpPr>
         <p:spPr>
           <a:xfrm>
-            <a:off x="381300" y="685800"/>
+            <a:off x="381000" y="685800"/>
             <a:ext cx="6096000" cy="3429000"/>
           </a:xfrm>
           <a:custGeom>
@@ -8053,7 +8185,7 @@
               <a:buNone/>
             </a:pPr>
             <a:r>
-              <a:rPr lang="de" sz="900">
+              <a:rPr lang="de" sz="900" dirty="0">
                 <a:solidFill>
                   <a:schemeClr val="dk1"/>
                 </a:solidFill>
@@ -8062,9 +8194,9 @@
                 <a:cs typeface="Roboto"/>
                 <a:sym typeface="Roboto"/>
               </a:rPr>
-              <a:t>Name (2025)</a:t>
+              <a:t>Romeis (2025)</a:t>
             </a:r>
-            <a:endParaRPr sz="900">
+            <a:endParaRPr sz="900" dirty="0">
               <a:solidFill>
                 <a:schemeClr val="dk1"/>
               </a:solidFill>
@@ -8084,7 +8216,7 @@
         </p:nvSpPr>
         <p:spPr>
           <a:xfrm>
-            <a:off x="1004950" y="1793525"/>
+            <a:off x="1005000" y="2023050"/>
             <a:ext cx="548700" cy="548700"/>
           </a:xfrm>
           <a:prstGeom prst="roundRect">
@@ -8146,7 +8278,7 @@
         </p:nvSpPr>
         <p:spPr>
           <a:xfrm>
-            <a:off x="1553650" y="1871075"/>
+            <a:off x="1553700" y="2100600"/>
             <a:ext cx="1944000" cy="393600"/>
           </a:xfrm>
           <a:prstGeom prst="rect">
@@ -8173,7 +8305,7 @@
               <a:buNone/>
             </a:pPr>
             <a:r>
-              <a:rPr lang="de" sz="1800">
+              <a:rPr lang="de" sz="1800" dirty="0">
                 <a:solidFill>
                   <a:schemeClr val="dk1"/>
                 </a:solidFill>
@@ -8182,9 +8314,9 @@
                 <a:cs typeface="Roboto"/>
                 <a:sym typeface="Roboto"/>
               </a:rPr>
-              <a:t>Text</a:t>
+              <a:t>Einführung</a:t>
             </a:r>
-            <a:endParaRPr sz="1800">
+            <a:endParaRPr sz="1800" dirty="0">
               <a:solidFill>
                 <a:schemeClr val="dk1"/>
               </a:solidFill>
@@ -8204,7 +8336,7 @@
         </p:nvSpPr>
         <p:spPr>
           <a:xfrm>
-            <a:off x="1004950" y="2484350"/>
+            <a:off x="1005000" y="2713875"/>
             <a:ext cx="548700" cy="548700"/>
           </a:xfrm>
           <a:prstGeom prst="roundRect">
@@ -8266,8 +8398,8 @@
         </p:nvSpPr>
         <p:spPr>
           <a:xfrm>
-            <a:off x="1553650" y="2561900"/>
-            <a:ext cx="2019300" cy="393600"/>
+            <a:off x="1553699" y="2801275"/>
+            <a:ext cx="2269413" cy="383750"/>
           </a:xfrm>
           <a:prstGeom prst="rect">
             <a:avLst/>
@@ -8293,7 +8425,7 @@
               <a:buNone/>
             </a:pPr>
             <a:r>
-              <a:rPr lang="de" sz="1800">
+              <a:rPr lang="de" sz="1800" dirty="0">
                 <a:solidFill>
                   <a:schemeClr val="dk1"/>
                 </a:solidFill>
@@ -8302,9 +8434,9 @@
                 <a:cs typeface="Roboto"/>
                 <a:sym typeface="Roboto"/>
               </a:rPr>
-              <a:t>Text</a:t>
+              <a:t>Herangehensweise</a:t>
             </a:r>
-            <a:endParaRPr sz="1600">
+            <a:endParaRPr sz="1600" dirty="0">
               <a:solidFill>
                 <a:schemeClr val="dk1"/>
               </a:solidFill>
@@ -8324,7 +8456,7 @@
         </p:nvSpPr>
         <p:spPr>
           <a:xfrm>
-            <a:off x="1004950" y="3175175"/>
+            <a:off x="1005000" y="3404700"/>
             <a:ext cx="548700" cy="548700"/>
           </a:xfrm>
           <a:prstGeom prst="roundRect">
@@ -8386,8 +8518,8 @@
         </p:nvSpPr>
         <p:spPr>
           <a:xfrm>
-            <a:off x="1553650" y="3252725"/>
-            <a:ext cx="2162100" cy="393600"/>
+            <a:off x="1553699" y="3482250"/>
+            <a:ext cx="2863325" cy="383750"/>
           </a:xfrm>
           <a:prstGeom prst="rect">
             <a:avLst/>
@@ -8413,7 +8545,7 @@
               <a:buNone/>
             </a:pPr>
             <a:r>
-              <a:rPr lang="de" sz="1800">
+              <a:rPr lang="de" sz="1800" dirty="0">
                 <a:solidFill>
                   <a:schemeClr val="dk1"/>
                 </a:solidFill>
@@ -8422,9 +8554,9 @@
                 <a:cs typeface="Roboto"/>
                 <a:sym typeface="Roboto"/>
               </a:rPr>
-              <a:t>Text</a:t>
+              <a:t>Tools &amp; Frameworks</a:t>
             </a:r>
-            <a:endParaRPr sz="1800">
+            <a:endParaRPr sz="1800" dirty="0">
               <a:solidFill>
                 <a:schemeClr val="dk1"/>
               </a:solidFill>
@@ -8444,7 +8576,7 @@
         </p:nvSpPr>
         <p:spPr>
           <a:xfrm>
-            <a:off x="4416975" y="1793525"/>
+            <a:off x="4417025" y="2713875"/>
             <a:ext cx="548700" cy="548700"/>
           </a:xfrm>
           <a:prstGeom prst="roundRect">
@@ -8506,7 +8638,7 @@
         </p:nvSpPr>
         <p:spPr>
           <a:xfrm>
-            <a:off x="4965675" y="1871075"/>
+            <a:off x="4965725" y="2788578"/>
             <a:ext cx="3778500" cy="393600"/>
           </a:xfrm>
           <a:prstGeom prst="rect">
@@ -8533,7 +8665,7 @@
               <a:buNone/>
             </a:pPr>
             <a:r>
-              <a:rPr lang="de" sz="1800">
+              <a:rPr lang="de" sz="1800" dirty="0">
                 <a:solidFill>
                   <a:schemeClr val="dk1"/>
                 </a:solidFill>
@@ -8542,9 +8674,9 @@
                 <a:cs typeface="Roboto"/>
                 <a:sym typeface="Roboto"/>
               </a:rPr>
-              <a:t>Text</a:t>
+              <a:t>Demo: Github Actions</a:t>
             </a:r>
-            <a:endParaRPr sz="1800">
+            <a:endParaRPr sz="1800" dirty="0">
               <a:solidFill>
                 <a:schemeClr val="dk1"/>
               </a:solidFill>
@@ -8564,7 +8696,7 @@
         </p:nvSpPr>
         <p:spPr>
           <a:xfrm>
-            <a:off x="4416975" y="2484350"/>
+            <a:off x="4417025" y="3404700"/>
             <a:ext cx="548700" cy="548700"/>
           </a:xfrm>
           <a:prstGeom prst="roundRect">
@@ -8626,7 +8758,7 @@
         </p:nvSpPr>
         <p:spPr>
           <a:xfrm>
-            <a:off x="4965675" y="2561900"/>
+            <a:off x="4965725" y="3482250"/>
             <a:ext cx="1815000" cy="393600"/>
           </a:xfrm>
           <a:prstGeom prst="rect">
@@ -8653,7 +8785,7 @@
               <a:buNone/>
             </a:pPr>
             <a:r>
-              <a:rPr lang="de" sz="1800">
+              <a:rPr lang="de" sz="1800" dirty="0">
                 <a:solidFill>
                   <a:schemeClr val="dk1"/>
                 </a:solidFill>
@@ -8662,9 +8794,9 @@
                 <a:cs typeface="Roboto"/>
                 <a:sym typeface="Roboto"/>
               </a:rPr>
-              <a:t>Text</a:t>
+              <a:t>Ausblick</a:t>
             </a:r>
-            <a:endParaRPr sz="1600">
+            <a:endParaRPr sz="1600" dirty="0">
               <a:solidFill>
                 <a:schemeClr val="dk1"/>
               </a:solidFill>
@@ -8678,13 +8810,13 @@
       </p:sp>
       <p:sp>
         <p:nvSpPr>
-          <p:cNvPr id="85" name="Google Shape;85;p14"/>
+          <p:cNvPr id="89" name="Google Shape;89;p14"/>
           <p:cNvSpPr/>
           <p:nvPr/>
         </p:nvSpPr>
         <p:spPr>
           <a:xfrm>
-            <a:off x="4416975" y="3175175"/>
+            <a:off x="4417024" y="2023050"/>
             <a:ext cx="548700" cy="548700"/>
           </a:xfrm>
           <a:prstGeom prst="roundRect">
@@ -8715,247 +8847,7 @@
               <a:buNone/>
             </a:pPr>
             <a:r>
-              <a:rPr lang="de" sz="2000">
-                <a:solidFill>
-                  <a:schemeClr val="lt1"/>
-                </a:solidFill>
-                <a:latin typeface="Roboto Black"/>
-                <a:ea typeface="Roboto Black"/>
-                <a:cs typeface="Roboto Black"/>
-                <a:sym typeface="Roboto Black"/>
-              </a:rPr>
-              <a:t>7</a:t>
-            </a:r>
-            <a:endParaRPr sz="2000">
-              <a:solidFill>
-                <a:schemeClr val="lt1"/>
-              </a:solidFill>
-              <a:latin typeface="Roboto Black"/>
-              <a:ea typeface="Roboto Black"/>
-              <a:cs typeface="Roboto Black"/>
-              <a:sym typeface="Roboto Black"/>
-            </a:endParaRPr>
-          </a:p>
-        </p:txBody>
-      </p:sp>
-      <p:sp>
-        <p:nvSpPr>
-          <p:cNvPr id="86" name="Google Shape;86;p14"/>
-          <p:cNvSpPr txBox="1"/>
-          <p:nvPr/>
-        </p:nvSpPr>
-        <p:spPr>
-          <a:xfrm>
-            <a:off x="4965675" y="3252725"/>
-            <a:ext cx="2162100" cy="393600"/>
-          </a:xfrm>
-          <a:prstGeom prst="rect">
-            <a:avLst/>
-          </a:prstGeom>
-          <a:noFill/>
-          <a:ln>
-            <a:noFill/>
-          </a:ln>
-        </p:spPr>
-        <p:txBody>
-          <a:bodyPr spcFirstLastPara="1" wrap="square" lIns="91425" tIns="91425" rIns="91425" bIns="91425" anchor="t" anchorCtr="0">
-            <a:noAutofit/>
-          </a:bodyPr>
-          <a:lstStyle/>
-          <a:p>
-            <a:pPr marL="0" lvl="0" indent="0" algn="l" rtl="0">
-              <a:spcBef>
-                <a:spcPts val="0"/>
-              </a:spcBef>
-              <a:spcAft>
-                <a:spcPts val="0"/>
-              </a:spcAft>
-              <a:buNone/>
-            </a:pPr>
-            <a:r>
-              <a:rPr lang="de" sz="1800">
-                <a:solidFill>
-                  <a:schemeClr val="dk1"/>
-                </a:solidFill>
-                <a:latin typeface="Roboto"/>
-                <a:ea typeface="Roboto"/>
-                <a:cs typeface="Roboto"/>
-                <a:sym typeface="Roboto"/>
-              </a:rPr>
-              <a:t>Text</a:t>
-            </a:r>
-            <a:endParaRPr sz="1600">
-              <a:solidFill>
-                <a:schemeClr val="dk1"/>
-              </a:solidFill>
-              <a:latin typeface="Roboto"/>
-              <a:ea typeface="Roboto"/>
-              <a:cs typeface="Roboto"/>
-              <a:sym typeface="Roboto"/>
-            </a:endParaRPr>
-          </a:p>
-        </p:txBody>
-      </p:sp>
-      <p:sp>
-        <p:nvSpPr>
-          <p:cNvPr id="87" name="Google Shape;87;p14"/>
-          <p:cNvSpPr/>
-          <p:nvPr/>
-        </p:nvSpPr>
-        <p:spPr>
-          <a:xfrm>
-            <a:off x="4416975" y="3866000"/>
-            <a:ext cx="548700" cy="548700"/>
-          </a:xfrm>
-          <a:prstGeom prst="roundRect">
-            <a:avLst>
-              <a:gd name="adj" fmla="val 16667"/>
-            </a:avLst>
-          </a:prstGeom>
-          <a:solidFill>
-            <a:schemeClr val="dk1"/>
-          </a:solidFill>
-          <a:ln>
-            <a:noFill/>
-          </a:ln>
-        </p:spPr>
-        <p:txBody>
-          <a:bodyPr spcFirstLastPara="1" wrap="square" lIns="91425" tIns="91425" rIns="91425" bIns="91425" anchor="ctr" anchorCtr="0">
-            <a:noAutofit/>
-          </a:bodyPr>
-          <a:lstStyle/>
-          <a:p>
-            <a:pPr marL="0" lvl="0" indent="0" algn="ctr" rtl="0">
-              <a:spcBef>
-                <a:spcPts val="0"/>
-              </a:spcBef>
-              <a:spcAft>
-                <a:spcPts val="0"/>
-              </a:spcAft>
-              <a:buNone/>
-            </a:pPr>
-            <a:r>
-              <a:rPr lang="de" sz="2000">
-                <a:solidFill>
-                  <a:schemeClr val="lt1"/>
-                </a:solidFill>
-                <a:latin typeface="Roboto Black"/>
-                <a:ea typeface="Roboto Black"/>
-                <a:cs typeface="Roboto Black"/>
-                <a:sym typeface="Roboto Black"/>
-              </a:rPr>
-              <a:t>8</a:t>
-            </a:r>
-            <a:endParaRPr sz="2000">
-              <a:solidFill>
-                <a:schemeClr val="lt1"/>
-              </a:solidFill>
-              <a:latin typeface="Roboto Black"/>
-              <a:ea typeface="Roboto Black"/>
-              <a:cs typeface="Roboto Black"/>
-              <a:sym typeface="Roboto Black"/>
-            </a:endParaRPr>
-          </a:p>
-        </p:txBody>
-      </p:sp>
-      <p:sp>
-        <p:nvSpPr>
-          <p:cNvPr id="88" name="Google Shape;88;p14"/>
-          <p:cNvSpPr txBox="1"/>
-          <p:nvPr/>
-        </p:nvSpPr>
-        <p:spPr>
-          <a:xfrm>
-            <a:off x="4965675" y="3943550"/>
-            <a:ext cx="2162100" cy="393600"/>
-          </a:xfrm>
-          <a:prstGeom prst="rect">
-            <a:avLst/>
-          </a:prstGeom>
-          <a:noFill/>
-          <a:ln>
-            <a:noFill/>
-          </a:ln>
-        </p:spPr>
-        <p:txBody>
-          <a:bodyPr spcFirstLastPara="1" wrap="square" lIns="91425" tIns="91425" rIns="91425" bIns="91425" anchor="t" anchorCtr="0">
-            <a:noAutofit/>
-          </a:bodyPr>
-          <a:lstStyle/>
-          <a:p>
-            <a:pPr marL="0" lvl="0" indent="0" algn="l" rtl="0">
-              <a:spcBef>
-                <a:spcPts val="0"/>
-              </a:spcBef>
-              <a:spcAft>
-                <a:spcPts val="0"/>
-              </a:spcAft>
-              <a:buNone/>
-            </a:pPr>
-            <a:r>
-              <a:rPr lang="de" sz="1800">
-                <a:solidFill>
-                  <a:schemeClr val="dk1"/>
-                </a:solidFill>
-                <a:latin typeface="Roboto"/>
-                <a:ea typeface="Roboto"/>
-                <a:cs typeface="Roboto"/>
-                <a:sym typeface="Roboto"/>
-              </a:rPr>
-              <a:t>Text</a:t>
-            </a:r>
-            <a:endParaRPr sz="1600">
-              <a:solidFill>
-                <a:schemeClr val="dk1"/>
-              </a:solidFill>
-              <a:latin typeface="Roboto"/>
-              <a:ea typeface="Roboto"/>
-              <a:cs typeface="Roboto"/>
-              <a:sym typeface="Roboto"/>
-            </a:endParaRPr>
-          </a:p>
-        </p:txBody>
-      </p:sp>
-      <p:sp>
-        <p:nvSpPr>
-          <p:cNvPr id="89" name="Google Shape;89;p14"/>
-          <p:cNvSpPr/>
-          <p:nvPr/>
-        </p:nvSpPr>
-        <p:spPr>
-          <a:xfrm>
-            <a:off x="1004950" y="3866000"/>
-            <a:ext cx="548700" cy="548700"/>
-          </a:xfrm>
-          <a:prstGeom prst="roundRect">
-            <a:avLst>
-              <a:gd name="adj" fmla="val 16667"/>
-            </a:avLst>
-          </a:prstGeom>
-          <a:solidFill>
-            <a:schemeClr val="dk1"/>
-          </a:solidFill>
-          <a:ln>
-            <a:noFill/>
-          </a:ln>
-        </p:spPr>
-        <p:txBody>
-          <a:bodyPr spcFirstLastPara="1" wrap="square" lIns="91425" tIns="91425" rIns="91425" bIns="91425" anchor="ctr" anchorCtr="0">
-            <a:noAutofit/>
-          </a:bodyPr>
-          <a:lstStyle/>
-          <a:p>
-            <a:pPr marL="0" lvl="0" indent="0" algn="ctr" rtl="0">
-              <a:spcBef>
-                <a:spcPts val="0"/>
-              </a:spcBef>
-              <a:spcAft>
-                <a:spcPts val="0"/>
-              </a:spcAft>
-              <a:buNone/>
-            </a:pPr>
-            <a:r>
-              <a:rPr lang="de" sz="2000">
+              <a:rPr lang="de" sz="2000" dirty="0">
                 <a:solidFill>
                   <a:schemeClr val="lt1"/>
                 </a:solidFill>
@@ -8966,7 +8858,7 @@
               </a:rPr>
               <a:t>4</a:t>
             </a:r>
-            <a:endParaRPr sz="2000">
+            <a:endParaRPr sz="2000" dirty="0">
               <a:solidFill>
                 <a:schemeClr val="lt1"/>
               </a:solidFill>
@@ -8986,8 +8878,8 @@
         </p:nvSpPr>
         <p:spPr>
           <a:xfrm>
-            <a:off x="1553650" y="3943550"/>
-            <a:ext cx="1815000" cy="393600"/>
+            <a:off x="4965724" y="2100600"/>
+            <a:ext cx="2504544" cy="393600"/>
           </a:xfrm>
           <a:prstGeom prst="rect">
             <a:avLst/>
@@ -9013,7 +8905,7 @@
               <a:buNone/>
             </a:pPr>
             <a:r>
-              <a:rPr lang="de" sz="1800">
+              <a:rPr lang="de" sz="1800" dirty="0">
                 <a:solidFill>
                   <a:schemeClr val="dk1"/>
                 </a:solidFill>
@@ -9022,9 +8914,9 @@
                 <a:cs typeface="Roboto"/>
                 <a:sym typeface="Roboto"/>
               </a:rPr>
-              <a:t>Text</a:t>
+              <a:t>Probleme &amp; Lösungen</a:t>
             </a:r>
-            <a:endParaRPr sz="1600">
+            <a:endParaRPr sz="1600" dirty="0">
               <a:solidFill>
                 <a:schemeClr val="dk1"/>
               </a:solidFill>
@@ -9123,15 +9015,15 @@
               <a:buNone/>
             </a:pPr>
             <a:r>
-              <a:rPr lang="de">
+              <a:rPr lang="de" dirty="0">
                 <a:latin typeface="Poppins SemiBold"/>
                 <a:ea typeface="Poppins SemiBold"/>
                 <a:cs typeface="Poppins SemiBold"/>
                 <a:sym typeface="Poppins SemiBold"/>
               </a:rPr>
-              <a:t>Überschrift</a:t>
+              <a:t>1. Einführung</a:t>
             </a:r>
-            <a:endParaRPr>
+            <a:endParaRPr dirty="0">
               <a:latin typeface="Poppins SemiBold"/>
               <a:ea typeface="Poppins SemiBold"/>
               <a:cs typeface="Poppins SemiBold"/>
@@ -9207,17 +9099,9 @@
           </a:bodyPr>
           <a:lstStyle/>
           <a:p>
-            <a:pPr marL="0" lvl="0" indent="0" algn="l" rtl="0">
-              <a:spcBef>
-                <a:spcPts val="0"/>
-              </a:spcBef>
-              <a:spcAft>
-                <a:spcPts val="0"/>
-              </a:spcAft>
-              <a:buNone/>
-            </a:pPr>
+            <a:pPr lvl="0"/>
             <a:r>
-              <a:rPr lang="de" sz="900">
+              <a:rPr lang="de-DE" sz="900" dirty="0">
                 <a:solidFill>
                   <a:schemeClr val="dk1"/>
                 </a:solidFill>
@@ -9226,17 +9110,8 @@
                 <a:cs typeface="Roboto"/>
                 <a:sym typeface="Roboto"/>
               </a:rPr>
-              <a:t>Name (2025)</a:t>
+              <a:t>Romeis (2025)</a:t>
             </a:r>
-            <a:endParaRPr sz="900">
-              <a:solidFill>
-                <a:schemeClr val="dk1"/>
-              </a:solidFill>
-              <a:latin typeface="Roboto"/>
-              <a:ea typeface="Roboto"/>
-              <a:cs typeface="Roboto"/>
-              <a:sym typeface="Roboto"/>
-            </a:endParaRPr>
           </a:p>
         </p:txBody>
       </p:sp>
@@ -9278,7 +9153,7 @@
               <a:buNone/>
             </a:pPr>
             <a:r>
-              <a:rPr lang="de" sz="1600" b="1">
+              <a:rPr lang="de" sz="1600" b="1" dirty="0">
                 <a:solidFill>
                   <a:schemeClr val="dk1"/>
                 </a:solidFill>
@@ -9287,9 +9162,61 @@
                 <a:cs typeface="Roboto"/>
                 <a:sym typeface="Roboto"/>
               </a:rPr>
-              <a:t>Überschrift</a:t>
+              <a:t>Was?</a:t>
             </a:r>
-            <a:endParaRPr>
+          </a:p>
+          <a:p>
+            <a:pPr marL="0" lvl="0" indent="0" algn="l" rtl="0">
+              <a:lnSpc>
+                <a:spcPct val="200000"/>
+              </a:lnSpc>
+              <a:spcBef>
+                <a:spcPts val="0"/>
+              </a:spcBef>
+              <a:spcAft>
+                <a:spcPts val="0"/>
+              </a:spcAft>
+              <a:buNone/>
+            </a:pPr>
+            <a:r>
+              <a:rPr lang="de" sz="1600" dirty="0">
+                <a:solidFill>
+                  <a:schemeClr val="dk1"/>
+                </a:solidFill>
+                <a:latin typeface="Roboto"/>
+                <a:ea typeface="Roboto"/>
+                <a:cs typeface="Roboto"/>
+                <a:sym typeface="Roboto"/>
+              </a:rPr>
+              <a:t>Dummy App </a:t>
+            </a:r>
+          </a:p>
+          <a:p>
+            <a:pPr marL="0" lvl="0" indent="0" algn="l" rtl="0">
+              <a:lnSpc>
+                <a:spcPct val="200000"/>
+              </a:lnSpc>
+              <a:spcBef>
+                <a:spcPts val="0"/>
+              </a:spcBef>
+              <a:spcAft>
+                <a:spcPts val="0"/>
+              </a:spcAft>
+              <a:buNone/>
+            </a:pPr>
+            <a:r>
+              <a:rPr lang="de" sz="1600" b="1" dirty="0">
+                <a:solidFill>
+                  <a:schemeClr val="dk1"/>
+                </a:solidFill>
+                <a:latin typeface="Roboto"/>
+                <a:ea typeface="Roboto"/>
+                <a:cs typeface="Roboto"/>
+                <a:sym typeface="Roboto"/>
+              </a:rPr>
+              <a:t>Technolgie-Stack</a:t>
+            </a:r>
+            <a:endParaRPr dirty="0">
               <a:solidFill>
                 <a:schemeClr val="dk1"/>
               </a:solidFill>
@@ -9318,7 +9245,7 @@
               <a:buChar char="●"/>
             </a:pPr>
             <a:r>
-              <a:rPr lang="de">
+              <a:rPr lang="de" dirty="0">
                 <a:solidFill>
                   <a:schemeClr val="dk1"/>
                 </a:solidFill>
@@ -9327,9 +9254,102 @@
                 <a:cs typeface="Roboto"/>
                 <a:sym typeface="Roboto"/>
               </a:rPr>
-              <a:t>text</a:t>
+              <a:t>Backend: Node.js</a:t>
             </a:r>
-            <a:endParaRPr>
+          </a:p>
+          <a:p>
+            <a:pPr marL="457200" lvl="0" indent="-317500" algn="l" rtl="0">
+              <a:lnSpc>
+                <a:spcPct val="200000"/>
+              </a:lnSpc>
+              <a:spcBef>
+                <a:spcPts val="0"/>
+              </a:spcBef>
+              <a:spcAft>
+                <a:spcPts val="0"/>
+              </a:spcAft>
+              <a:buClr>
+                <a:schemeClr val="dk1"/>
+              </a:buClr>
+              <a:buSzPts val="1400"/>
+              <a:buFont typeface="Roboto"/>
+              <a:buChar char="●"/>
+            </a:pPr>
+            <a:r>
+              <a:rPr lang="de" dirty="0">
+                <a:solidFill>
+                  <a:schemeClr val="dk1"/>
+                </a:solidFill>
+                <a:latin typeface="Roboto"/>
+                <a:ea typeface="Roboto"/>
+                <a:cs typeface="Roboto"/>
+                <a:sym typeface="Roboto"/>
+              </a:rPr>
+              <a:t>Frontend: React  (wo fastify?)</a:t>
+            </a:r>
+          </a:p>
+          <a:p>
+            <a:pPr marL="457200" lvl="0" indent="-317500" algn="l" rtl="0">
+              <a:lnSpc>
+                <a:spcPct val="200000"/>
+              </a:lnSpc>
+              <a:spcBef>
+                <a:spcPts val="0"/>
+              </a:spcBef>
+              <a:spcAft>
+                <a:spcPts val="0"/>
+              </a:spcAft>
+              <a:buClr>
+                <a:schemeClr val="dk1"/>
+              </a:buClr>
+              <a:buSzPts val="1400"/>
+              <a:buFont typeface="Roboto"/>
+              <a:buChar char="●"/>
+            </a:pPr>
+            <a:r>
+              <a:rPr lang="de" dirty="0">
+                <a:solidFill>
+                  <a:schemeClr val="dk1"/>
+                </a:solidFill>
+                <a:latin typeface="Roboto"/>
+                <a:ea typeface="Roboto"/>
+                <a:cs typeface="Roboto"/>
+                <a:sym typeface="Roboto"/>
+              </a:rPr>
+              <a:t>CI/CD: Github Actions</a:t>
+            </a:r>
+          </a:p>
+          <a:p>
+            <a:pPr marL="457200" lvl="0" indent="-317500" algn="l" rtl="0">
+              <a:lnSpc>
+                <a:spcPct val="200000"/>
+              </a:lnSpc>
+              <a:spcBef>
+                <a:spcPts val="0"/>
+              </a:spcBef>
+              <a:spcAft>
+                <a:spcPts val="0"/>
+              </a:spcAft>
+              <a:buClr>
+                <a:schemeClr val="dk1"/>
+              </a:buClr>
+              <a:buSzPts val="1400"/>
+              <a:buFont typeface="Roboto"/>
+              <a:buChar char="●"/>
+            </a:pPr>
+            <a:r>
+              <a:rPr lang="de" dirty="0">
+                <a:solidFill>
+                  <a:schemeClr val="dk1"/>
+                </a:solidFill>
+                <a:latin typeface="Roboto"/>
+                <a:ea typeface="Roboto"/>
+                <a:cs typeface="Roboto"/>
+                <a:sym typeface="Roboto"/>
+              </a:rPr>
+              <a:t>Containerisierung: Docker </a:t>
+            </a:r>
+            <a:endParaRPr dirty="0">
               <a:solidFill>
                 <a:schemeClr val="dk1"/>
               </a:solidFill>
@@ -9381,6 +9401,288 @@
   <p:cSld>
     <p:spTree>
       <p:nvGrpSpPr>
+        <p:cNvPr id="1" name="Shape 95">
+          <a:extLst>
+            <a:ext uri="{FF2B5EF4-FFF2-40B4-BE49-F238E27FC236}">
+              <a16:creationId xmlns:a16="http://schemas.microsoft.com/office/drawing/2014/main" id="{5FFB4E59-EE92-A158-5845-662F690C68B0}"/>
+            </a:ext>
+          </a:extLst>
+        </p:cNvPr>
+        <p:cNvGrpSpPr/>
+        <p:nvPr/>
+      </p:nvGrpSpPr>
+      <p:grpSpPr>
+        <a:xfrm>
+          <a:off x="0" y="0"/>
+          <a:ext cx="0" cy="0"/>
+          <a:chOff x="0" y="0"/>
+          <a:chExt cx="0" cy="0"/>
+        </a:xfrm>
+      </p:grpSpPr>
+      <p:sp>
+        <p:nvSpPr>
+          <p:cNvPr id="96" name="Google Shape;96;p15">
+            <a:extLst>
+              <a:ext uri="{FF2B5EF4-FFF2-40B4-BE49-F238E27FC236}">
+                <a16:creationId xmlns:a16="http://schemas.microsoft.com/office/drawing/2014/main" id="{510D6363-CDB2-1FA7-B9D6-80CC65E9817D}"/>
+              </a:ext>
+            </a:extLst>
+          </p:cNvPr>
+          <p:cNvSpPr txBox="1">
+            <a:spLocks noGrp="1"/>
+          </p:cNvSpPr>
+          <p:nvPr>
+            <p:ph type="title"/>
+          </p:nvPr>
+        </p:nvSpPr>
+        <p:spPr>
+          <a:xfrm>
+            <a:off x="311725" y="500925"/>
+            <a:ext cx="8520600" cy="623700"/>
+          </a:xfrm>
+          <a:prstGeom prst="rect">
+            <a:avLst/>
+          </a:prstGeom>
+        </p:spPr>
+        <p:txBody>
+          <a:bodyPr spcFirstLastPara="1" wrap="square" lIns="91425" tIns="91425" rIns="91425" bIns="91425" anchor="t" anchorCtr="0">
+            <a:normAutofit/>
+          </a:bodyPr>
+          <a:lstStyle/>
+          <a:p>
+            <a:pPr marL="0" lvl="0" indent="0" algn="l" rtl="0">
+              <a:spcBef>
+                <a:spcPts val="0"/>
+              </a:spcBef>
+              <a:spcAft>
+                <a:spcPts val="0"/>
+              </a:spcAft>
+              <a:buNone/>
+            </a:pPr>
+            <a:r>
+              <a:rPr lang="de" dirty="0">
+                <a:latin typeface="Poppins SemiBold"/>
+                <a:ea typeface="Poppins SemiBold"/>
+                <a:cs typeface="Poppins SemiBold"/>
+                <a:sym typeface="Poppins SemiBold"/>
+              </a:rPr>
+              <a:t>2. Herangehensweise</a:t>
+            </a:r>
+            <a:endParaRPr dirty="0">
+              <a:latin typeface="Poppins SemiBold"/>
+              <a:ea typeface="Poppins SemiBold"/>
+              <a:cs typeface="Poppins SemiBold"/>
+              <a:sym typeface="Poppins SemiBold"/>
+            </a:endParaRPr>
+          </a:p>
+        </p:txBody>
+      </p:sp>
+      <p:sp>
+        <p:nvSpPr>
+          <p:cNvPr id="97" name="Google Shape;97;p15">
+            <a:extLst>
+              <a:ext uri="{FF2B5EF4-FFF2-40B4-BE49-F238E27FC236}">
+                <a16:creationId xmlns:a16="http://schemas.microsoft.com/office/drawing/2014/main" id="{A0E826DC-47FB-47C9-3996-485B0B48DF5E}"/>
+              </a:ext>
+            </a:extLst>
+          </p:cNvPr>
+          <p:cNvSpPr txBox="1">
+            <a:spLocks noGrp="1"/>
+          </p:cNvSpPr>
+          <p:nvPr>
+            <p:ph type="sldNum" idx="12"/>
+          </p:nvPr>
+        </p:nvSpPr>
+        <p:spPr>
+          <a:xfrm>
+            <a:off x="8472458" y="4663217"/>
+            <a:ext cx="548700" cy="393600"/>
+          </a:xfrm>
+          <a:prstGeom prst="rect">
+            <a:avLst/>
+          </a:prstGeom>
+        </p:spPr>
+        <p:txBody>
+          <a:bodyPr spcFirstLastPara="1" wrap="square" lIns="91425" tIns="91425" rIns="91425" bIns="91425" anchor="ctr" anchorCtr="0">
+            <a:normAutofit/>
+          </a:bodyPr>
+          <a:lstStyle/>
+          <a:p>
+            <a:pPr marL="0" lvl="0" indent="0" algn="r" rtl="0">
+              <a:spcBef>
+                <a:spcPts val="0"/>
+              </a:spcBef>
+              <a:spcAft>
+                <a:spcPts val="0"/>
+              </a:spcAft>
+              <a:buNone/>
+            </a:pPr>
+            <a:fld id="{00000000-1234-1234-1234-123412341234}" type="slidenum">
+              <a:rPr lang="de"/>
+              <a:t>4</a:t>
+            </a:fld>
+            <a:endParaRPr/>
+          </a:p>
+        </p:txBody>
+      </p:sp>
+      <p:sp>
+        <p:nvSpPr>
+          <p:cNvPr id="98" name="Google Shape;98;p15">
+            <a:extLst>
+              <a:ext uri="{FF2B5EF4-FFF2-40B4-BE49-F238E27FC236}">
+                <a16:creationId xmlns:a16="http://schemas.microsoft.com/office/drawing/2014/main" id="{B5043ED2-79C8-182E-E252-7C473C8882E2}"/>
+              </a:ext>
+            </a:extLst>
+          </p:cNvPr>
+          <p:cNvSpPr txBox="1"/>
+          <p:nvPr/>
+        </p:nvSpPr>
+        <p:spPr>
+          <a:xfrm>
+            <a:off x="7769225" y="4700275"/>
+            <a:ext cx="975000" cy="319500"/>
+          </a:xfrm>
+          <a:prstGeom prst="rect">
+            <a:avLst/>
+          </a:prstGeom>
+          <a:noFill/>
+          <a:ln>
+            <a:noFill/>
+          </a:ln>
+        </p:spPr>
+        <p:txBody>
+          <a:bodyPr spcFirstLastPara="1" wrap="square" lIns="91425" tIns="91425" rIns="91425" bIns="91425" anchor="t" anchorCtr="0">
+            <a:noAutofit/>
+          </a:bodyPr>
+          <a:lstStyle/>
+          <a:p>
+            <a:pPr lvl="0"/>
+            <a:r>
+              <a:rPr lang="de-DE" sz="900" dirty="0">
+                <a:solidFill>
+                  <a:schemeClr val="dk1"/>
+                </a:solidFill>
+                <a:latin typeface="Roboto"/>
+                <a:ea typeface="Roboto"/>
+                <a:cs typeface="Roboto"/>
+                <a:sym typeface="Roboto"/>
+              </a:rPr>
+              <a:t>Romeis (2025)</a:t>
+            </a:r>
+          </a:p>
+        </p:txBody>
+      </p:sp>
+      <p:sp>
+        <p:nvSpPr>
+          <p:cNvPr id="99" name="Google Shape;99;p15">
+            <a:extLst>
+              <a:ext uri="{FF2B5EF4-FFF2-40B4-BE49-F238E27FC236}">
+                <a16:creationId xmlns:a16="http://schemas.microsoft.com/office/drawing/2014/main" id="{6EB5DD61-33CD-2921-2BE4-F7DE771E8380}"/>
+              </a:ext>
+            </a:extLst>
+          </p:cNvPr>
+          <p:cNvSpPr txBox="1"/>
+          <p:nvPr/>
+        </p:nvSpPr>
+        <p:spPr>
+          <a:xfrm>
+            <a:off x="311725" y="1460875"/>
+            <a:ext cx="8520600" cy="3202200"/>
+          </a:xfrm>
+          <a:prstGeom prst="rect">
+            <a:avLst/>
+          </a:prstGeom>
+          <a:noFill/>
+          <a:ln>
+            <a:noFill/>
+          </a:ln>
+        </p:spPr>
+        <p:txBody>
+          <a:bodyPr spcFirstLastPara="1" wrap="square" lIns="91425" tIns="91425" rIns="91425" bIns="91425" anchor="t" anchorCtr="0">
+            <a:noAutofit/>
+          </a:bodyPr>
+          <a:lstStyle/>
+          <a:p>
+            <a:pPr lvl="0">
+              <a:lnSpc>
+                <a:spcPct val="200000"/>
+              </a:lnSpc>
+            </a:pPr>
+            <a:r>
+              <a:rPr lang="de-DE">
+                <a:solidFill>
+                  <a:schemeClr val="dk1"/>
+                </a:solidFill>
+                <a:latin typeface="Roboto"/>
+                <a:ea typeface="Roboto"/>
+                <a:cs typeface="Roboto"/>
+                <a:sym typeface="Roboto"/>
+              </a:rPr>
+              <a:t>https://chatgpt.com/c/685915fd-ec10-8008-9ebb-f95c62eadc66</a:t>
+            </a:r>
+            <a:endParaRPr dirty="0">
+              <a:solidFill>
+                <a:schemeClr val="dk1"/>
+              </a:solidFill>
+              <a:latin typeface="Roboto"/>
+              <a:ea typeface="Roboto"/>
+              <a:cs typeface="Roboto"/>
+              <a:sym typeface="Roboto"/>
+            </a:endParaRPr>
+          </a:p>
+        </p:txBody>
+      </p:sp>
+      <p:pic>
+        <p:nvPicPr>
+          <p:cNvPr id="100" name="Google Shape;100;p15">
+            <a:extLst>
+              <a:ext uri="{FF2B5EF4-FFF2-40B4-BE49-F238E27FC236}">
+                <a16:creationId xmlns:a16="http://schemas.microsoft.com/office/drawing/2014/main" id="{63C320B5-4835-787F-F2C1-6EE89CB462A4}"/>
+              </a:ext>
+            </a:extLst>
+          </p:cNvPr>
+          <p:cNvPicPr preferRelativeResize="0"/>
+          <p:nvPr/>
+        </p:nvPicPr>
+        <p:blipFill rotWithShape="1">
+          <a:blip r:embed="rId3">
+            <a:alphaModFix/>
+          </a:blip>
+          <a:srcRect r="46193"/>
+          <a:stretch/>
+        </p:blipFill>
+        <p:spPr>
+          <a:xfrm>
+            <a:off x="7707650" y="423050"/>
+            <a:ext cx="1098127" cy="355750"/>
+          </a:xfrm>
+          <a:prstGeom prst="rect">
+            <a:avLst/>
+          </a:prstGeom>
+          <a:noFill/>
+          <a:ln>
+            <a:noFill/>
+          </a:ln>
+        </p:spPr>
+      </p:pic>
+    </p:spTree>
+    <p:extLst>
+      <p:ext uri="{BB962C8B-B14F-4D97-AF65-F5344CB8AC3E}">
+        <p14:creationId xmlns:p14="http://schemas.microsoft.com/office/powerpoint/2010/main" val="1946778274"/>
+      </p:ext>
+    </p:extLst>
+  </p:cSld>
+  <p:clrMapOvr>
+    <a:masterClrMapping/>
+  </p:clrMapOvr>
+</p:sld>
+</file>
+
+<file path=ppt/slides/slide5.xml><?xml version="1.0" encoding="utf-8"?>
+<p:sld xmlns:a="http://schemas.openxmlformats.org/drawingml/2006/main" xmlns:r="http://schemas.openxmlformats.org/officeDocument/2006/relationships" xmlns:p="http://schemas.openxmlformats.org/presentationml/2006/main">
+  <p:cSld>
+    <p:spTree>
+      <p:nvGrpSpPr>
         <p:cNvPr id="1" name="Shape 104"/>
         <p:cNvGrpSpPr/>
         <p:nvPr/>
@@ -9527,7 +9829,7 @@
             </a:pPr>
             <a:fld id="{00000000-1234-1234-1234-123412341234}" type="slidenum">
               <a:rPr lang="de"/>
-              <a:t>4</a:t>
+              <a:t>5</a:t>
             </a:fld>
             <a:endParaRPr/>
           </a:p>
@@ -9594,7 +9896,7 @@
               <a:buNone/>
             </a:pPr>
             <a:r>
-              <a:rPr lang="de" sz="900">
+              <a:rPr lang="de" sz="900" dirty="0">
                 <a:solidFill>
                   <a:schemeClr val="lt1"/>
                 </a:solidFill>
@@ -9603,9 +9905,9 @@
                 <a:cs typeface="Roboto"/>
                 <a:sym typeface="Roboto"/>
               </a:rPr>
-              <a:t>Name (2025)</a:t>
+              <a:t>Romeis (2025)</a:t>
             </a:r>
-            <a:endParaRPr sz="900">
+            <a:endParaRPr sz="900" dirty="0">
               <a:solidFill>
                 <a:schemeClr val="lt1"/>
               </a:solidFill>
@@ -9625,7 +9927,7 @@
 </p:sld>
 </file>
 
-<file path=ppt/slides/slide5.xml><?xml version="1.0" encoding="utf-8"?>
+<file path=ppt/slides/slide6.xml><?xml version="1.0" encoding="utf-8"?>
 <p:sld xmlns:a="http://schemas.openxmlformats.org/drawingml/2006/main" xmlns:r="http://schemas.openxmlformats.org/officeDocument/2006/relationships" xmlns:p="http://schemas.openxmlformats.org/presentationml/2006/main">
   <p:cSld>
     <p:spTree>
@@ -9678,7 +9980,7 @@
             </a:pPr>
             <a:fld id="{00000000-1234-1234-1234-123412341234}" type="slidenum">
               <a:rPr lang="de"/>
-              <a:t>5</a:t>
+              <a:t>6</a:t>
             </a:fld>
             <a:endParaRPr/>
           </a:p>
@@ -9840,7 +10142,7 @@
 </p:sld>
 </file>
 
-<file path=ppt/slides/slide6.xml><?xml version="1.0" encoding="utf-8"?>
+<file path=ppt/slides/slide7.xml><?xml version="1.0" encoding="utf-8"?>
 <p:sld xmlns:a="http://schemas.openxmlformats.org/drawingml/2006/main" xmlns:r="http://schemas.openxmlformats.org/officeDocument/2006/relationships" xmlns:p="http://schemas.openxmlformats.org/presentationml/2006/main">
   <p:cSld>
     <p:spTree>
@@ -9897,7 +10199,7 @@
                   <a:schemeClr val="lt1"/>
                 </a:solidFill>
               </a:rPr>
-              <a:t>6</a:t>
+              <a:t>7</a:t>
             </a:fld>
             <a:endParaRPr>
               <a:solidFill>
@@ -10118,7 +10420,7 @@
 </p:sld>
 </file>
 
-<file path=ppt/slides/slide7.xml><?xml version="1.0" encoding="utf-8"?>
+<file path=ppt/slides/slide8.xml><?xml version="1.0" encoding="utf-8"?>
 <p:sld xmlns:a="http://schemas.openxmlformats.org/drawingml/2006/main" xmlns:r="http://schemas.openxmlformats.org/officeDocument/2006/relationships" xmlns:p="http://schemas.openxmlformats.org/presentationml/2006/main">
   <p:cSld>
     <p:spTree>
@@ -10171,7 +10473,7 @@
             </a:pPr>
             <a:fld id="{00000000-1234-1234-1234-123412341234}" type="slidenum">
               <a:rPr lang="de"/>
-              <a:t>7</a:t>
+              <a:t>8</a:t>
             </a:fld>
             <a:endParaRPr/>
           </a:p>

--- a/Präsentation_DevOps_Romeis.pptx
+++ b/Präsentation_DevOps_Romeis.pptx
@@ -5,53 +5,52 @@
     <p:sldMasterId id="2147483659" r:id="rId1"/>
   </p:sldMasterIdLst>
   <p:notesMasterIdLst>
-    <p:notesMasterId r:id="rId10"/>
+    <p:notesMasterId r:id="rId16"/>
   </p:notesMasterIdLst>
   <p:sldIdLst>
     <p:sldId id="256" r:id="rId2"/>
     <p:sldId id="257" r:id="rId3"/>
     <p:sldId id="258" r:id="rId4"/>
     <p:sldId id="263" r:id="rId5"/>
-    <p:sldId id="259" r:id="rId6"/>
-    <p:sldId id="260" r:id="rId7"/>
-    <p:sldId id="261" r:id="rId8"/>
-    <p:sldId id="262" r:id="rId9"/>
+    <p:sldId id="269" r:id="rId6"/>
+    <p:sldId id="264" r:id="rId7"/>
+    <p:sldId id="265" r:id="rId8"/>
+    <p:sldId id="266" r:id="rId9"/>
+    <p:sldId id="267" r:id="rId10"/>
+    <p:sldId id="268" r:id="rId11"/>
+    <p:sldId id="272" r:id="rId12"/>
+    <p:sldId id="270" r:id="rId13"/>
+    <p:sldId id="271" r:id="rId14"/>
+    <p:sldId id="260" r:id="rId15"/>
   </p:sldIdLst>
   <p:sldSz cx="9144000" cy="5143500" type="screen16x9"/>
   <p:notesSz cx="6858000" cy="9144000"/>
   <p:embeddedFontLst>
     <p:embeddedFont>
       <p:font typeface="Merriweather" panose="00000500000000000000" pitchFamily="2" charset="0"/>
-      <p:regular r:id="rId11"/>
-      <p:bold r:id="rId12"/>
-      <p:italic r:id="rId13"/>
-      <p:boldItalic r:id="rId14"/>
-    </p:embeddedFont>
-    <p:embeddedFont>
-      <p:font typeface="Poppins" panose="00000500000000000000" pitchFamily="2" charset="0"/>
-      <p:regular r:id="rId15"/>
-      <p:bold r:id="rId16"/>
-      <p:italic r:id="rId17"/>
-      <p:boldItalic r:id="rId18"/>
+      <p:regular r:id="rId17"/>
+      <p:bold r:id="rId18"/>
+      <p:italic r:id="rId19"/>
+      <p:boldItalic r:id="rId20"/>
     </p:embeddedFont>
     <p:embeddedFont>
       <p:font typeface="Poppins SemiBold" panose="00000700000000000000" pitchFamily="2" charset="0"/>
-      <p:regular r:id="rId19"/>
-      <p:bold r:id="rId20"/>
-      <p:italic r:id="rId21"/>
-      <p:boldItalic r:id="rId22"/>
+      <p:regular r:id="rId21"/>
+      <p:bold r:id="rId22"/>
+      <p:italic r:id="rId23"/>
+      <p:boldItalic r:id="rId24"/>
     </p:embeddedFont>
     <p:embeddedFont>
       <p:font typeface="Roboto" panose="02000000000000000000" pitchFamily="2" charset="0"/>
-      <p:regular r:id="rId23"/>
-      <p:bold r:id="rId24"/>
-      <p:italic r:id="rId25"/>
-      <p:boldItalic r:id="rId26"/>
+      <p:regular r:id="rId25"/>
+      <p:bold r:id="rId26"/>
+      <p:italic r:id="rId27"/>
+      <p:boldItalic r:id="rId28"/>
     </p:embeddedFont>
     <p:embeddedFont>
       <p:font typeface="Roboto Black" panose="02000000000000000000" pitchFamily="2" charset="0"/>
-      <p:bold r:id="rId27"/>
-      <p:boldItalic r:id="rId28"/>
+      <p:bold r:id="rId29"/>
+      <p:boldItalic r:id="rId30"/>
     </p:embeddedFont>
   </p:embeddedFontLst>
   <p:defaultTextStyle>
@@ -1169,7 +1168,7 @@
               </a:spcAft>
               <a:buNone/>
             </a:pPr>
-            <a:endParaRPr/>
+            <a:endParaRPr dirty="0"/>
           </a:p>
         </p:txBody>
       </p:sp>
@@ -1191,7 +1190,13 @@
   <p:cSld>
     <p:spTree>
       <p:nvGrpSpPr>
-        <p:cNvPr id="1" name="Shape 101"/>
+        <p:cNvPr id="1" name="Shape 109">
+          <a:extLst>
+            <a:ext uri="{FF2B5EF4-FFF2-40B4-BE49-F238E27FC236}">
+              <a16:creationId xmlns:a16="http://schemas.microsoft.com/office/drawing/2014/main" id="{C4FBB595-F84B-A434-E949-F09D457DA12D}"/>
+            </a:ext>
+          </a:extLst>
+        </p:cNvPr>
         <p:cNvGrpSpPr/>
         <p:nvPr/>
       </p:nvGrpSpPr>
@@ -1205,7 +1210,13 @@
       </p:grpSpPr>
       <p:sp>
         <p:nvSpPr>
-          <p:cNvPr id="102" name="Google Shape;102;g366f9c57a1d_0_18:notes"/>
+          <p:cNvPr id="110" name="Google Shape;110;g361a7744a42_0_101:notes">
+            <a:extLst>
+              <a:ext uri="{FF2B5EF4-FFF2-40B4-BE49-F238E27FC236}">
+                <a16:creationId xmlns:a16="http://schemas.microsoft.com/office/drawing/2014/main" id="{78EF0750-0A9A-C9C2-499B-E8546D2DAF0B}"/>
+              </a:ext>
+            </a:extLst>
+          </p:cNvPr>
           <p:cNvSpPr>
             <a:spLocks noGrp="1" noRot="1" noChangeAspect="1"/>
           </p:cNvSpPr>
@@ -1246,7 +1257,13 @@
       </p:sp>
       <p:sp>
         <p:nvSpPr>
-          <p:cNvPr id="103" name="Google Shape;103;g366f9c57a1d_0_18:notes"/>
+          <p:cNvPr id="111" name="Google Shape;111;g361a7744a42_0_101:notes">
+            <a:extLst>
+              <a:ext uri="{FF2B5EF4-FFF2-40B4-BE49-F238E27FC236}">
+                <a16:creationId xmlns:a16="http://schemas.microsoft.com/office/drawing/2014/main" id="{A0F1CF65-E298-76C0-E6C0-57FB82B8A05B}"/>
+              </a:ext>
+            </a:extLst>
+          </p:cNvPr>
           <p:cNvSpPr txBox="1">
             <a:spLocks noGrp="1"/>
           </p:cNvSpPr>
@@ -1283,6 +1300,11 @@
         </p:txBody>
       </p:sp>
     </p:spTree>
+    <p:extLst>
+      <p:ext uri="{BB962C8B-B14F-4D97-AF65-F5344CB8AC3E}">
+        <p14:creationId xmlns:p14="http://schemas.microsoft.com/office/powerpoint/2010/main" val="14951195"/>
+      </p:ext>
+    </p:extLst>
   </p:cSld>
   <p:clrMapOvr>
     <a:masterClrMapping/>
@@ -1291,6 +1313,387 @@
 </file>
 
 <file path=ppt/notesSlides/notesSlide6.xml><?xml version="1.0" encoding="utf-8"?>
+<p:notes xmlns:a="http://schemas.openxmlformats.org/drawingml/2006/main" xmlns:r="http://schemas.openxmlformats.org/officeDocument/2006/relationships" xmlns:p="http://schemas.openxmlformats.org/presentationml/2006/main" showMasterSp="0" showMasterPhAnim="0">
+  <p:cSld>
+    <p:spTree>
+      <p:nvGrpSpPr>
+        <p:cNvPr id="1" name="Shape 109">
+          <a:extLst>
+            <a:ext uri="{FF2B5EF4-FFF2-40B4-BE49-F238E27FC236}">
+              <a16:creationId xmlns:a16="http://schemas.microsoft.com/office/drawing/2014/main" id="{CCF908FE-402E-A3FE-22CA-294971C9465C}"/>
+            </a:ext>
+          </a:extLst>
+        </p:cNvPr>
+        <p:cNvGrpSpPr/>
+        <p:nvPr/>
+      </p:nvGrpSpPr>
+      <p:grpSpPr>
+        <a:xfrm>
+          <a:off x="0" y="0"/>
+          <a:ext cx="0" cy="0"/>
+          <a:chOff x="0" y="0"/>
+          <a:chExt cx="0" cy="0"/>
+        </a:xfrm>
+      </p:grpSpPr>
+      <p:sp>
+        <p:nvSpPr>
+          <p:cNvPr id="110" name="Google Shape;110;g361a7744a42_0_101:notes">
+            <a:extLst>
+              <a:ext uri="{FF2B5EF4-FFF2-40B4-BE49-F238E27FC236}">
+                <a16:creationId xmlns:a16="http://schemas.microsoft.com/office/drawing/2014/main" id="{7C30C068-ED66-86F3-567E-379C9BBCFA8A}"/>
+              </a:ext>
+            </a:extLst>
+          </p:cNvPr>
+          <p:cNvSpPr>
+            <a:spLocks noGrp="1" noRot="1" noChangeAspect="1"/>
+          </p:cNvSpPr>
+          <p:nvPr>
+            <p:ph type="sldImg" idx="2"/>
+          </p:nvPr>
+        </p:nvSpPr>
+        <p:spPr>
+          <a:xfrm>
+            <a:off x="381000" y="685800"/>
+            <a:ext cx="6096000" cy="3429000"/>
+          </a:xfrm>
+          <a:custGeom>
+            <a:avLst/>
+            <a:gdLst/>
+            <a:ahLst/>
+            <a:cxnLst/>
+            <a:rect l="l" t="t" r="r" b="b"/>
+            <a:pathLst>
+              <a:path w="120000" h="120000" extrusionOk="0">
+                <a:moveTo>
+                  <a:pt x="0" y="0"/>
+                </a:moveTo>
+                <a:lnTo>
+                  <a:pt x="120000" y="0"/>
+                </a:lnTo>
+                <a:lnTo>
+                  <a:pt x="120000" y="120000"/>
+                </a:lnTo>
+                <a:lnTo>
+                  <a:pt x="0" y="120000"/>
+                </a:lnTo>
+                <a:close/>
+              </a:path>
+            </a:pathLst>
+          </a:custGeom>
+        </p:spPr>
+      </p:sp>
+      <p:sp>
+        <p:nvSpPr>
+          <p:cNvPr id="111" name="Google Shape;111;g361a7744a42_0_101:notes">
+            <a:extLst>
+              <a:ext uri="{FF2B5EF4-FFF2-40B4-BE49-F238E27FC236}">
+                <a16:creationId xmlns:a16="http://schemas.microsoft.com/office/drawing/2014/main" id="{0FAC074A-7B30-F603-D572-A5DF4CB40034}"/>
+              </a:ext>
+            </a:extLst>
+          </p:cNvPr>
+          <p:cNvSpPr txBox="1">
+            <a:spLocks noGrp="1"/>
+          </p:cNvSpPr>
+          <p:nvPr>
+            <p:ph type="body" idx="1"/>
+          </p:nvPr>
+        </p:nvSpPr>
+        <p:spPr>
+          <a:xfrm>
+            <a:off x="685800" y="4343400"/>
+            <a:ext cx="5486400" cy="4114800"/>
+          </a:xfrm>
+          <a:prstGeom prst="rect">
+            <a:avLst/>
+          </a:prstGeom>
+        </p:spPr>
+        <p:txBody>
+          <a:bodyPr spcFirstLastPara="1" wrap="square" lIns="91425" tIns="91425" rIns="91425" bIns="91425" anchor="t" anchorCtr="0">
+            <a:noAutofit/>
+          </a:bodyPr>
+          <a:lstStyle/>
+          <a:p>
+            <a:pPr marL="0" lvl="0" indent="0" algn="l" rtl="0">
+              <a:spcBef>
+                <a:spcPts val="0"/>
+              </a:spcBef>
+              <a:spcAft>
+                <a:spcPts val="0"/>
+              </a:spcAft>
+              <a:buNone/>
+            </a:pPr>
+            <a:endParaRPr/>
+          </a:p>
+        </p:txBody>
+      </p:sp>
+    </p:spTree>
+    <p:extLst>
+      <p:ext uri="{BB962C8B-B14F-4D97-AF65-F5344CB8AC3E}">
+        <p14:creationId xmlns:p14="http://schemas.microsoft.com/office/powerpoint/2010/main" val="158969295"/>
+      </p:ext>
+    </p:extLst>
+  </p:cSld>
+  <p:clrMapOvr>
+    <a:masterClrMapping/>
+  </p:clrMapOvr>
+</p:notes>
+</file>
+
+<file path=ppt/notesSlides/notesSlide7.xml><?xml version="1.0" encoding="utf-8"?>
+<p:notes xmlns:a="http://schemas.openxmlformats.org/drawingml/2006/main" xmlns:r="http://schemas.openxmlformats.org/officeDocument/2006/relationships" xmlns:p="http://schemas.openxmlformats.org/presentationml/2006/main" showMasterSp="0" showMasterPhAnim="0">
+  <p:cSld>
+    <p:spTree>
+      <p:nvGrpSpPr>
+        <p:cNvPr id="1" name="Shape 109">
+          <a:extLst>
+            <a:ext uri="{FF2B5EF4-FFF2-40B4-BE49-F238E27FC236}">
+              <a16:creationId xmlns:a16="http://schemas.microsoft.com/office/drawing/2014/main" id="{C2192697-87E1-05E7-2FA1-77BDDD7C59D8}"/>
+            </a:ext>
+          </a:extLst>
+        </p:cNvPr>
+        <p:cNvGrpSpPr/>
+        <p:nvPr/>
+      </p:nvGrpSpPr>
+      <p:grpSpPr>
+        <a:xfrm>
+          <a:off x="0" y="0"/>
+          <a:ext cx="0" cy="0"/>
+          <a:chOff x="0" y="0"/>
+          <a:chExt cx="0" cy="0"/>
+        </a:xfrm>
+      </p:grpSpPr>
+      <p:sp>
+        <p:nvSpPr>
+          <p:cNvPr id="110" name="Google Shape;110;g361a7744a42_0_101:notes">
+            <a:extLst>
+              <a:ext uri="{FF2B5EF4-FFF2-40B4-BE49-F238E27FC236}">
+                <a16:creationId xmlns:a16="http://schemas.microsoft.com/office/drawing/2014/main" id="{FC101610-B3FD-6C29-22B9-C3580D03886C}"/>
+              </a:ext>
+            </a:extLst>
+          </p:cNvPr>
+          <p:cNvSpPr>
+            <a:spLocks noGrp="1" noRot="1" noChangeAspect="1"/>
+          </p:cNvSpPr>
+          <p:nvPr>
+            <p:ph type="sldImg" idx="2"/>
+          </p:nvPr>
+        </p:nvSpPr>
+        <p:spPr>
+          <a:xfrm>
+            <a:off x="381000" y="685800"/>
+            <a:ext cx="6096000" cy="3429000"/>
+          </a:xfrm>
+          <a:custGeom>
+            <a:avLst/>
+            <a:gdLst/>
+            <a:ahLst/>
+            <a:cxnLst/>
+            <a:rect l="l" t="t" r="r" b="b"/>
+            <a:pathLst>
+              <a:path w="120000" h="120000" extrusionOk="0">
+                <a:moveTo>
+                  <a:pt x="0" y="0"/>
+                </a:moveTo>
+                <a:lnTo>
+                  <a:pt x="120000" y="0"/>
+                </a:lnTo>
+                <a:lnTo>
+                  <a:pt x="120000" y="120000"/>
+                </a:lnTo>
+                <a:lnTo>
+                  <a:pt x="0" y="120000"/>
+                </a:lnTo>
+                <a:close/>
+              </a:path>
+            </a:pathLst>
+          </a:custGeom>
+        </p:spPr>
+      </p:sp>
+      <p:sp>
+        <p:nvSpPr>
+          <p:cNvPr id="111" name="Google Shape;111;g361a7744a42_0_101:notes">
+            <a:extLst>
+              <a:ext uri="{FF2B5EF4-FFF2-40B4-BE49-F238E27FC236}">
+                <a16:creationId xmlns:a16="http://schemas.microsoft.com/office/drawing/2014/main" id="{7B99195D-0BEA-6D8F-A9E7-00388473A12A}"/>
+              </a:ext>
+            </a:extLst>
+          </p:cNvPr>
+          <p:cNvSpPr txBox="1">
+            <a:spLocks noGrp="1"/>
+          </p:cNvSpPr>
+          <p:nvPr>
+            <p:ph type="body" idx="1"/>
+          </p:nvPr>
+        </p:nvSpPr>
+        <p:spPr>
+          <a:xfrm>
+            <a:off x="685800" y="4343400"/>
+            <a:ext cx="5486400" cy="4114800"/>
+          </a:xfrm>
+          <a:prstGeom prst="rect">
+            <a:avLst/>
+          </a:prstGeom>
+        </p:spPr>
+        <p:txBody>
+          <a:bodyPr spcFirstLastPara="1" wrap="square" lIns="91425" tIns="91425" rIns="91425" bIns="91425" anchor="t" anchorCtr="0">
+            <a:noAutofit/>
+          </a:bodyPr>
+          <a:lstStyle/>
+          <a:p>
+            <a:pPr marL="0" lvl="0" indent="0" algn="l" rtl="0">
+              <a:spcBef>
+                <a:spcPts val="0"/>
+              </a:spcBef>
+              <a:spcAft>
+                <a:spcPts val="0"/>
+              </a:spcAft>
+              <a:buNone/>
+            </a:pPr>
+            <a:endParaRPr/>
+          </a:p>
+        </p:txBody>
+      </p:sp>
+    </p:spTree>
+    <p:extLst>
+      <p:ext uri="{BB962C8B-B14F-4D97-AF65-F5344CB8AC3E}">
+        <p14:creationId xmlns:p14="http://schemas.microsoft.com/office/powerpoint/2010/main" val="1225597732"/>
+      </p:ext>
+    </p:extLst>
+  </p:cSld>
+  <p:clrMapOvr>
+    <a:masterClrMapping/>
+  </p:clrMapOvr>
+</p:notes>
+</file>
+
+<file path=ppt/notesSlides/notesSlide8.xml><?xml version="1.0" encoding="utf-8"?>
+<p:notes xmlns:a="http://schemas.openxmlformats.org/drawingml/2006/main" xmlns:r="http://schemas.openxmlformats.org/officeDocument/2006/relationships" xmlns:p="http://schemas.openxmlformats.org/presentationml/2006/main" showMasterSp="0" showMasterPhAnim="0">
+  <p:cSld>
+    <p:spTree>
+      <p:nvGrpSpPr>
+        <p:cNvPr id="1" name="Shape 92">
+          <a:extLst>
+            <a:ext uri="{FF2B5EF4-FFF2-40B4-BE49-F238E27FC236}">
+              <a16:creationId xmlns:a16="http://schemas.microsoft.com/office/drawing/2014/main" id="{1D6DA320-1995-6C56-8C30-75AD486AE609}"/>
+            </a:ext>
+          </a:extLst>
+        </p:cNvPr>
+        <p:cNvGrpSpPr/>
+        <p:nvPr/>
+      </p:nvGrpSpPr>
+      <p:grpSpPr>
+        <a:xfrm>
+          <a:off x="0" y="0"/>
+          <a:ext cx="0" cy="0"/>
+          <a:chOff x="0" y="0"/>
+          <a:chExt cx="0" cy="0"/>
+        </a:xfrm>
+      </p:grpSpPr>
+      <p:sp>
+        <p:nvSpPr>
+          <p:cNvPr id="93" name="Google Shape;93;g35fd806cf8c_0_16:notes">
+            <a:extLst>
+              <a:ext uri="{FF2B5EF4-FFF2-40B4-BE49-F238E27FC236}">
+                <a16:creationId xmlns:a16="http://schemas.microsoft.com/office/drawing/2014/main" id="{BC6E5EFB-F9EF-F0FE-B33A-A616B9270668}"/>
+              </a:ext>
+            </a:extLst>
+          </p:cNvPr>
+          <p:cNvSpPr>
+            <a:spLocks noGrp="1" noRot="1" noChangeAspect="1"/>
+          </p:cNvSpPr>
+          <p:nvPr>
+            <p:ph type="sldImg" idx="2"/>
+          </p:nvPr>
+        </p:nvSpPr>
+        <p:spPr>
+          <a:xfrm>
+            <a:off x="381000" y="685800"/>
+            <a:ext cx="6096000" cy="3429000"/>
+          </a:xfrm>
+          <a:custGeom>
+            <a:avLst/>
+            <a:gdLst/>
+            <a:ahLst/>
+            <a:cxnLst/>
+            <a:rect l="l" t="t" r="r" b="b"/>
+            <a:pathLst>
+              <a:path w="120000" h="120000" extrusionOk="0">
+                <a:moveTo>
+                  <a:pt x="0" y="0"/>
+                </a:moveTo>
+                <a:lnTo>
+                  <a:pt x="120000" y="0"/>
+                </a:lnTo>
+                <a:lnTo>
+                  <a:pt x="120000" y="120000"/>
+                </a:lnTo>
+                <a:lnTo>
+                  <a:pt x="0" y="120000"/>
+                </a:lnTo>
+                <a:close/>
+              </a:path>
+            </a:pathLst>
+          </a:custGeom>
+        </p:spPr>
+      </p:sp>
+      <p:sp>
+        <p:nvSpPr>
+          <p:cNvPr id="94" name="Google Shape;94;g35fd806cf8c_0_16:notes">
+            <a:extLst>
+              <a:ext uri="{FF2B5EF4-FFF2-40B4-BE49-F238E27FC236}">
+                <a16:creationId xmlns:a16="http://schemas.microsoft.com/office/drawing/2014/main" id="{4FEE5F21-7200-DDDE-99A3-3AE558D3AD7D}"/>
+              </a:ext>
+            </a:extLst>
+          </p:cNvPr>
+          <p:cNvSpPr txBox="1">
+            <a:spLocks noGrp="1"/>
+          </p:cNvSpPr>
+          <p:nvPr>
+            <p:ph type="body" idx="1"/>
+          </p:nvPr>
+        </p:nvSpPr>
+        <p:spPr>
+          <a:xfrm>
+            <a:off x="685800" y="4343400"/>
+            <a:ext cx="5486400" cy="4114800"/>
+          </a:xfrm>
+          <a:prstGeom prst="rect">
+            <a:avLst/>
+          </a:prstGeom>
+        </p:spPr>
+        <p:txBody>
+          <a:bodyPr spcFirstLastPara="1" wrap="square" lIns="91425" tIns="91425" rIns="91425" bIns="91425" anchor="t" anchorCtr="0">
+            <a:noAutofit/>
+          </a:bodyPr>
+          <a:lstStyle/>
+          <a:p>
+            <a:pPr marL="0" lvl="0" indent="0" algn="l" rtl="0">
+              <a:spcBef>
+                <a:spcPts val="0"/>
+              </a:spcBef>
+              <a:spcAft>
+                <a:spcPts val="0"/>
+              </a:spcAft>
+              <a:buNone/>
+            </a:pPr>
+            <a:endParaRPr/>
+          </a:p>
+        </p:txBody>
+      </p:sp>
+    </p:spTree>
+    <p:extLst>
+      <p:ext uri="{BB962C8B-B14F-4D97-AF65-F5344CB8AC3E}">
+        <p14:creationId xmlns:p14="http://schemas.microsoft.com/office/powerpoint/2010/main" val="3148525153"/>
+      </p:ext>
+    </p:extLst>
+  </p:cSld>
+  <p:clrMapOvr>
+    <a:masterClrMapping/>
+  </p:clrMapOvr>
+</p:notes>
+</file>
+
+<file path=ppt/notesSlides/notesSlide9.xml><?xml version="1.0" encoding="utf-8"?>
 <p:notes xmlns:a="http://schemas.openxmlformats.org/drawingml/2006/main" xmlns:r="http://schemas.openxmlformats.org/officeDocument/2006/relationships" xmlns:p="http://schemas.openxmlformats.org/presentationml/2006/main" showMasterSp="0" showMasterPhAnim="0">
   <p:cSld>
     <p:spTree>
@@ -1351,214 +1754,6 @@
       <p:sp>
         <p:nvSpPr>
           <p:cNvPr id="111" name="Google Shape;111;g361a7744a42_0_101:notes"/>
-          <p:cNvSpPr txBox="1">
-            <a:spLocks noGrp="1"/>
-          </p:cNvSpPr>
-          <p:nvPr>
-            <p:ph type="body" idx="1"/>
-          </p:nvPr>
-        </p:nvSpPr>
-        <p:spPr>
-          <a:xfrm>
-            <a:off x="685800" y="4343400"/>
-            <a:ext cx="5486400" cy="4114800"/>
-          </a:xfrm>
-          <a:prstGeom prst="rect">
-            <a:avLst/>
-          </a:prstGeom>
-        </p:spPr>
-        <p:txBody>
-          <a:bodyPr spcFirstLastPara="1" wrap="square" lIns="91425" tIns="91425" rIns="91425" bIns="91425" anchor="t" anchorCtr="0">
-            <a:noAutofit/>
-          </a:bodyPr>
-          <a:lstStyle/>
-          <a:p>
-            <a:pPr marL="0" lvl="0" indent="0" algn="l" rtl="0">
-              <a:spcBef>
-                <a:spcPts val="0"/>
-              </a:spcBef>
-              <a:spcAft>
-                <a:spcPts val="0"/>
-              </a:spcAft>
-              <a:buNone/>
-            </a:pPr>
-            <a:endParaRPr/>
-          </a:p>
-        </p:txBody>
-      </p:sp>
-    </p:spTree>
-  </p:cSld>
-  <p:clrMapOvr>
-    <a:masterClrMapping/>
-  </p:clrMapOvr>
-</p:notes>
-</file>
-
-<file path=ppt/notesSlides/notesSlide7.xml><?xml version="1.0" encoding="utf-8"?>
-<p:notes xmlns:a="http://schemas.openxmlformats.org/drawingml/2006/main" xmlns:r="http://schemas.openxmlformats.org/officeDocument/2006/relationships" xmlns:p="http://schemas.openxmlformats.org/presentationml/2006/main" showMasterSp="0" showMasterPhAnim="0">
-  <p:cSld>
-    <p:spTree>
-      <p:nvGrpSpPr>
-        <p:cNvPr id="1" name="Shape 116"/>
-        <p:cNvGrpSpPr/>
-        <p:nvPr/>
-      </p:nvGrpSpPr>
-      <p:grpSpPr>
-        <a:xfrm>
-          <a:off x="0" y="0"/>
-          <a:ext cx="0" cy="0"/>
-          <a:chOff x="0" y="0"/>
-          <a:chExt cx="0" cy="0"/>
-        </a:xfrm>
-      </p:grpSpPr>
-      <p:sp>
-        <p:nvSpPr>
-          <p:cNvPr id="117" name="Google Shape;117;g361f51f0fc2_0_110:notes"/>
-          <p:cNvSpPr>
-            <a:spLocks noGrp="1" noRot="1" noChangeAspect="1"/>
-          </p:cNvSpPr>
-          <p:nvPr>
-            <p:ph type="sldImg" idx="2"/>
-          </p:nvPr>
-        </p:nvSpPr>
-        <p:spPr>
-          <a:xfrm>
-            <a:off x="381000" y="685800"/>
-            <a:ext cx="6096000" cy="3429000"/>
-          </a:xfrm>
-          <a:custGeom>
-            <a:avLst/>
-            <a:gdLst/>
-            <a:ahLst/>
-            <a:cxnLst/>
-            <a:rect l="l" t="t" r="r" b="b"/>
-            <a:pathLst>
-              <a:path w="120000" h="120000" extrusionOk="0">
-                <a:moveTo>
-                  <a:pt x="0" y="0"/>
-                </a:moveTo>
-                <a:lnTo>
-                  <a:pt x="120000" y="0"/>
-                </a:lnTo>
-                <a:lnTo>
-                  <a:pt x="120000" y="120000"/>
-                </a:lnTo>
-                <a:lnTo>
-                  <a:pt x="0" y="120000"/>
-                </a:lnTo>
-                <a:close/>
-              </a:path>
-            </a:pathLst>
-          </a:custGeom>
-        </p:spPr>
-      </p:sp>
-      <p:sp>
-        <p:nvSpPr>
-          <p:cNvPr id="118" name="Google Shape;118;g361f51f0fc2_0_110:notes"/>
-          <p:cNvSpPr txBox="1">
-            <a:spLocks noGrp="1"/>
-          </p:cNvSpPr>
-          <p:nvPr>
-            <p:ph type="body" idx="1"/>
-          </p:nvPr>
-        </p:nvSpPr>
-        <p:spPr>
-          <a:xfrm>
-            <a:off x="685800" y="4343400"/>
-            <a:ext cx="5486400" cy="4114800"/>
-          </a:xfrm>
-          <a:prstGeom prst="rect">
-            <a:avLst/>
-          </a:prstGeom>
-        </p:spPr>
-        <p:txBody>
-          <a:bodyPr spcFirstLastPara="1" wrap="square" lIns="91425" tIns="91425" rIns="91425" bIns="91425" anchor="t" anchorCtr="0">
-            <a:noAutofit/>
-          </a:bodyPr>
-          <a:lstStyle/>
-          <a:p>
-            <a:pPr marL="0" lvl="0" indent="0" algn="l" rtl="0">
-              <a:spcBef>
-                <a:spcPts val="0"/>
-              </a:spcBef>
-              <a:spcAft>
-                <a:spcPts val="0"/>
-              </a:spcAft>
-              <a:buNone/>
-            </a:pPr>
-            <a:endParaRPr/>
-          </a:p>
-        </p:txBody>
-      </p:sp>
-    </p:spTree>
-  </p:cSld>
-  <p:clrMapOvr>
-    <a:masterClrMapping/>
-  </p:clrMapOvr>
-</p:notes>
-</file>
-
-<file path=ppt/notesSlides/notesSlide8.xml><?xml version="1.0" encoding="utf-8"?>
-<p:notes xmlns:a="http://schemas.openxmlformats.org/drawingml/2006/main" xmlns:r="http://schemas.openxmlformats.org/officeDocument/2006/relationships" xmlns:p="http://schemas.openxmlformats.org/presentationml/2006/main" showMasterSp="0" showMasterPhAnim="0">
-  <p:cSld>
-    <p:spTree>
-      <p:nvGrpSpPr>
-        <p:cNvPr id="1" name="Shape 125"/>
-        <p:cNvGrpSpPr/>
-        <p:nvPr/>
-      </p:nvGrpSpPr>
-      <p:grpSpPr>
-        <a:xfrm>
-          <a:off x="0" y="0"/>
-          <a:ext cx="0" cy="0"/>
-          <a:chOff x="0" y="0"/>
-          <a:chExt cx="0" cy="0"/>
-        </a:xfrm>
-      </p:grpSpPr>
-      <p:sp>
-        <p:nvSpPr>
-          <p:cNvPr id="126" name="Google Shape;126;g366f9c57a1d_0_0:notes"/>
-          <p:cNvSpPr>
-            <a:spLocks noGrp="1" noRot="1" noChangeAspect="1"/>
-          </p:cNvSpPr>
-          <p:nvPr>
-            <p:ph type="sldImg" idx="2"/>
-          </p:nvPr>
-        </p:nvSpPr>
-        <p:spPr>
-          <a:xfrm>
-            <a:off x="381000" y="685800"/>
-            <a:ext cx="6096000" cy="3429000"/>
-          </a:xfrm>
-          <a:custGeom>
-            <a:avLst/>
-            <a:gdLst/>
-            <a:ahLst/>
-            <a:cxnLst/>
-            <a:rect l="l" t="t" r="r" b="b"/>
-            <a:pathLst>
-              <a:path w="120000" h="120000" extrusionOk="0">
-                <a:moveTo>
-                  <a:pt x="0" y="0"/>
-                </a:moveTo>
-                <a:lnTo>
-                  <a:pt x="120000" y="0"/>
-                </a:lnTo>
-                <a:lnTo>
-                  <a:pt x="120000" y="120000"/>
-                </a:lnTo>
-                <a:lnTo>
-                  <a:pt x="0" y="120000"/>
-                </a:lnTo>
-                <a:close/>
-              </a:path>
-            </a:pathLst>
-          </a:custGeom>
-        </p:spPr>
-      </p:sp>
-      <p:sp>
-        <p:nvSpPr>
-          <p:cNvPr id="127" name="Google Shape;127;g366f9c57a1d_0_0:notes"/>
           <p:cNvSpPr txBox="1">
             <a:spLocks noGrp="1"/>
           </p:cNvSpPr>
@@ -2142,540 +2337,6 @@
 </file>
 
 <file path=ppt/slideLayouts/slideLayout10.xml><?xml version="1.0" encoding="utf-8"?>
-<p:sldLayout xmlns:a="http://schemas.openxmlformats.org/drawingml/2006/main" xmlns:r="http://schemas.openxmlformats.org/officeDocument/2006/relationships" xmlns:p="http://schemas.openxmlformats.org/presentationml/2006/main" matchingName="Big number">
-  <p:cSld name="BIG_NUMBER">
-    <p:bg>
-      <p:bgPr>
-        <a:solidFill>
-          <a:schemeClr val="dk1"/>
-        </a:solidFill>
-        <a:effectLst/>
-      </p:bgPr>
-    </p:bg>
-    <p:spTree>
-      <p:nvGrpSpPr>
-        <p:cNvPr id="1" name="Shape 54"/>
-        <p:cNvGrpSpPr/>
-        <p:nvPr/>
-      </p:nvGrpSpPr>
-      <p:grpSpPr>
-        <a:xfrm>
-          <a:off x="0" y="0"/>
-          <a:ext cx="0" cy="0"/>
-          <a:chOff x="0" y="0"/>
-          <a:chExt cx="0" cy="0"/>
-        </a:xfrm>
-      </p:grpSpPr>
-      <p:sp>
-        <p:nvSpPr>
-          <p:cNvPr id="55" name="Google Shape;55;p11"/>
-          <p:cNvSpPr txBox="1">
-            <a:spLocks noGrp="1"/>
-          </p:cNvSpPr>
-          <p:nvPr>
-            <p:ph type="title" hasCustomPrompt="1"/>
-          </p:nvPr>
-        </p:nvSpPr>
-        <p:spPr>
-          <a:xfrm>
-            <a:off x="311750" y="831175"/>
-            <a:ext cx="5334900" cy="1244700"/>
-          </a:xfrm>
-          <a:prstGeom prst="rect">
-            <a:avLst/>
-          </a:prstGeom>
-        </p:spPr>
-        <p:txBody>
-          <a:bodyPr spcFirstLastPara="1" wrap="square" lIns="91425" tIns="91425" rIns="91425" bIns="91425" anchor="b" anchorCtr="0">
-            <a:normAutofit/>
-          </a:bodyPr>
-          <a:lstStyle>
-            <a:lvl1pPr lvl="0">
-              <a:spcBef>
-                <a:spcPts val="0"/>
-              </a:spcBef>
-              <a:spcAft>
-                <a:spcPts val="0"/>
-              </a:spcAft>
-              <a:buClr>
-                <a:schemeClr val="lt1"/>
-              </a:buClr>
-              <a:buSzPts val="10000"/>
-              <a:buNone/>
-              <a:defRPr sz="10000">
-                <a:solidFill>
-                  <a:schemeClr val="lt1"/>
-                </a:solidFill>
-              </a:defRPr>
-            </a:lvl1pPr>
-            <a:lvl2pPr lvl="1">
-              <a:spcBef>
-                <a:spcPts val="0"/>
-              </a:spcBef>
-              <a:spcAft>
-                <a:spcPts val="0"/>
-              </a:spcAft>
-              <a:buClr>
-                <a:schemeClr val="lt1"/>
-              </a:buClr>
-              <a:buSzPts val="10000"/>
-              <a:buNone/>
-              <a:defRPr sz="10000">
-                <a:solidFill>
-                  <a:schemeClr val="lt1"/>
-                </a:solidFill>
-              </a:defRPr>
-            </a:lvl2pPr>
-            <a:lvl3pPr lvl="2">
-              <a:spcBef>
-                <a:spcPts val="0"/>
-              </a:spcBef>
-              <a:spcAft>
-                <a:spcPts val="0"/>
-              </a:spcAft>
-              <a:buClr>
-                <a:schemeClr val="lt1"/>
-              </a:buClr>
-              <a:buSzPts val="10000"/>
-              <a:buNone/>
-              <a:defRPr sz="10000">
-                <a:solidFill>
-                  <a:schemeClr val="lt1"/>
-                </a:solidFill>
-              </a:defRPr>
-            </a:lvl3pPr>
-            <a:lvl4pPr lvl="3">
-              <a:spcBef>
-                <a:spcPts val="0"/>
-              </a:spcBef>
-              <a:spcAft>
-                <a:spcPts val="0"/>
-              </a:spcAft>
-              <a:buClr>
-                <a:schemeClr val="lt1"/>
-              </a:buClr>
-              <a:buSzPts val="10000"/>
-              <a:buNone/>
-              <a:defRPr sz="10000">
-                <a:solidFill>
-                  <a:schemeClr val="lt1"/>
-                </a:solidFill>
-              </a:defRPr>
-            </a:lvl4pPr>
-            <a:lvl5pPr lvl="4">
-              <a:spcBef>
-                <a:spcPts val="0"/>
-              </a:spcBef>
-              <a:spcAft>
-                <a:spcPts val="0"/>
-              </a:spcAft>
-              <a:buClr>
-                <a:schemeClr val="lt1"/>
-              </a:buClr>
-              <a:buSzPts val="10000"/>
-              <a:buNone/>
-              <a:defRPr sz="10000">
-                <a:solidFill>
-                  <a:schemeClr val="lt1"/>
-                </a:solidFill>
-              </a:defRPr>
-            </a:lvl5pPr>
-            <a:lvl6pPr lvl="5">
-              <a:spcBef>
-                <a:spcPts val="0"/>
-              </a:spcBef>
-              <a:spcAft>
-                <a:spcPts val="0"/>
-              </a:spcAft>
-              <a:buClr>
-                <a:schemeClr val="lt1"/>
-              </a:buClr>
-              <a:buSzPts val="10000"/>
-              <a:buNone/>
-              <a:defRPr sz="10000">
-                <a:solidFill>
-                  <a:schemeClr val="lt1"/>
-                </a:solidFill>
-              </a:defRPr>
-            </a:lvl6pPr>
-            <a:lvl7pPr lvl="6">
-              <a:spcBef>
-                <a:spcPts val="0"/>
-              </a:spcBef>
-              <a:spcAft>
-                <a:spcPts val="0"/>
-              </a:spcAft>
-              <a:buClr>
-                <a:schemeClr val="lt1"/>
-              </a:buClr>
-              <a:buSzPts val="10000"/>
-              <a:buNone/>
-              <a:defRPr sz="10000">
-                <a:solidFill>
-                  <a:schemeClr val="lt1"/>
-                </a:solidFill>
-              </a:defRPr>
-            </a:lvl7pPr>
-            <a:lvl8pPr lvl="7">
-              <a:spcBef>
-                <a:spcPts val="0"/>
-              </a:spcBef>
-              <a:spcAft>
-                <a:spcPts val="0"/>
-              </a:spcAft>
-              <a:buClr>
-                <a:schemeClr val="lt1"/>
-              </a:buClr>
-              <a:buSzPts val="10000"/>
-              <a:buNone/>
-              <a:defRPr sz="10000">
-                <a:solidFill>
-                  <a:schemeClr val="lt1"/>
-                </a:solidFill>
-              </a:defRPr>
-            </a:lvl8pPr>
-            <a:lvl9pPr lvl="8">
-              <a:spcBef>
-                <a:spcPts val="0"/>
-              </a:spcBef>
-              <a:spcAft>
-                <a:spcPts val="0"/>
-              </a:spcAft>
-              <a:buClr>
-                <a:schemeClr val="lt1"/>
-              </a:buClr>
-              <a:buSzPts val="10000"/>
-              <a:buNone/>
-              <a:defRPr sz="10000">
-                <a:solidFill>
-                  <a:schemeClr val="lt1"/>
-                </a:solidFill>
-              </a:defRPr>
-            </a:lvl9pPr>
-          </a:lstStyle>
-          <a:p>
-            <a:r>
-              <a:t>xx%</a:t>
-            </a:r>
-          </a:p>
-        </p:txBody>
-      </p:sp>
-      <p:sp>
-        <p:nvSpPr>
-          <p:cNvPr id="56" name="Google Shape;56;p11"/>
-          <p:cNvSpPr txBox="1">
-            <a:spLocks noGrp="1"/>
-          </p:cNvSpPr>
-          <p:nvPr>
-            <p:ph type="body" idx="1"/>
-          </p:nvPr>
-        </p:nvSpPr>
-        <p:spPr>
-          <a:xfrm>
-            <a:off x="311700" y="2121425"/>
-            <a:ext cx="5334900" cy="942600"/>
-          </a:xfrm>
-          <a:prstGeom prst="rect">
-            <a:avLst/>
-          </a:prstGeom>
-        </p:spPr>
-        <p:txBody>
-          <a:bodyPr spcFirstLastPara="1" wrap="square" lIns="91425" tIns="91425" rIns="91425" bIns="91425" anchor="t" anchorCtr="0">
-            <a:normAutofit/>
-          </a:bodyPr>
-          <a:lstStyle>
-            <a:lvl1pPr marL="457200" lvl="0" indent="-311150">
-              <a:spcBef>
-                <a:spcPts val="0"/>
-              </a:spcBef>
-              <a:spcAft>
-                <a:spcPts val="0"/>
-              </a:spcAft>
-              <a:buClr>
-                <a:schemeClr val="accent2"/>
-              </a:buClr>
-              <a:buSzPts val="1300"/>
-              <a:buChar char="●"/>
-              <a:defRPr>
-                <a:solidFill>
-                  <a:schemeClr val="accent2"/>
-                </a:solidFill>
-              </a:defRPr>
-            </a:lvl1pPr>
-            <a:lvl2pPr marL="914400" lvl="1" indent="-298450">
-              <a:spcBef>
-                <a:spcPts val="0"/>
-              </a:spcBef>
-              <a:spcAft>
-                <a:spcPts val="0"/>
-              </a:spcAft>
-              <a:buClr>
-                <a:schemeClr val="accent2"/>
-              </a:buClr>
-              <a:buSzPts val="1100"/>
-              <a:buChar char="○"/>
-              <a:defRPr>
-                <a:solidFill>
-                  <a:schemeClr val="accent2"/>
-                </a:solidFill>
-              </a:defRPr>
-            </a:lvl2pPr>
-            <a:lvl3pPr marL="1371600" lvl="2" indent="-298450">
-              <a:spcBef>
-                <a:spcPts val="0"/>
-              </a:spcBef>
-              <a:spcAft>
-                <a:spcPts val="0"/>
-              </a:spcAft>
-              <a:buClr>
-                <a:schemeClr val="accent2"/>
-              </a:buClr>
-              <a:buSzPts val="1100"/>
-              <a:buChar char="■"/>
-              <a:defRPr>
-                <a:solidFill>
-                  <a:schemeClr val="accent2"/>
-                </a:solidFill>
-              </a:defRPr>
-            </a:lvl3pPr>
-            <a:lvl4pPr marL="1828800" lvl="3" indent="-298450">
-              <a:spcBef>
-                <a:spcPts val="0"/>
-              </a:spcBef>
-              <a:spcAft>
-                <a:spcPts val="0"/>
-              </a:spcAft>
-              <a:buClr>
-                <a:schemeClr val="accent2"/>
-              </a:buClr>
-              <a:buSzPts val="1100"/>
-              <a:buChar char="●"/>
-              <a:defRPr>
-                <a:solidFill>
-                  <a:schemeClr val="accent2"/>
-                </a:solidFill>
-              </a:defRPr>
-            </a:lvl4pPr>
-            <a:lvl5pPr marL="2286000" lvl="4" indent="-298450">
-              <a:spcBef>
-                <a:spcPts val="0"/>
-              </a:spcBef>
-              <a:spcAft>
-                <a:spcPts val="0"/>
-              </a:spcAft>
-              <a:buClr>
-                <a:schemeClr val="accent2"/>
-              </a:buClr>
-              <a:buSzPts val="1100"/>
-              <a:buChar char="○"/>
-              <a:defRPr>
-                <a:solidFill>
-                  <a:schemeClr val="accent2"/>
-                </a:solidFill>
-              </a:defRPr>
-            </a:lvl5pPr>
-            <a:lvl6pPr marL="2743200" lvl="5" indent="-298450">
-              <a:spcBef>
-                <a:spcPts val="0"/>
-              </a:spcBef>
-              <a:spcAft>
-                <a:spcPts val="0"/>
-              </a:spcAft>
-              <a:buClr>
-                <a:schemeClr val="accent2"/>
-              </a:buClr>
-              <a:buSzPts val="1100"/>
-              <a:buChar char="■"/>
-              <a:defRPr>
-                <a:solidFill>
-                  <a:schemeClr val="accent2"/>
-                </a:solidFill>
-              </a:defRPr>
-            </a:lvl6pPr>
-            <a:lvl7pPr marL="3200400" lvl="6" indent="-298450">
-              <a:spcBef>
-                <a:spcPts val="0"/>
-              </a:spcBef>
-              <a:spcAft>
-                <a:spcPts val="0"/>
-              </a:spcAft>
-              <a:buClr>
-                <a:schemeClr val="accent2"/>
-              </a:buClr>
-              <a:buSzPts val="1100"/>
-              <a:buChar char="●"/>
-              <a:defRPr>
-                <a:solidFill>
-                  <a:schemeClr val="accent2"/>
-                </a:solidFill>
-              </a:defRPr>
-            </a:lvl7pPr>
-            <a:lvl8pPr marL="3657600" lvl="7" indent="-298450">
-              <a:spcBef>
-                <a:spcPts val="0"/>
-              </a:spcBef>
-              <a:spcAft>
-                <a:spcPts val="0"/>
-              </a:spcAft>
-              <a:buClr>
-                <a:schemeClr val="accent2"/>
-              </a:buClr>
-              <a:buSzPts val="1100"/>
-              <a:buChar char="○"/>
-              <a:defRPr>
-                <a:solidFill>
-                  <a:schemeClr val="accent2"/>
-                </a:solidFill>
-              </a:defRPr>
-            </a:lvl8pPr>
-            <a:lvl9pPr marL="4114800" lvl="8" indent="-298450">
-              <a:spcBef>
-                <a:spcPts val="0"/>
-              </a:spcBef>
-              <a:spcAft>
-                <a:spcPts val="0"/>
-              </a:spcAft>
-              <a:buClr>
-                <a:schemeClr val="accent2"/>
-              </a:buClr>
-              <a:buSzPts val="1100"/>
-              <a:buChar char="■"/>
-              <a:defRPr>
-                <a:solidFill>
-                  <a:schemeClr val="accent2"/>
-                </a:solidFill>
-              </a:defRPr>
-            </a:lvl9pPr>
-          </a:lstStyle>
-          <a:p>
-            <a:endParaRPr/>
-          </a:p>
-        </p:txBody>
-      </p:sp>
-      <p:sp>
-        <p:nvSpPr>
-          <p:cNvPr id="57" name="Google Shape;57;p11"/>
-          <p:cNvSpPr txBox="1">
-            <a:spLocks noGrp="1"/>
-          </p:cNvSpPr>
-          <p:nvPr>
-            <p:ph type="sldNum" idx="12"/>
-          </p:nvPr>
-        </p:nvSpPr>
-        <p:spPr>
-          <a:xfrm>
-            <a:off x="8472458" y="4663217"/>
-            <a:ext cx="548700" cy="393600"/>
-          </a:xfrm>
-          <a:prstGeom prst="rect">
-            <a:avLst/>
-          </a:prstGeom>
-        </p:spPr>
-        <p:txBody>
-          <a:bodyPr spcFirstLastPara="1" wrap="square" lIns="91425" tIns="91425" rIns="91425" bIns="91425" anchor="ctr" anchorCtr="0">
-            <a:normAutofit/>
-          </a:bodyPr>
-          <a:lstStyle>
-            <a:lvl1pPr lvl="0">
-              <a:buNone/>
-              <a:defRPr>
-                <a:solidFill>
-                  <a:schemeClr val="lt1"/>
-                </a:solidFill>
-              </a:defRPr>
-            </a:lvl1pPr>
-            <a:lvl2pPr lvl="1">
-              <a:buNone/>
-              <a:defRPr>
-                <a:solidFill>
-                  <a:schemeClr val="lt1"/>
-                </a:solidFill>
-              </a:defRPr>
-            </a:lvl2pPr>
-            <a:lvl3pPr lvl="2">
-              <a:buNone/>
-              <a:defRPr>
-                <a:solidFill>
-                  <a:schemeClr val="lt1"/>
-                </a:solidFill>
-              </a:defRPr>
-            </a:lvl3pPr>
-            <a:lvl4pPr lvl="3">
-              <a:buNone/>
-              <a:defRPr>
-                <a:solidFill>
-                  <a:schemeClr val="lt1"/>
-                </a:solidFill>
-              </a:defRPr>
-            </a:lvl4pPr>
-            <a:lvl5pPr lvl="4">
-              <a:buNone/>
-              <a:defRPr>
-                <a:solidFill>
-                  <a:schemeClr val="lt1"/>
-                </a:solidFill>
-              </a:defRPr>
-            </a:lvl5pPr>
-            <a:lvl6pPr lvl="5">
-              <a:buNone/>
-              <a:defRPr>
-                <a:solidFill>
-                  <a:schemeClr val="lt1"/>
-                </a:solidFill>
-              </a:defRPr>
-            </a:lvl6pPr>
-            <a:lvl7pPr lvl="6">
-              <a:buNone/>
-              <a:defRPr>
-                <a:solidFill>
-                  <a:schemeClr val="lt1"/>
-                </a:solidFill>
-              </a:defRPr>
-            </a:lvl7pPr>
-            <a:lvl8pPr lvl="7">
-              <a:buNone/>
-              <a:defRPr>
-                <a:solidFill>
-                  <a:schemeClr val="lt1"/>
-                </a:solidFill>
-              </a:defRPr>
-            </a:lvl8pPr>
-            <a:lvl9pPr lvl="8">
-              <a:buNone/>
-              <a:defRPr>
-                <a:solidFill>
-                  <a:schemeClr val="lt1"/>
-                </a:solidFill>
-              </a:defRPr>
-            </a:lvl9pPr>
-          </a:lstStyle>
-          <a:p>
-            <a:pPr marL="0" lvl="0" indent="0" algn="r" rtl="0">
-              <a:spcBef>
-                <a:spcPts val="0"/>
-              </a:spcBef>
-              <a:spcAft>
-                <a:spcPts val="0"/>
-              </a:spcAft>
-              <a:buNone/>
-            </a:pPr>
-            <a:fld id="{00000000-1234-1234-1234-123412341234}" type="slidenum">
-              <a:rPr lang="de"/>
-              <a:t>‹Nr.›</a:t>
-            </a:fld>
-            <a:endParaRPr/>
-          </a:p>
-        </p:txBody>
-      </p:sp>
-    </p:spTree>
-  </p:cSld>
-  <p:clrMapOvr>
-    <a:masterClrMapping/>
-  </p:clrMapOvr>
-</p:sldLayout>
-</file>
-
-<file path=ppt/slideLayouts/slideLayout11.xml><?xml version="1.0" encoding="utf-8"?>
 <p:sldLayout xmlns:a="http://schemas.openxmlformats.org/drawingml/2006/main" xmlns:r="http://schemas.openxmlformats.org/officeDocument/2006/relationships" xmlns:p="http://schemas.openxmlformats.org/presentationml/2006/main" matchingName="Blank" type="blank">
   <p:cSld name="BLANK">
     <p:spTree>
@@ -5429,690 +5090,6 @@
 </file>
 
 <file path=ppt/slideLayouts/slideLayout8.xml><?xml version="1.0" encoding="utf-8"?>
-<p:sldLayout xmlns:a="http://schemas.openxmlformats.org/drawingml/2006/main" xmlns:r="http://schemas.openxmlformats.org/officeDocument/2006/relationships" xmlns:p="http://schemas.openxmlformats.org/presentationml/2006/main" matchingName="Section title and description">
-  <p:cSld name="SECTION_TITLE_AND_DESCRIPTION">
-    <p:spTree>
-      <p:nvGrpSpPr>
-        <p:cNvPr id="1" name="Shape 44"/>
-        <p:cNvGrpSpPr/>
-        <p:nvPr/>
-      </p:nvGrpSpPr>
-      <p:grpSpPr>
-        <a:xfrm>
-          <a:off x="0" y="0"/>
-          <a:ext cx="0" cy="0"/>
-          <a:chOff x="0" y="0"/>
-          <a:chExt cx="0" cy="0"/>
-        </a:xfrm>
-      </p:grpSpPr>
-      <p:sp>
-        <p:nvSpPr>
-          <p:cNvPr id="45" name="Google Shape;45;p9"/>
-          <p:cNvSpPr/>
-          <p:nvPr/>
-        </p:nvSpPr>
-        <p:spPr>
-          <a:xfrm>
-            <a:off x="0" y="0"/>
-            <a:ext cx="4572000" cy="5143500"/>
-          </a:xfrm>
-          <a:prstGeom prst="rect">
-            <a:avLst/>
-          </a:prstGeom>
-          <a:solidFill>
-            <a:schemeClr val="dk1"/>
-          </a:solidFill>
-          <a:ln>
-            <a:noFill/>
-          </a:ln>
-        </p:spPr>
-        <p:txBody>
-          <a:bodyPr spcFirstLastPara="1" wrap="square" lIns="91425" tIns="91425" rIns="91425" bIns="91425" anchor="ctr" anchorCtr="0">
-            <a:noAutofit/>
-          </a:bodyPr>
-          <a:lstStyle/>
-          <a:p>
-            <a:pPr marL="0" lvl="0" indent="0" algn="l" rtl="0">
-              <a:spcBef>
-                <a:spcPts val="0"/>
-              </a:spcBef>
-              <a:spcAft>
-                <a:spcPts val="0"/>
-              </a:spcAft>
-              <a:buNone/>
-            </a:pPr>
-            <a:endParaRPr/>
-          </a:p>
-        </p:txBody>
-      </p:sp>
-      <p:sp>
-        <p:nvSpPr>
-          <p:cNvPr id="46" name="Google Shape;46;p9"/>
-          <p:cNvSpPr txBox="1">
-            <a:spLocks noGrp="1"/>
-          </p:cNvSpPr>
-          <p:nvPr>
-            <p:ph type="title"/>
-          </p:nvPr>
-        </p:nvSpPr>
-        <p:spPr>
-          <a:xfrm>
-            <a:off x="311300" y="500925"/>
-            <a:ext cx="3704400" cy="2049600"/>
-          </a:xfrm>
-          <a:prstGeom prst="rect">
-            <a:avLst/>
-          </a:prstGeom>
-        </p:spPr>
-        <p:txBody>
-          <a:bodyPr spcFirstLastPara="1" wrap="square" lIns="91425" tIns="91425" rIns="91425" bIns="91425" anchor="t" anchorCtr="0">
-            <a:normAutofit/>
-          </a:bodyPr>
-          <a:lstStyle>
-            <a:lvl1pPr lvl="0">
-              <a:spcBef>
-                <a:spcPts val="0"/>
-              </a:spcBef>
-              <a:spcAft>
-                <a:spcPts val="0"/>
-              </a:spcAft>
-              <a:buClr>
-                <a:schemeClr val="lt1"/>
-              </a:buClr>
-              <a:buSzPts val="2800"/>
-              <a:buNone/>
-              <a:defRPr>
-                <a:solidFill>
-                  <a:schemeClr val="lt1"/>
-                </a:solidFill>
-              </a:defRPr>
-            </a:lvl1pPr>
-            <a:lvl2pPr lvl="1">
-              <a:spcBef>
-                <a:spcPts val="0"/>
-              </a:spcBef>
-              <a:spcAft>
-                <a:spcPts val="0"/>
-              </a:spcAft>
-              <a:buClr>
-                <a:schemeClr val="lt1"/>
-              </a:buClr>
-              <a:buSzPts val="2800"/>
-              <a:buNone/>
-              <a:defRPr>
-                <a:solidFill>
-                  <a:schemeClr val="lt1"/>
-                </a:solidFill>
-              </a:defRPr>
-            </a:lvl2pPr>
-            <a:lvl3pPr lvl="2">
-              <a:spcBef>
-                <a:spcPts val="0"/>
-              </a:spcBef>
-              <a:spcAft>
-                <a:spcPts val="0"/>
-              </a:spcAft>
-              <a:buClr>
-                <a:schemeClr val="lt1"/>
-              </a:buClr>
-              <a:buSzPts val="2800"/>
-              <a:buNone/>
-              <a:defRPr>
-                <a:solidFill>
-                  <a:schemeClr val="lt1"/>
-                </a:solidFill>
-              </a:defRPr>
-            </a:lvl3pPr>
-            <a:lvl4pPr lvl="3">
-              <a:spcBef>
-                <a:spcPts val="0"/>
-              </a:spcBef>
-              <a:spcAft>
-                <a:spcPts val="0"/>
-              </a:spcAft>
-              <a:buClr>
-                <a:schemeClr val="lt1"/>
-              </a:buClr>
-              <a:buSzPts val="2800"/>
-              <a:buNone/>
-              <a:defRPr>
-                <a:solidFill>
-                  <a:schemeClr val="lt1"/>
-                </a:solidFill>
-              </a:defRPr>
-            </a:lvl4pPr>
-            <a:lvl5pPr lvl="4">
-              <a:spcBef>
-                <a:spcPts val="0"/>
-              </a:spcBef>
-              <a:spcAft>
-                <a:spcPts val="0"/>
-              </a:spcAft>
-              <a:buClr>
-                <a:schemeClr val="lt1"/>
-              </a:buClr>
-              <a:buSzPts val="2800"/>
-              <a:buNone/>
-              <a:defRPr>
-                <a:solidFill>
-                  <a:schemeClr val="lt1"/>
-                </a:solidFill>
-              </a:defRPr>
-            </a:lvl5pPr>
-            <a:lvl6pPr lvl="5">
-              <a:spcBef>
-                <a:spcPts val="0"/>
-              </a:spcBef>
-              <a:spcAft>
-                <a:spcPts val="0"/>
-              </a:spcAft>
-              <a:buClr>
-                <a:schemeClr val="lt1"/>
-              </a:buClr>
-              <a:buSzPts val="2800"/>
-              <a:buNone/>
-              <a:defRPr>
-                <a:solidFill>
-                  <a:schemeClr val="lt1"/>
-                </a:solidFill>
-              </a:defRPr>
-            </a:lvl6pPr>
-            <a:lvl7pPr lvl="6">
-              <a:spcBef>
-                <a:spcPts val="0"/>
-              </a:spcBef>
-              <a:spcAft>
-                <a:spcPts val="0"/>
-              </a:spcAft>
-              <a:buClr>
-                <a:schemeClr val="lt1"/>
-              </a:buClr>
-              <a:buSzPts val="2800"/>
-              <a:buNone/>
-              <a:defRPr>
-                <a:solidFill>
-                  <a:schemeClr val="lt1"/>
-                </a:solidFill>
-              </a:defRPr>
-            </a:lvl7pPr>
-            <a:lvl8pPr lvl="7">
-              <a:spcBef>
-                <a:spcPts val="0"/>
-              </a:spcBef>
-              <a:spcAft>
-                <a:spcPts val="0"/>
-              </a:spcAft>
-              <a:buClr>
-                <a:schemeClr val="lt1"/>
-              </a:buClr>
-              <a:buSzPts val="2800"/>
-              <a:buNone/>
-              <a:defRPr>
-                <a:solidFill>
-                  <a:schemeClr val="lt1"/>
-                </a:solidFill>
-              </a:defRPr>
-            </a:lvl8pPr>
-            <a:lvl9pPr lvl="8">
-              <a:spcBef>
-                <a:spcPts val="0"/>
-              </a:spcBef>
-              <a:spcAft>
-                <a:spcPts val="0"/>
-              </a:spcAft>
-              <a:buClr>
-                <a:schemeClr val="lt1"/>
-              </a:buClr>
-              <a:buSzPts val="2800"/>
-              <a:buNone/>
-              <a:defRPr>
-                <a:solidFill>
-                  <a:schemeClr val="lt1"/>
-                </a:solidFill>
-              </a:defRPr>
-            </a:lvl9pPr>
-          </a:lstStyle>
-          <a:p>
-            <a:endParaRPr/>
-          </a:p>
-        </p:txBody>
-      </p:sp>
-      <p:sp>
-        <p:nvSpPr>
-          <p:cNvPr id="47" name="Google Shape;47;p9"/>
-          <p:cNvSpPr txBox="1">
-            <a:spLocks noGrp="1"/>
-          </p:cNvSpPr>
-          <p:nvPr>
-            <p:ph type="subTitle" idx="1"/>
-          </p:nvPr>
-        </p:nvSpPr>
-        <p:spPr>
-          <a:xfrm>
-            <a:off x="304800" y="2626725"/>
-            <a:ext cx="3704400" cy="926700"/>
-          </a:xfrm>
-          <a:prstGeom prst="rect">
-            <a:avLst/>
-          </a:prstGeom>
-        </p:spPr>
-        <p:txBody>
-          <a:bodyPr spcFirstLastPara="1" wrap="square" lIns="91425" tIns="91425" rIns="91425" bIns="91425" anchor="t" anchorCtr="0">
-            <a:normAutofit/>
-          </a:bodyPr>
-          <a:lstStyle>
-            <a:lvl1pPr lvl="0">
-              <a:lnSpc>
-                <a:spcPct val="100000"/>
-              </a:lnSpc>
-              <a:spcBef>
-                <a:spcPts val="0"/>
-              </a:spcBef>
-              <a:spcAft>
-                <a:spcPts val="0"/>
-              </a:spcAft>
-              <a:buClr>
-                <a:schemeClr val="accent2"/>
-              </a:buClr>
-              <a:buSzPts val="1600"/>
-              <a:buNone/>
-              <a:defRPr sz="1600">
-                <a:solidFill>
-                  <a:schemeClr val="accent2"/>
-                </a:solidFill>
-              </a:defRPr>
-            </a:lvl1pPr>
-            <a:lvl2pPr lvl="1">
-              <a:lnSpc>
-                <a:spcPct val="100000"/>
-              </a:lnSpc>
-              <a:spcBef>
-                <a:spcPts val="0"/>
-              </a:spcBef>
-              <a:spcAft>
-                <a:spcPts val="0"/>
-              </a:spcAft>
-              <a:buClr>
-                <a:schemeClr val="accent2"/>
-              </a:buClr>
-              <a:buSzPts val="1600"/>
-              <a:buNone/>
-              <a:defRPr sz="1600">
-                <a:solidFill>
-                  <a:schemeClr val="accent2"/>
-                </a:solidFill>
-              </a:defRPr>
-            </a:lvl2pPr>
-            <a:lvl3pPr lvl="2">
-              <a:lnSpc>
-                <a:spcPct val="100000"/>
-              </a:lnSpc>
-              <a:spcBef>
-                <a:spcPts val="0"/>
-              </a:spcBef>
-              <a:spcAft>
-                <a:spcPts val="0"/>
-              </a:spcAft>
-              <a:buClr>
-                <a:schemeClr val="accent2"/>
-              </a:buClr>
-              <a:buSzPts val="1600"/>
-              <a:buNone/>
-              <a:defRPr sz="1600">
-                <a:solidFill>
-                  <a:schemeClr val="accent2"/>
-                </a:solidFill>
-              </a:defRPr>
-            </a:lvl3pPr>
-            <a:lvl4pPr lvl="3">
-              <a:lnSpc>
-                <a:spcPct val="100000"/>
-              </a:lnSpc>
-              <a:spcBef>
-                <a:spcPts val="0"/>
-              </a:spcBef>
-              <a:spcAft>
-                <a:spcPts val="0"/>
-              </a:spcAft>
-              <a:buClr>
-                <a:schemeClr val="accent2"/>
-              </a:buClr>
-              <a:buSzPts val="1600"/>
-              <a:buNone/>
-              <a:defRPr sz="1600">
-                <a:solidFill>
-                  <a:schemeClr val="accent2"/>
-                </a:solidFill>
-              </a:defRPr>
-            </a:lvl4pPr>
-            <a:lvl5pPr lvl="4">
-              <a:lnSpc>
-                <a:spcPct val="100000"/>
-              </a:lnSpc>
-              <a:spcBef>
-                <a:spcPts val="0"/>
-              </a:spcBef>
-              <a:spcAft>
-                <a:spcPts val="0"/>
-              </a:spcAft>
-              <a:buClr>
-                <a:schemeClr val="accent2"/>
-              </a:buClr>
-              <a:buSzPts val="1600"/>
-              <a:buNone/>
-              <a:defRPr sz="1600">
-                <a:solidFill>
-                  <a:schemeClr val="accent2"/>
-                </a:solidFill>
-              </a:defRPr>
-            </a:lvl5pPr>
-            <a:lvl6pPr lvl="5">
-              <a:lnSpc>
-                <a:spcPct val="100000"/>
-              </a:lnSpc>
-              <a:spcBef>
-                <a:spcPts val="0"/>
-              </a:spcBef>
-              <a:spcAft>
-                <a:spcPts val="0"/>
-              </a:spcAft>
-              <a:buClr>
-                <a:schemeClr val="accent2"/>
-              </a:buClr>
-              <a:buSzPts val="1600"/>
-              <a:buNone/>
-              <a:defRPr sz="1600">
-                <a:solidFill>
-                  <a:schemeClr val="accent2"/>
-                </a:solidFill>
-              </a:defRPr>
-            </a:lvl6pPr>
-            <a:lvl7pPr lvl="6">
-              <a:lnSpc>
-                <a:spcPct val="100000"/>
-              </a:lnSpc>
-              <a:spcBef>
-                <a:spcPts val="0"/>
-              </a:spcBef>
-              <a:spcAft>
-                <a:spcPts val="0"/>
-              </a:spcAft>
-              <a:buClr>
-                <a:schemeClr val="accent2"/>
-              </a:buClr>
-              <a:buSzPts val="1600"/>
-              <a:buNone/>
-              <a:defRPr sz="1600">
-                <a:solidFill>
-                  <a:schemeClr val="accent2"/>
-                </a:solidFill>
-              </a:defRPr>
-            </a:lvl7pPr>
-            <a:lvl8pPr lvl="7">
-              <a:lnSpc>
-                <a:spcPct val="100000"/>
-              </a:lnSpc>
-              <a:spcBef>
-                <a:spcPts val="0"/>
-              </a:spcBef>
-              <a:spcAft>
-                <a:spcPts val="0"/>
-              </a:spcAft>
-              <a:buClr>
-                <a:schemeClr val="accent2"/>
-              </a:buClr>
-              <a:buSzPts val="1600"/>
-              <a:buNone/>
-              <a:defRPr sz="1600">
-                <a:solidFill>
-                  <a:schemeClr val="accent2"/>
-                </a:solidFill>
-              </a:defRPr>
-            </a:lvl8pPr>
-            <a:lvl9pPr lvl="8">
-              <a:lnSpc>
-                <a:spcPct val="100000"/>
-              </a:lnSpc>
-              <a:spcBef>
-                <a:spcPts val="0"/>
-              </a:spcBef>
-              <a:spcAft>
-                <a:spcPts val="0"/>
-              </a:spcAft>
-              <a:buClr>
-                <a:schemeClr val="accent2"/>
-              </a:buClr>
-              <a:buSzPts val="1600"/>
-              <a:buNone/>
-              <a:defRPr sz="1600">
-                <a:solidFill>
-                  <a:schemeClr val="accent2"/>
-                </a:solidFill>
-              </a:defRPr>
-            </a:lvl9pPr>
-          </a:lstStyle>
-          <a:p>
-            <a:endParaRPr/>
-          </a:p>
-        </p:txBody>
-      </p:sp>
-      <p:sp>
-        <p:nvSpPr>
-          <p:cNvPr id="48" name="Google Shape;48;p9"/>
-          <p:cNvSpPr txBox="1">
-            <a:spLocks noGrp="1"/>
-          </p:cNvSpPr>
-          <p:nvPr>
-            <p:ph type="body" idx="2"/>
-          </p:nvPr>
-        </p:nvSpPr>
-        <p:spPr>
-          <a:xfrm>
-            <a:off x="4879025" y="500925"/>
-            <a:ext cx="3954000" cy="4111500"/>
-          </a:xfrm>
-          <a:prstGeom prst="rect">
-            <a:avLst/>
-          </a:prstGeom>
-        </p:spPr>
-        <p:txBody>
-          <a:bodyPr spcFirstLastPara="1" wrap="square" lIns="91425" tIns="91425" rIns="91425" bIns="91425" anchor="t" anchorCtr="0">
-            <a:normAutofit/>
-          </a:bodyPr>
-          <a:lstStyle>
-            <a:lvl1pPr marL="457200" lvl="0" indent="-311150">
-              <a:spcBef>
-                <a:spcPts val="0"/>
-              </a:spcBef>
-              <a:spcAft>
-                <a:spcPts val="0"/>
-              </a:spcAft>
-              <a:buSzPts val="1300"/>
-              <a:buChar char="●"/>
-              <a:defRPr/>
-            </a:lvl1pPr>
-            <a:lvl2pPr marL="914400" lvl="1" indent="-298450">
-              <a:spcBef>
-                <a:spcPts val="0"/>
-              </a:spcBef>
-              <a:spcAft>
-                <a:spcPts val="0"/>
-              </a:spcAft>
-              <a:buSzPts val="1100"/>
-              <a:buChar char="○"/>
-              <a:defRPr/>
-            </a:lvl2pPr>
-            <a:lvl3pPr marL="1371600" lvl="2" indent="-298450">
-              <a:spcBef>
-                <a:spcPts val="0"/>
-              </a:spcBef>
-              <a:spcAft>
-                <a:spcPts val="0"/>
-              </a:spcAft>
-              <a:buSzPts val="1100"/>
-              <a:buChar char="■"/>
-              <a:defRPr/>
-            </a:lvl3pPr>
-            <a:lvl4pPr marL="1828800" lvl="3" indent="-298450">
-              <a:spcBef>
-                <a:spcPts val="0"/>
-              </a:spcBef>
-              <a:spcAft>
-                <a:spcPts val="0"/>
-              </a:spcAft>
-              <a:buSzPts val="1100"/>
-              <a:buChar char="●"/>
-              <a:defRPr/>
-            </a:lvl4pPr>
-            <a:lvl5pPr marL="2286000" lvl="4" indent="-298450">
-              <a:spcBef>
-                <a:spcPts val="0"/>
-              </a:spcBef>
-              <a:spcAft>
-                <a:spcPts val="0"/>
-              </a:spcAft>
-              <a:buSzPts val="1100"/>
-              <a:buChar char="○"/>
-              <a:defRPr/>
-            </a:lvl5pPr>
-            <a:lvl6pPr marL="2743200" lvl="5" indent="-298450">
-              <a:spcBef>
-                <a:spcPts val="0"/>
-              </a:spcBef>
-              <a:spcAft>
-                <a:spcPts val="0"/>
-              </a:spcAft>
-              <a:buSzPts val="1100"/>
-              <a:buChar char="■"/>
-              <a:defRPr/>
-            </a:lvl6pPr>
-            <a:lvl7pPr marL="3200400" lvl="6" indent="-298450">
-              <a:spcBef>
-                <a:spcPts val="0"/>
-              </a:spcBef>
-              <a:spcAft>
-                <a:spcPts val="0"/>
-              </a:spcAft>
-              <a:buSzPts val="1100"/>
-              <a:buChar char="●"/>
-              <a:defRPr/>
-            </a:lvl7pPr>
-            <a:lvl8pPr marL="3657600" lvl="7" indent="-298450">
-              <a:spcBef>
-                <a:spcPts val="0"/>
-              </a:spcBef>
-              <a:spcAft>
-                <a:spcPts val="0"/>
-              </a:spcAft>
-              <a:buSzPts val="1100"/>
-              <a:buChar char="○"/>
-              <a:defRPr/>
-            </a:lvl8pPr>
-            <a:lvl9pPr marL="4114800" lvl="8" indent="-298450">
-              <a:spcBef>
-                <a:spcPts val="0"/>
-              </a:spcBef>
-              <a:spcAft>
-                <a:spcPts val="0"/>
-              </a:spcAft>
-              <a:buSzPts val="1100"/>
-              <a:buChar char="■"/>
-              <a:defRPr/>
-            </a:lvl9pPr>
-          </a:lstStyle>
-          <a:p>
-            <a:endParaRPr/>
-          </a:p>
-        </p:txBody>
-      </p:sp>
-      <p:sp>
-        <p:nvSpPr>
-          <p:cNvPr id="49" name="Google Shape;49;p9"/>
-          <p:cNvSpPr txBox="1">
-            <a:spLocks noGrp="1"/>
-          </p:cNvSpPr>
-          <p:nvPr>
-            <p:ph type="sldNum" idx="12"/>
-          </p:nvPr>
-        </p:nvSpPr>
-        <p:spPr>
-          <a:xfrm>
-            <a:off x="8472458" y="4663217"/>
-            <a:ext cx="548700" cy="393600"/>
-          </a:xfrm>
-          <a:prstGeom prst="rect">
-            <a:avLst/>
-          </a:prstGeom>
-        </p:spPr>
-        <p:txBody>
-          <a:bodyPr spcFirstLastPara="1" wrap="square" lIns="91425" tIns="91425" rIns="91425" bIns="91425" anchor="ctr" anchorCtr="0">
-            <a:normAutofit/>
-          </a:bodyPr>
-          <a:lstStyle>
-            <a:lvl1pPr lvl="0">
-              <a:buNone/>
-              <a:defRPr/>
-            </a:lvl1pPr>
-            <a:lvl2pPr lvl="1">
-              <a:buNone/>
-              <a:defRPr/>
-            </a:lvl2pPr>
-            <a:lvl3pPr lvl="2">
-              <a:buNone/>
-              <a:defRPr/>
-            </a:lvl3pPr>
-            <a:lvl4pPr lvl="3">
-              <a:buNone/>
-              <a:defRPr/>
-            </a:lvl4pPr>
-            <a:lvl5pPr lvl="4">
-              <a:buNone/>
-              <a:defRPr/>
-            </a:lvl5pPr>
-            <a:lvl6pPr lvl="5">
-              <a:buNone/>
-              <a:defRPr/>
-            </a:lvl6pPr>
-            <a:lvl7pPr lvl="6">
-              <a:buNone/>
-              <a:defRPr/>
-            </a:lvl7pPr>
-            <a:lvl8pPr lvl="7">
-              <a:buNone/>
-              <a:defRPr/>
-            </a:lvl8pPr>
-            <a:lvl9pPr lvl="8">
-              <a:buNone/>
-              <a:defRPr/>
-            </a:lvl9pPr>
-          </a:lstStyle>
-          <a:p>
-            <a:pPr marL="0" lvl="0" indent="0" algn="r" rtl="0">
-              <a:spcBef>
-                <a:spcPts val="0"/>
-              </a:spcBef>
-              <a:spcAft>
-                <a:spcPts val="0"/>
-              </a:spcAft>
-              <a:buNone/>
-            </a:pPr>
-            <a:fld id="{00000000-1234-1234-1234-123412341234}" type="slidenum">
-              <a:rPr lang="de"/>
-              <a:t>‹Nr.›</a:t>
-            </a:fld>
-            <a:endParaRPr/>
-          </a:p>
-        </p:txBody>
-      </p:sp>
-    </p:spTree>
-  </p:cSld>
-  <p:clrMapOvr>
-    <a:masterClrMapping/>
-  </p:clrMapOvr>
-</p:sldLayout>
-</file>
-
-<file path=ppt/slideLayouts/slideLayout9.xml><?xml version="1.0" encoding="utf-8"?>
 <p:sldLayout xmlns:a="http://schemas.openxmlformats.org/drawingml/2006/main" xmlns:r="http://schemas.openxmlformats.org/officeDocument/2006/relationships" xmlns:p="http://schemas.openxmlformats.org/presentationml/2006/main" matchingName="Caption">
   <p:cSld name="CAPTION_ONLY">
     <p:spTree>
@@ -6228,6 +5205,540 @@
       <p:sp>
         <p:nvSpPr>
           <p:cNvPr id="53" name="Google Shape;53;p10"/>
+          <p:cNvSpPr txBox="1">
+            <a:spLocks noGrp="1"/>
+          </p:cNvSpPr>
+          <p:nvPr>
+            <p:ph type="sldNum" idx="12"/>
+          </p:nvPr>
+        </p:nvSpPr>
+        <p:spPr>
+          <a:xfrm>
+            <a:off x="8472458" y="4663217"/>
+            <a:ext cx="548700" cy="393600"/>
+          </a:xfrm>
+          <a:prstGeom prst="rect">
+            <a:avLst/>
+          </a:prstGeom>
+        </p:spPr>
+        <p:txBody>
+          <a:bodyPr spcFirstLastPara="1" wrap="square" lIns="91425" tIns="91425" rIns="91425" bIns="91425" anchor="ctr" anchorCtr="0">
+            <a:normAutofit/>
+          </a:bodyPr>
+          <a:lstStyle>
+            <a:lvl1pPr lvl="0">
+              <a:buNone/>
+              <a:defRPr>
+                <a:solidFill>
+                  <a:schemeClr val="lt1"/>
+                </a:solidFill>
+              </a:defRPr>
+            </a:lvl1pPr>
+            <a:lvl2pPr lvl="1">
+              <a:buNone/>
+              <a:defRPr>
+                <a:solidFill>
+                  <a:schemeClr val="lt1"/>
+                </a:solidFill>
+              </a:defRPr>
+            </a:lvl2pPr>
+            <a:lvl3pPr lvl="2">
+              <a:buNone/>
+              <a:defRPr>
+                <a:solidFill>
+                  <a:schemeClr val="lt1"/>
+                </a:solidFill>
+              </a:defRPr>
+            </a:lvl3pPr>
+            <a:lvl4pPr lvl="3">
+              <a:buNone/>
+              <a:defRPr>
+                <a:solidFill>
+                  <a:schemeClr val="lt1"/>
+                </a:solidFill>
+              </a:defRPr>
+            </a:lvl4pPr>
+            <a:lvl5pPr lvl="4">
+              <a:buNone/>
+              <a:defRPr>
+                <a:solidFill>
+                  <a:schemeClr val="lt1"/>
+                </a:solidFill>
+              </a:defRPr>
+            </a:lvl5pPr>
+            <a:lvl6pPr lvl="5">
+              <a:buNone/>
+              <a:defRPr>
+                <a:solidFill>
+                  <a:schemeClr val="lt1"/>
+                </a:solidFill>
+              </a:defRPr>
+            </a:lvl6pPr>
+            <a:lvl7pPr lvl="6">
+              <a:buNone/>
+              <a:defRPr>
+                <a:solidFill>
+                  <a:schemeClr val="lt1"/>
+                </a:solidFill>
+              </a:defRPr>
+            </a:lvl7pPr>
+            <a:lvl8pPr lvl="7">
+              <a:buNone/>
+              <a:defRPr>
+                <a:solidFill>
+                  <a:schemeClr val="lt1"/>
+                </a:solidFill>
+              </a:defRPr>
+            </a:lvl8pPr>
+            <a:lvl9pPr lvl="8">
+              <a:buNone/>
+              <a:defRPr>
+                <a:solidFill>
+                  <a:schemeClr val="lt1"/>
+                </a:solidFill>
+              </a:defRPr>
+            </a:lvl9pPr>
+          </a:lstStyle>
+          <a:p>
+            <a:pPr marL="0" lvl="0" indent="0" algn="r" rtl="0">
+              <a:spcBef>
+                <a:spcPts val="0"/>
+              </a:spcBef>
+              <a:spcAft>
+                <a:spcPts val="0"/>
+              </a:spcAft>
+              <a:buNone/>
+            </a:pPr>
+            <a:fld id="{00000000-1234-1234-1234-123412341234}" type="slidenum">
+              <a:rPr lang="de"/>
+              <a:t>‹Nr.›</a:t>
+            </a:fld>
+            <a:endParaRPr/>
+          </a:p>
+        </p:txBody>
+      </p:sp>
+    </p:spTree>
+  </p:cSld>
+  <p:clrMapOvr>
+    <a:masterClrMapping/>
+  </p:clrMapOvr>
+</p:sldLayout>
+</file>
+
+<file path=ppt/slideLayouts/slideLayout9.xml><?xml version="1.0" encoding="utf-8"?>
+<p:sldLayout xmlns:a="http://schemas.openxmlformats.org/drawingml/2006/main" xmlns:r="http://schemas.openxmlformats.org/officeDocument/2006/relationships" xmlns:p="http://schemas.openxmlformats.org/presentationml/2006/main" matchingName="Big number">
+  <p:cSld name="BIG_NUMBER">
+    <p:bg>
+      <p:bgPr>
+        <a:solidFill>
+          <a:schemeClr val="dk1"/>
+        </a:solidFill>
+        <a:effectLst/>
+      </p:bgPr>
+    </p:bg>
+    <p:spTree>
+      <p:nvGrpSpPr>
+        <p:cNvPr id="1" name="Shape 54"/>
+        <p:cNvGrpSpPr/>
+        <p:nvPr/>
+      </p:nvGrpSpPr>
+      <p:grpSpPr>
+        <a:xfrm>
+          <a:off x="0" y="0"/>
+          <a:ext cx="0" cy="0"/>
+          <a:chOff x="0" y="0"/>
+          <a:chExt cx="0" cy="0"/>
+        </a:xfrm>
+      </p:grpSpPr>
+      <p:sp>
+        <p:nvSpPr>
+          <p:cNvPr id="55" name="Google Shape;55;p11"/>
+          <p:cNvSpPr txBox="1">
+            <a:spLocks noGrp="1"/>
+          </p:cNvSpPr>
+          <p:nvPr>
+            <p:ph type="title" hasCustomPrompt="1"/>
+          </p:nvPr>
+        </p:nvSpPr>
+        <p:spPr>
+          <a:xfrm>
+            <a:off x="311750" y="831175"/>
+            <a:ext cx="5334900" cy="1244700"/>
+          </a:xfrm>
+          <a:prstGeom prst="rect">
+            <a:avLst/>
+          </a:prstGeom>
+        </p:spPr>
+        <p:txBody>
+          <a:bodyPr spcFirstLastPara="1" wrap="square" lIns="91425" tIns="91425" rIns="91425" bIns="91425" anchor="b" anchorCtr="0">
+            <a:normAutofit/>
+          </a:bodyPr>
+          <a:lstStyle>
+            <a:lvl1pPr lvl="0">
+              <a:spcBef>
+                <a:spcPts val="0"/>
+              </a:spcBef>
+              <a:spcAft>
+                <a:spcPts val="0"/>
+              </a:spcAft>
+              <a:buClr>
+                <a:schemeClr val="lt1"/>
+              </a:buClr>
+              <a:buSzPts val="10000"/>
+              <a:buNone/>
+              <a:defRPr sz="10000">
+                <a:solidFill>
+                  <a:schemeClr val="lt1"/>
+                </a:solidFill>
+              </a:defRPr>
+            </a:lvl1pPr>
+            <a:lvl2pPr lvl="1">
+              <a:spcBef>
+                <a:spcPts val="0"/>
+              </a:spcBef>
+              <a:spcAft>
+                <a:spcPts val="0"/>
+              </a:spcAft>
+              <a:buClr>
+                <a:schemeClr val="lt1"/>
+              </a:buClr>
+              <a:buSzPts val="10000"/>
+              <a:buNone/>
+              <a:defRPr sz="10000">
+                <a:solidFill>
+                  <a:schemeClr val="lt1"/>
+                </a:solidFill>
+              </a:defRPr>
+            </a:lvl2pPr>
+            <a:lvl3pPr lvl="2">
+              <a:spcBef>
+                <a:spcPts val="0"/>
+              </a:spcBef>
+              <a:spcAft>
+                <a:spcPts val="0"/>
+              </a:spcAft>
+              <a:buClr>
+                <a:schemeClr val="lt1"/>
+              </a:buClr>
+              <a:buSzPts val="10000"/>
+              <a:buNone/>
+              <a:defRPr sz="10000">
+                <a:solidFill>
+                  <a:schemeClr val="lt1"/>
+                </a:solidFill>
+              </a:defRPr>
+            </a:lvl3pPr>
+            <a:lvl4pPr lvl="3">
+              <a:spcBef>
+                <a:spcPts val="0"/>
+              </a:spcBef>
+              <a:spcAft>
+                <a:spcPts val="0"/>
+              </a:spcAft>
+              <a:buClr>
+                <a:schemeClr val="lt1"/>
+              </a:buClr>
+              <a:buSzPts val="10000"/>
+              <a:buNone/>
+              <a:defRPr sz="10000">
+                <a:solidFill>
+                  <a:schemeClr val="lt1"/>
+                </a:solidFill>
+              </a:defRPr>
+            </a:lvl4pPr>
+            <a:lvl5pPr lvl="4">
+              <a:spcBef>
+                <a:spcPts val="0"/>
+              </a:spcBef>
+              <a:spcAft>
+                <a:spcPts val="0"/>
+              </a:spcAft>
+              <a:buClr>
+                <a:schemeClr val="lt1"/>
+              </a:buClr>
+              <a:buSzPts val="10000"/>
+              <a:buNone/>
+              <a:defRPr sz="10000">
+                <a:solidFill>
+                  <a:schemeClr val="lt1"/>
+                </a:solidFill>
+              </a:defRPr>
+            </a:lvl5pPr>
+            <a:lvl6pPr lvl="5">
+              <a:spcBef>
+                <a:spcPts val="0"/>
+              </a:spcBef>
+              <a:spcAft>
+                <a:spcPts val="0"/>
+              </a:spcAft>
+              <a:buClr>
+                <a:schemeClr val="lt1"/>
+              </a:buClr>
+              <a:buSzPts val="10000"/>
+              <a:buNone/>
+              <a:defRPr sz="10000">
+                <a:solidFill>
+                  <a:schemeClr val="lt1"/>
+                </a:solidFill>
+              </a:defRPr>
+            </a:lvl6pPr>
+            <a:lvl7pPr lvl="6">
+              <a:spcBef>
+                <a:spcPts val="0"/>
+              </a:spcBef>
+              <a:spcAft>
+                <a:spcPts val="0"/>
+              </a:spcAft>
+              <a:buClr>
+                <a:schemeClr val="lt1"/>
+              </a:buClr>
+              <a:buSzPts val="10000"/>
+              <a:buNone/>
+              <a:defRPr sz="10000">
+                <a:solidFill>
+                  <a:schemeClr val="lt1"/>
+                </a:solidFill>
+              </a:defRPr>
+            </a:lvl7pPr>
+            <a:lvl8pPr lvl="7">
+              <a:spcBef>
+                <a:spcPts val="0"/>
+              </a:spcBef>
+              <a:spcAft>
+                <a:spcPts val="0"/>
+              </a:spcAft>
+              <a:buClr>
+                <a:schemeClr val="lt1"/>
+              </a:buClr>
+              <a:buSzPts val="10000"/>
+              <a:buNone/>
+              <a:defRPr sz="10000">
+                <a:solidFill>
+                  <a:schemeClr val="lt1"/>
+                </a:solidFill>
+              </a:defRPr>
+            </a:lvl8pPr>
+            <a:lvl9pPr lvl="8">
+              <a:spcBef>
+                <a:spcPts val="0"/>
+              </a:spcBef>
+              <a:spcAft>
+                <a:spcPts val="0"/>
+              </a:spcAft>
+              <a:buClr>
+                <a:schemeClr val="lt1"/>
+              </a:buClr>
+              <a:buSzPts val="10000"/>
+              <a:buNone/>
+              <a:defRPr sz="10000">
+                <a:solidFill>
+                  <a:schemeClr val="lt1"/>
+                </a:solidFill>
+              </a:defRPr>
+            </a:lvl9pPr>
+          </a:lstStyle>
+          <a:p>
+            <a:r>
+              <a:t>xx%</a:t>
+            </a:r>
+          </a:p>
+        </p:txBody>
+      </p:sp>
+      <p:sp>
+        <p:nvSpPr>
+          <p:cNvPr id="56" name="Google Shape;56;p11"/>
+          <p:cNvSpPr txBox="1">
+            <a:spLocks noGrp="1"/>
+          </p:cNvSpPr>
+          <p:nvPr>
+            <p:ph type="body" idx="1"/>
+          </p:nvPr>
+        </p:nvSpPr>
+        <p:spPr>
+          <a:xfrm>
+            <a:off x="311700" y="2121425"/>
+            <a:ext cx="5334900" cy="942600"/>
+          </a:xfrm>
+          <a:prstGeom prst="rect">
+            <a:avLst/>
+          </a:prstGeom>
+        </p:spPr>
+        <p:txBody>
+          <a:bodyPr spcFirstLastPara="1" wrap="square" lIns="91425" tIns="91425" rIns="91425" bIns="91425" anchor="t" anchorCtr="0">
+            <a:normAutofit/>
+          </a:bodyPr>
+          <a:lstStyle>
+            <a:lvl1pPr marL="457200" lvl="0" indent="-311150">
+              <a:spcBef>
+                <a:spcPts val="0"/>
+              </a:spcBef>
+              <a:spcAft>
+                <a:spcPts val="0"/>
+              </a:spcAft>
+              <a:buClr>
+                <a:schemeClr val="accent2"/>
+              </a:buClr>
+              <a:buSzPts val="1300"/>
+              <a:buChar char="●"/>
+              <a:defRPr>
+                <a:solidFill>
+                  <a:schemeClr val="accent2"/>
+                </a:solidFill>
+              </a:defRPr>
+            </a:lvl1pPr>
+            <a:lvl2pPr marL="914400" lvl="1" indent="-298450">
+              <a:spcBef>
+                <a:spcPts val="0"/>
+              </a:spcBef>
+              <a:spcAft>
+                <a:spcPts val="0"/>
+              </a:spcAft>
+              <a:buClr>
+                <a:schemeClr val="accent2"/>
+              </a:buClr>
+              <a:buSzPts val="1100"/>
+              <a:buChar char="○"/>
+              <a:defRPr>
+                <a:solidFill>
+                  <a:schemeClr val="accent2"/>
+                </a:solidFill>
+              </a:defRPr>
+            </a:lvl2pPr>
+            <a:lvl3pPr marL="1371600" lvl="2" indent="-298450">
+              <a:spcBef>
+                <a:spcPts val="0"/>
+              </a:spcBef>
+              <a:spcAft>
+                <a:spcPts val="0"/>
+              </a:spcAft>
+              <a:buClr>
+                <a:schemeClr val="accent2"/>
+              </a:buClr>
+              <a:buSzPts val="1100"/>
+              <a:buChar char="■"/>
+              <a:defRPr>
+                <a:solidFill>
+                  <a:schemeClr val="accent2"/>
+                </a:solidFill>
+              </a:defRPr>
+            </a:lvl3pPr>
+            <a:lvl4pPr marL="1828800" lvl="3" indent="-298450">
+              <a:spcBef>
+                <a:spcPts val="0"/>
+              </a:spcBef>
+              <a:spcAft>
+                <a:spcPts val="0"/>
+              </a:spcAft>
+              <a:buClr>
+                <a:schemeClr val="accent2"/>
+              </a:buClr>
+              <a:buSzPts val="1100"/>
+              <a:buChar char="●"/>
+              <a:defRPr>
+                <a:solidFill>
+                  <a:schemeClr val="accent2"/>
+                </a:solidFill>
+              </a:defRPr>
+            </a:lvl4pPr>
+            <a:lvl5pPr marL="2286000" lvl="4" indent="-298450">
+              <a:spcBef>
+                <a:spcPts val="0"/>
+              </a:spcBef>
+              <a:spcAft>
+                <a:spcPts val="0"/>
+              </a:spcAft>
+              <a:buClr>
+                <a:schemeClr val="accent2"/>
+              </a:buClr>
+              <a:buSzPts val="1100"/>
+              <a:buChar char="○"/>
+              <a:defRPr>
+                <a:solidFill>
+                  <a:schemeClr val="accent2"/>
+                </a:solidFill>
+              </a:defRPr>
+            </a:lvl5pPr>
+            <a:lvl6pPr marL="2743200" lvl="5" indent="-298450">
+              <a:spcBef>
+                <a:spcPts val="0"/>
+              </a:spcBef>
+              <a:spcAft>
+                <a:spcPts val="0"/>
+              </a:spcAft>
+              <a:buClr>
+                <a:schemeClr val="accent2"/>
+              </a:buClr>
+              <a:buSzPts val="1100"/>
+              <a:buChar char="■"/>
+              <a:defRPr>
+                <a:solidFill>
+                  <a:schemeClr val="accent2"/>
+                </a:solidFill>
+              </a:defRPr>
+            </a:lvl6pPr>
+            <a:lvl7pPr marL="3200400" lvl="6" indent="-298450">
+              <a:spcBef>
+                <a:spcPts val="0"/>
+              </a:spcBef>
+              <a:spcAft>
+                <a:spcPts val="0"/>
+              </a:spcAft>
+              <a:buClr>
+                <a:schemeClr val="accent2"/>
+              </a:buClr>
+              <a:buSzPts val="1100"/>
+              <a:buChar char="●"/>
+              <a:defRPr>
+                <a:solidFill>
+                  <a:schemeClr val="accent2"/>
+                </a:solidFill>
+              </a:defRPr>
+            </a:lvl7pPr>
+            <a:lvl8pPr marL="3657600" lvl="7" indent="-298450">
+              <a:spcBef>
+                <a:spcPts val="0"/>
+              </a:spcBef>
+              <a:spcAft>
+                <a:spcPts val="0"/>
+              </a:spcAft>
+              <a:buClr>
+                <a:schemeClr val="accent2"/>
+              </a:buClr>
+              <a:buSzPts val="1100"/>
+              <a:buChar char="○"/>
+              <a:defRPr>
+                <a:solidFill>
+                  <a:schemeClr val="accent2"/>
+                </a:solidFill>
+              </a:defRPr>
+            </a:lvl8pPr>
+            <a:lvl9pPr marL="4114800" lvl="8" indent="-298450">
+              <a:spcBef>
+                <a:spcPts val="0"/>
+              </a:spcBef>
+              <a:spcAft>
+                <a:spcPts val="0"/>
+              </a:spcAft>
+              <a:buClr>
+                <a:schemeClr val="accent2"/>
+              </a:buClr>
+              <a:buSzPts val="1100"/>
+              <a:buChar char="■"/>
+              <a:defRPr>
+                <a:solidFill>
+                  <a:schemeClr val="accent2"/>
+                </a:solidFill>
+              </a:defRPr>
+            </a:lvl9pPr>
+          </a:lstStyle>
+          <a:p>
+            <a:endParaRPr/>
+          </a:p>
+        </p:txBody>
+      </p:sp>
+      <p:sp>
+        <p:nvSpPr>
+          <p:cNvPr id="57" name="Google Shape;57;p11"/>
           <p:cNvSpPr txBox="1">
             <a:spLocks noGrp="1"/>
           </p:cNvSpPr>
@@ -7048,10 +6559,9 @@
     <p:sldLayoutId id="2147483652" r:id="rId5"/>
     <p:sldLayoutId id="2147483653" r:id="rId6"/>
     <p:sldLayoutId id="2147483654" r:id="rId7"/>
-    <p:sldLayoutId id="2147483655" r:id="rId8"/>
-    <p:sldLayoutId id="2147483656" r:id="rId9"/>
-    <p:sldLayoutId id="2147483657" r:id="rId10"/>
-    <p:sldLayoutId id="2147483658" r:id="rId11"/>
+    <p:sldLayoutId id="2147483656" r:id="rId8"/>
+    <p:sldLayoutId id="2147483657" r:id="rId9"/>
+    <p:sldLayoutId id="2147483658" r:id="rId10"/>
   </p:sldLayoutIdLst>
   <p:hf hdr="0" ftr="0" dt="0"/>
   <p:txStyles>
@@ -7865,7 +7375,7 @@
                 <a:cs typeface="Poppins SemiBold"/>
                 <a:sym typeface="Poppins SemiBold"/>
               </a:rPr>
-              <a:t>…</a:t>
+              <a:t>DevOps-Task-Manager</a:t>
             </a:r>
             <a:endParaRPr sz="3900" dirty="0">
               <a:solidFill>
@@ -7961,7 +7471,7 @@
                 <a:cs typeface="Poppins SemiBold"/>
                 <a:sym typeface="Poppins SemiBold"/>
               </a:rPr>
-              <a:t> Romeis, Finn</a:t>
+              <a:t>Finn Romeis</a:t>
             </a:r>
             <a:endParaRPr sz="2000" dirty="0">
               <a:solidFill>
@@ -8039,6 +7549,1120 @@
 </p:sld>
 </file>
 
+<file path=ppt/slides/slide10.xml><?xml version="1.0" encoding="utf-8"?>
+<p:sld xmlns:a="http://schemas.openxmlformats.org/drawingml/2006/main" xmlns:r="http://schemas.openxmlformats.org/officeDocument/2006/relationships" xmlns:p="http://schemas.openxmlformats.org/presentationml/2006/main">
+  <p:cSld>
+    <p:spTree>
+      <p:nvGrpSpPr>
+        <p:cNvPr id="1" name="">
+          <a:extLst>
+            <a:ext uri="{FF2B5EF4-FFF2-40B4-BE49-F238E27FC236}">
+              <a16:creationId xmlns:a16="http://schemas.microsoft.com/office/drawing/2014/main" id="{64FC4D2D-BC4C-F455-3431-28695F1F7F6E}"/>
+            </a:ext>
+          </a:extLst>
+        </p:cNvPr>
+        <p:cNvGrpSpPr/>
+        <p:nvPr/>
+      </p:nvGrpSpPr>
+      <p:grpSpPr>
+        <a:xfrm>
+          <a:off x="0" y="0"/>
+          <a:ext cx="0" cy="0"/>
+          <a:chOff x="0" y="0"/>
+          <a:chExt cx="0" cy="0"/>
+        </a:xfrm>
+      </p:grpSpPr>
+      <p:sp>
+        <p:nvSpPr>
+          <p:cNvPr id="2" name="Foliennummernplatzhalter 1">
+            <a:extLst>
+              <a:ext uri="{FF2B5EF4-FFF2-40B4-BE49-F238E27FC236}">
+                <a16:creationId xmlns:a16="http://schemas.microsoft.com/office/drawing/2014/main" id="{145979BC-DEE8-D10F-63B3-2739B6EFF665}"/>
+              </a:ext>
+            </a:extLst>
+          </p:cNvPr>
+          <p:cNvSpPr>
+            <a:spLocks noGrp="1"/>
+          </p:cNvSpPr>
+          <p:nvPr>
+            <p:ph type="sldNum" idx="12"/>
+          </p:nvPr>
+        </p:nvSpPr>
+        <p:spPr/>
+        <p:txBody>
+          <a:bodyPr/>
+          <a:lstStyle/>
+          <a:p>
+            <a:pPr marL="0" lvl="0" indent="0" algn="r" rtl="0">
+              <a:spcBef>
+                <a:spcPts val="0"/>
+              </a:spcBef>
+              <a:spcAft>
+                <a:spcPts val="0"/>
+              </a:spcAft>
+              <a:buNone/>
+            </a:pPr>
+            <a:endParaRPr lang="de-DE" dirty="0"/>
+          </a:p>
+        </p:txBody>
+      </p:sp>
+      <p:pic>
+        <p:nvPicPr>
+          <p:cNvPr id="4" name="Grafik 3">
+            <a:extLst>
+              <a:ext uri="{FF2B5EF4-FFF2-40B4-BE49-F238E27FC236}">
+                <a16:creationId xmlns:a16="http://schemas.microsoft.com/office/drawing/2014/main" id="{432907B5-9080-88EB-5755-8107D7CD752F}"/>
+              </a:ext>
+            </a:extLst>
+          </p:cNvPr>
+          <p:cNvPicPr>
+            <a:picLocks noChangeAspect="1"/>
+          </p:cNvPicPr>
+          <p:nvPr/>
+        </p:nvPicPr>
+        <p:blipFill>
+          <a:blip r:embed="rId2"/>
+          <a:stretch>
+            <a:fillRect/>
+          </a:stretch>
+        </p:blipFill>
+        <p:spPr>
+          <a:xfrm>
+            <a:off x="1419847" y="-18599972"/>
+            <a:ext cx="6056534" cy="21943407"/>
+          </a:xfrm>
+          <a:prstGeom prst="rect">
+            <a:avLst/>
+          </a:prstGeom>
+        </p:spPr>
+      </p:pic>
+    </p:spTree>
+    <p:extLst>
+      <p:ext uri="{BB962C8B-B14F-4D97-AF65-F5344CB8AC3E}">
+        <p14:creationId xmlns:p14="http://schemas.microsoft.com/office/powerpoint/2010/main" val="3409763574"/>
+      </p:ext>
+    </p:extLst>
+  </p:cSld>
+  <p:clrMapOvr>
+    <a:masterClrMapping/>
+  </p:clrMapOvr>
+  <mc:AlternateContent xmlns:mc="http://schemas.openxmlformats.org/markup-compatibility/2006" xmlns:p159="http://schemas.microsoft.com/office/powerpoint/2015/09/main">
+    <mc:Choice Requires="p159">
+      <p:transition xmlns:p14="http://schemas.microsoft.com/office/powerpoint/2010/main" spd="slow" p14:dur="2000">
+        <p159:morph option="byObject"/>
+      </p:transition>
+    </mc:Choice>
+    <mc:Fallback xmlns="">
+      <p:transition spd="slow">
+        <p:fade/>
+      </p:transition>
+    </mc:Fallback>
+  </mc:AlternateContent>
+</p:sld>
+</file>
+
+<file path=ppt/slides/slide11.xml><?xml version="1.0" encoding="utf-8"?>
+<p:sld xmlns:a="http://schemas.openxmlformats.org/drawingml/2006/main" xmlns:r="http://schemas.openxmlformats.org/officeDocument/2006/relationships" xmlns:p="http://schemas.openxmlformats.org/presentationml/2006/main">
+  <p:cSld>
+    <p:spTree>
+      <p:nvGrpSpPr>
+        <p:cNvPr id="1" name="Shape 112">
+          <a:extLst>
+            <a:ext uri="{FF2B5EF4-FFF2-40B4-BE49-F238E27FC236}">
+              <a16:creationId xmlns:a16="http://schemas.microsoft.com/office/drawing/2014/main" id="{707BDC40-D13B-68F7-FDB7-0B62023AB9CF}"/>
+            </a:ext>
+          </a:extLst>
+        </p:cNvPr>
+        <p:cNvGrpSpPr/>
+        <p:nvPr/>
+      </p:nvGrpSpPr>
+      <p:grpSpPr>
+        <a:xfrm>
+          <a:off x="0" y="0"/>
+          <a:ext cx="0" cy="0"/>
+          <a:chOff x="0" y="0"/>
+          <a:chExt cx="0" cy="0"/>
+        </a:xfrm>
+      </p:grpSpPr>
+      <p:sp>
+        <p:nvSpPr>
+          <p:cNvPr id="113" name="Google Shape;113;p17">
+            <a:extLst>
+              <a:ext uri="{FF2B5EF4-FFF2-40B4-BE49-F238E27FC236}">
+                <a16:creationId xmlns:a16="http://schemas.microsoft.com/office/drawing/2014/main" id="{2C59CDF1-DED1-40C8-0D84-DFB330CABC09}"/>
+              </a:ext>
+            </a:extLst>
+          </p:cNvPr>
+          <p:cNvSpPr txBox="1">
+            <a:spLocks noGrp="1"/>
+          </p:cNvSpPr>
+          <p:nvPr>
+            <p:ph type="sldNum" idx="12"/>
+          </p:nvPr>
+        </p:nvSpPr>
+        <p:spPr>
+          <a:xfrm>
+            <a:off x="8472458" y="4663217"/>
+            <a:ext cx="548700" cy="393600"/>
+          </a:xfrm>
+          <a:prstGeom prst="rect">
+            <a:avLst/>
+          </a:prstGeom>
+        </p:spPr>
+        <p:txBody>
+          <a:bodyPr spcFirstLastPara="1" wrap="square" lIns="91425" tIns="91425" rIns="91425" bIns="91425" anchor="ctr" anchorCtr="0">
+            <a:normAutofit/>
+          </a:bodyPr>
+          <a:lstStyle/>
+          <a:p>
+            <a:pPr marL="0" lvl="0" indent="0" algn="r" rtl="0">
+              <a:spcBef>
+                <a:spcPts val="0"/>
+              </a:spcBef>
+              <a:spcAft>
+                <a:spcPts val="0"/>
+              </a:spcAft>
+              <a:buNone/>
+            </a:pPr>
+            <a:fld id="{00000000-1234-1234-1234-123412341234}" type="slidenum">
+              <a:rPr lang="de"/>
+              <a:t>11</a:t>
+            </a:fld>
+            <a:endParaRPr/>
+          </a:p>
+        </p:txBody>
+      </p:sp>
+      <p:sp>
+        <p:nvSpPr>
+          <p:cNvPr id="114" name="Google Shape;114;p17">
+            <a:extLst>
+              <a:ext uri="{FF2B5EF4-FFF2-40B4-BE49-F238E27FC236}">
+                <a16:creationId xmlns:a16="http://schemas.microsoft.com/office/drawing/2014/main" id="{2957E3CF-5995-11AF-09E2-4C09BBE46EEE}"/>
+              </a:ext>
+            </a:extLst>
+          </p:cNvPr>
+          <p:cNvSpPr txBox="1"/>
+          <p:nvPr/>
+        </p:nvSpPr>
+        <p:spPr>
+          <a:xfrm>
+            <a:off x="7769225" y="4700275"/>
+            <a:ext cx="975000" cy="319500"/>
+          </a:xfrm>
+          <a:prstGeom prst="rect">
+            <a:avLst/>
+          </a:prstGeom>
+          <a:noFill/>
+          <a:ln>
+            <a:noFill/>
+          </a:ln>
+        </p:spPr>
+        <p:txBody>
+          <a:bodyPr spcFirstLastPara="1" wrap="square" lIns="91425" tIns="91425" rIns="91425" bIns="91425" anchor="t" anchorCtr="0">
+            <a:noAutofit/>
+          </a:bodyPr>
+          <a:lstStyle/>
+          <a:p>
+            <a:pPr marL="0" lvl="0" indent="0" algn="l" rtl="0">
+              <a:spcBef>
+                <a:spcPts val="0"/>
+              </a:spcBef>
+              <a:spcAft>
+                <a:spcPts val="0"/>
+              </a:spcAft>
+              <a:buNone/>
+            </a:pPr>
+            <a:r>
+              <a:rPr lang="de" sz="900" dirty="0">
+                <a:solidFill>
+                  <a:schemeClr val="lt1"/>
+                </a:solidFill>
+                <a:latin typeface="Roboto"/>
+                <a:ea typeface="Roboto"/>
+                <a:cs typeface="Roboto"/>
+                <a:sym typeface="Roboto"/>
+              </a:rPr>
+              <a:t>Romeis (2025)</a:t>
+            </a:r>
+            <a:endParaRPr sz="900" dirty="0">
+              <a:solidFill>
+                <a:schemeClr val="lt1"/>
+              </a:solidFill>
+              <a:latin typeface="Roboto"/>
+              <a:ea typeface="Roboto"/>
+              <a:cs typeface="Roboto"/>
+              <a:sym typeface="Roboto"/>
+            </a:endParaRPr>
+          </a:p>
+        </p:txBody>
+      </p:sp>
+      <p:sp>
+        <p:nvSpPr>
+          <p:cNvPr id="115" name="Google Shape;115;p17">
+            <a:extLst>
+              <a:ext uri="{FF2B5EF4-FFF2-40B4-BE49-F238E27FC236}">
+                <a16:creationId xmlns:a16="http://schemas.microsoft.com/office/drawing/2014/main" id="{A7472943-06AF-B520-391D-34CF6B5E3350}"/>
+              </a:ext>
+            </a:extLst>
+          </p:cNvPr>
+          <p:cNvSpPr txBox="1"/>
+          <p:nvPr/>
+        </p:nvSpPr>
+        <p:spPr>
+          <a:xfrm>
+            <a:off x="1576171" y="2078100"/>
+            <a:ext cx="5991657" cy="987300"/>
+          </a:xfrm>
+          <a:prstGeom prst="rect">
+            <a:avLst/>
+          </a:prstGeom>
+          <a:noFill/>
+          <a:ln>
+            <a:noFill/>
+          </a:ln>
+        </p:spPr>
+        <p:txBody>
+          <a:bodyPr spcFirstLastPara="1" wrap="square" lIns="91425" tIns="91425" rIns="91425" bIns="91425" anchor="t" anchorCtr="0">
+            <a:noAutofit/>
+          </a:bodyPr>
+          <a:lstStyle/>
+          <a:p>
+            <a:pPr marL="0" lvl="0" indent="0" algn="ctr" rtl="0">
+              <a:spcBef>
+                <a:spcPts val="0"/>
+              </a:spcBef>
+              <a:spcAft>
+                <a:spcPts val="0"/>
+              </a:spcAft>
+              <a:buNone/>
+            </a:pPr>
+            <a:r>
+              <a:rPr lang="de-DE" sz="3000" dirty="0">
+                <a:solidFill>
+                  <a:schemeClr val="lt1"/>
+                </a:solidFill>
+                <a:latin typeface="Roboto Black"/>
+                <a:ea typeface="Roboto Black"/>
+                <a:cs typeface="Roboto Black"/>
+                <a:sym typeface="Roboto Black"/>
+              </a:rPr>
+              <a:t>4 Probleme &amp; Lösungen</a:t>
+            </a:r>
+            <a:endParaRPr sz="3000" dirty="0">
+              <a:solidFill>
+                <a:schemeClr val="lt1"/>
+              </a:solidFill>
+              <a:latin typeface="Roboto Black"/>
+              <a:ea typeface="Roboto Black"/>
+              <a:cs typeface="Roboto Black"/>
+              <a:sym typeface="Roboto Black"/>
+            </a:endParaRPr>
+          </a:p>
+        </p:txBody>
+      </p:sp>
+    </p:spTree>
+    <p:extLst>
+      <p:ext uri="{BB962C8B-B14F-4D97-AF65-F5344CB8AC3E}">
+        <p14:creationId xmlns:p14="http://schemas.microsoft.com/office/powerpoint/2010/main" val="696748359"/>
+      </p:ext>
+    </p:extLst>
+  </p:cSld>
+  <p:clrMapOvr>
+    <a:masterClrMapping/>
+  </p:clrMapOvr>
+</p:sld>
+</file>
+
+<file path=ppt/slides/slide12.xml><?xml version="1.0" encoding="utf-8"?>
+<p:sld xmlns:a="http://schemas.openxmlformats.org/drawingml/2006/main" xmlns:r="http://schemas.openxmlformats.org/officeDocument/2006/relationships" xmlns:p="http://schemas.openxmlformats.org/presentationml/2006/main">
+  <p:cSld>
+    <p:spTree>
+      <p:nvGrpSpPr>
+        <p:cNvPr id="1" name="Shape 112">
+          <a:extLst>
+            <a:ext uri="{FF2B5EF4-FFF2-40B4-BE49-F238E27FC236}">
+              <a16:creationId xmlns:a16="http://schemas.microsoft.com/office/drawing/2014/main" id="{69AC51A9-6043-4D39-D146-E4717CC65E3D}"/>
+            </a:ext>
+          </a:extLst>
+        </p:cNvPr>
+        <p:cNvGrpSpPr/>
+        <p:nvPr/>
+      </p:nvGrpSpPr>
+      <p:grpSpPr>
+        <a:xfrm>
+          <a:off x="0" y="0"/>
+          <a:ext cx="0" cy="0"/>
+          <a:chOff x="0" y="0"/>
+          <a:chExt cx="0" cy="0"/>
+        </a:xfrm>
+      </p:grpSpPr>
+      <p:sp>
+        <p:nvSpPr>
+          <p:cNvPr id="113" name="Google Shape;113;p17">
+            <a:extLst>
+              <a:ext uri="{FF2B5EF4-FFF2-40B4-BE49-F238E27FC236}">
+                <a16:creationId xmlns:a16="http://schemas.microsoft.com/office/drawing/2014/main" id="{4F79DD7A-49D3-B1DC-2F59-88E1C8E0DD76}"/>
+              </a:ext>
+            </a:extLst>
+          </p:cNvPr>
+          <p:cNvSpPr txBox="1">
+            <a:spLocks noGrp="1"/>
+          </p:cNvSpPr>
+          <p:nvPr>
+            <p:ph type="sldNum" idx="12"/>
+          </p:nvPr>
+        </p:nvSpPr>
+        <p:spPr>
+          <a:xfrm>
+            <a:off x="8472458" y="4663217"/>
+            <a:ext cx="548700" cy="393600"/>
+          </a:xfrm>
+          <a:prstGeom prst="rect">
+            <a:avLst/>
+          </a:prstGeom>
+        </p:spPr>
+        <p:txBody>
+          <a:bodyPr spcFirstLastPara="1" wrap="square" lIns="91425" tIns="91425" rIns="91425" bIns="91425" anchor="ctr" anchorCtr="0">
+            <a:normAutofit/>
+          </a:bodyPr>
+          <a:lstStyle/>
+          <a:p>
+            <a:pPr marL="0" lvl="0" indent="0" algn="r" rtl="0">
+              <a:spcBef>
+                <a:spcPts val="0"/>
+              </a:spcBef>
+              <a:spcAft>
+                <a:spcPts val="0"/>
+              </a:spcAft>
+              <a:buNone/>
+            </a:pPr>
+            <a:fld id="{00000000-1234-1234-1234-123412341234}" type="slidenum">
+              <a:rPr lang="de"/>
+              <a:t>12</a:t>
+            </a:fld>
+            <a:endParaRPr/>
+          </a:p>
+        </p:txBody>
+      </p:sp>
+      <p:sp>
+        <p:nvSpPr>
+          <p:cNvPr id="114" name="Google Shape;114;p17">
+            <a:extLst>
+              <a:ext uri="{FF2B5EF4-FFF2-40B4-BE49-F238E27FC236}">
+                <a16:creationId xmlns:a16="http://schemas.microsoft.com/office/drawing/2014/main" id="{1BF6D8D2-246E-6F45-D5ED-12AC031C0EC9}"/>
+              </a:ext>
+            </a:extLst>
+          </p:cNvPr>
+          <p:cNvSpPr txBox="1"/>
+          <p:nvPr/>
+        </p:nvSpPr>
+        <p:spPr>
+          <a:xfrm>
+            <a:off x="7769225" y="4700275"/>
+            <a:ext cx="975000" cy="319500"/>
+          </a:xfrm>
+          <a:prstGeom prst="rect">
+            <a:avLst/>
+          </a:prstGeom>
+          <a:noFill/>
+          <a:ln>
+            <a:noFill/>
+          </a:ln>
+        </p:spPr>
+        <p:txBody>
+          <a:bodyPr spcFirstLastPara="1" wrap="square" lIns="91425" tIns="91425" rIns="91425" bIns="91425" anchor="t" anchorCtr="0">
+            <a:noAutofit/>
+          </a:bodyPr>
+          <a:lstStyle/>
+          <a:p>
+            <a:pPr marL="0" lvl="0" indent="0" algn="l" rtl="0">
+              <a:spcBef>
+                <a:spcPts val="0"/>
+              </a:spcBef>
+              <a:spcAft>
+                <a:spcPts val="0"/>
+              </a:spcAft>
+              <a:buNone/>
+            </a:pPr>
+            <a:r>
+              <a:rPr lang="de" sz="900" dirty="0">
+                <a:solidFill>
+                  <a:schemeClr val="lt1"/>
+                </a:solidFill>
+                <a:latin typeface="Roboto"/>
+                <a:ea typeface="Roboto"/>
+                <a:cs typeface="Roboto"/>
+                <a:sym typeface="Roboto"/>
+              </a:rPr>
+              <a:t>Romeis (2025)</a:t>
+            </a:r>
+            <a:endParaRPr sz="900" dirty="0">
+              <a:solidFill>
+                <a:schemeClr val="lt1"/>
+              </a:solidFill>
+              <a:latin typeface="Roboto"/>
+              <a:ea typeface="Roboto"/>
+              <a:cs typeface="Roboto"/>
+              <a:sym typeface="Roboto"/>
+            </a:endParaRPr>
+          </a:p>
+        </p:txBody>
+      </p:sp>
+      <p:sp>
+        <p:nvSpPr>
+          <p:cNvPr id="115" name="Google Shape;115;p17">
+            <a:extLst>
+              <a:ext uri="{FF2B5EF4-FFF2-40B4-BE49-F238E27FC236}">
+                <a16:creationId xmlns:a16="http://schemas.microsoft.com/office/drawing/2014/main" id="{82C80760-E349-BD24-0CB1-0E0204E3A062}"/>
+              </a:ext>
+            </a:extLst>
+          </p:cNvPr>
+          <p:cNvSpPr txBox="1"/>
+          <p:nvPr/>
+        </p:nvSpPr>
+        <p:spPr>
+          <a:xfrm>
+            <a:off x="1576171" y="2078100"/>
+            <a:ext cx="5991657" cy="987300"/>
+          </a:xfrm>
+          <a:prstGeom prst="rect">
+            <a:avLst/>
+          </a:prstGeom>
+          <a:noFill/>
+          <a:ln>
+            <a:noFill/>
+          </a:ln>
+        </p:spPr>
+        <p:txBody>
+          <a:bodyPr spcFirstLastPara="1" wrap="square" lIns="91425" tIns="91425" rIns="91425" bIns="91425" anchor="t" anchorCtr="0">
+            <a:noAutofit/>
+          </a:bodyPr>
+          <a:lstStyle/>
+          <a:p>
+            <a:pPr marL="0" lvl="0" indent="0" algn="ctr" rtl="0">
+              <a:spcBef>
+                <a:spcPts val="0"/>
+              </a:spcBef>
+              <a:spcAft>
+                <a:spcPts val="0"/>
+              </a:spcAft>
+              <a:buNone/>
+            </a:pPr>
+            <a:r>
+              <a:rPr lang="de-DE" sz="3000" dirty="0">
+                <a:solidFill>
+                  <a:schemeClr val="lt1"/>
+                </a:solidFill>
+                <a:latin typeface="Roboto Black"/>
+                <a:ea typeface="Roboto Black"/>
+                <a:cs typeface="Roboto Black"/>
+                <a:sym typeface="Roboto Black"/>
+              </a:rPr>
+              <a:t>5 Demo: </a:t>
+            </a:r>
+            <a:r>
+              <a:rPr lang="de-DE" sz="3000" dirty="0" err="1">
+                <a:solidFill>
+                  <a:schemeClr val="lt1"/>
+                </a:solidFill>
+                <a:latin typeface="Roboto Black"/>
+                <a:ea typeface="Roboto Black"/>
+                <a:cs typeface="Roboto Black"/>
+                <a:sym typeface="Roboto Black"/>
+              </a:rPr>
+              <a:t>Github</a:t>
+            </a:r>
+            <a:r>
+              <a:rPr lang="de-DE" sz="3000" dirty="0">
+                <a:solidFill>
+                  <a:schemeClr val="lt1"/>
+                </a:solidFill>
+                <a:latin typeface="Roboto Black"/>
+                <a:ea typeface="Roboto Black"/>
+                <a:cs typeface="Roboto Black"/>
+                <a:sym typeface="Roboto Black"/>
+              </a:rPr>
+              <a:t> Actions</a:t>
+            </a:r>
+            <a:endParaRPr sz="3000" dirty="0">
+              <a:solidFill>
+                <a:schemeClr val="lt1"/>
+              </a:solidFill>
+              <a:latin typeface="Roboto Black"/>
+              <a:ea typeface="Roboto Black"/>
+              <a:cs typeface="Roboto Black"/>
+              <a:sym typeface="Roboto Black"/>
+            </a:endParaRPr>
+          </a:p>
+        </p:txBody>
+      </p:sp>
+    </p:spTree>
+    <p:extLst>
+      <p:ext uri="{BB962C8B-B14F-4D97-AF65-F5344CB8AC3E}">
+        <p14:creationId xmlns:p14="http://schemas.microsoft.com/office/powerpoint/2010/main" val="1575811226"/>
+      </p:ext>
+    </p:extLst>
+  </p:cSld>
+  <p:clrMapOvr>
+    <a:masterClrMapping/>
+  </p:clrMapOvr>
+</p:sld>
+</file>
+
+<file path=ppt/slides/slide13.xml><?xml version="1.0" encoding="utf-8"?>
+<p:sld xmlns:a="http://schemas.openxmlformats.org/drawingml/2006/main" xmlns:r="http://schemas.openxmlformats.org/officeDocument/2006/relationships" xmlns:p="http://schemas.openxmlformats.org/presentationml/2006/main">
+  <p:cSld>
+    <p:spTree>
+      <p:nvGrpSpPr>
+        <p:cNvPr id="1" name="Shape 95">
+          <a:extLst>
+            <a:ext uri="{FF2B5EF4-FFF2-40B4-BE49-F238E27FC236}">
+              <a16:creationId xmlns:a16="http://schemas.microsoft.com/office/drawing/2014/main" id="{29EDB160-160B-AFCF-41DB-6242718ACFF4}"/>
+            </a:ext>
+          </a:extLst>
+        </p:cNvPr>
+        <p:cNvGrpSpPr/>
+        <p:nvPr/>
+      </p:nvGrpSpPr>
+      <p:grpSpPr>
+        <a:xfrm>
+          <a:off x="0" y="0"/>
+          <a:ext cx="0" cy="0"/>
+          <a:chOff x="0" y="0"/>
+          <a:chExt cx="0" cy="0"/>
+        </a:xfrm>
+      </p:grpSpPr>
+      <p:sp>
+        <p:nvSpPr>
+          <p:cNvPr id="96" name="Google Shape;96;p15">
+            <a:extLst>
+              <a:ext uri="{FF2B5EF4-FFF2-40B4-BE49-F238E27FC236}">
+                <a16:creationId xmlns:a16="http://schemas.microsoft.com/office/drawing/2014/main" id="{15DF0D2D-97B6-3202-0BDD-12D7C7C0C93A}"/>
+              </a:ext>
+            </a:extLst>
+          </p:cNvPr>
+          <p:cNvSpPr txBox="1">
+            <a:spLocks noGrp="1"/>
+          </p:cNvSpPr>
+          <p:nvPr>
+            <p:ph type="title"/>
+          </p:nvPr>
+        </p:nvSpPr>
+        <p:spPr>
+          <a:xfrm>
+            <a:off x="311725" y="500925"/>
+            <a:ext cx="8520600" cy="623700"/>
+          </a:xfrm>
+          <a:prstGeom prst="rect">
+            <a:avLst/>
+          </a:prstGeom>
+        </p:spPr>
+        <p:txBody>
+          <a:bodyPr spcFirstLastPara="1" wrap="square" lIns="91425" tIns="91425" rIns="91425" bIns="91425" anchor="t" anchorCtr="0">
+            <a:normAutofit/>
+          </a:bodyPr>
+          <a:lstStyle/>
+          <a:p>
+            <a:pPr marL="0" lvl="0" indent="0" algn="l" rtl="0">
+              <a:spcBef>
+                <a:spcPts val="0"/>
+              </a:spcBef>
+              <a:spcAft>
+                <a:spcPts val="0"/>
+              </a:spcAft>
+              <a:buNone/>
+            </a:pPr>
+            <a:r>
+              <a:rPr lang="de" dirty="0">
+                <a:latin typeface="Poppins SemiBold"/>
+                <a:ea typeface="Poppins SemiBold"/>
+                <a:cs typeface="Poppins SemiBold"/>
+                <a:sym typeface="Poppins SemiBold"/>
+              </a:rPr>
+              <a:t>6. Ausblick</a:t>
+            </a:r>
+            <a:endParaRPr dirty="0">
+              <a:latin typeface="Poppins SemiBold"/>
+              <a:ea typeface="Poppins SemiBold"/>
+              <a:cs typeface="Poppins SemiBold"/>
+              <a:sym typeface="Poppins SemiBold"/>
+            </a:endParaRPr>
+          </a:p>
+        </p:txBody>
+      </p:sp>
+      <p:sp>
+        <p:nvSpPr>
+          <p:cNvPr id="97" name="Google Shape;97;p15">
+            <a:extLst>
+              <a:ext uri="{FF2B5EF4-FFF2-40B4-BE49-F238E27FC236}">
+                <a16:creationId xmlns:a16="http://schemas.microsoft.com/office/drawing/2014/main" id="{568DE05F-7B6F-0F2A-3150-6B14289C78BE}"/>
+              </a:ext>
+            </a:extLst>
+          </p:cNvPr>
+          <p:cNvSpPr txBox="1">
+            <a:spLocks noGrp="1"/>
+          </p:cNvSpPr>
+          <p:nvPr>
+            <p:ph type="sldNum" idx="12"/>
+          </p:nvPr>
+        </p:nvSpPr>
+        <p:spPr>
+          <a:xfrm>
+            <a:off x="8472458" y="4663217"/>
+            <a:ext cx="548700" cy="393600"/>
+          </a:xfrm>
+          <a:prstGeom prst="rect">
+            <a:avLst/>
+          </a:prstGeom>
+        </p:spPr>
+        <p:txBody>
+          <a:bodyPr spcFirstLastPara="1" wrap="square" lIns="91425" tIns="91425" rIns="91425" bIns="91425" anchor="ctr" anchorCtr="0">
+            <a:normAutofit/>
+          </a:bodyPr>
+          <a:lstStyle/>
+          <a:p>
+            <a:pPr marL="0" lvl="0" indent="0" algn="r" rtl="0">
+              <a:spcBef>
+                <a:spcPts val="0"/>
+              </a:spcBef>
+              <a:spcAft>
+                <a:spcPts val="0"/>
+              </a:spcAft>
+              <a:buNone/>
+            </a:pPr>
+            <a:fld id="{00000000-1234-1234-1234-123412341234}" type="slidenum">
+              <a:rPr lang="de"/>
+              <a:t>13</a:t>
+            </a:fld>
+            <a:endParaRPr/>
+          </a:p>
+        </p:txBody>
+      </p:sp>
+      <p:sp>
+        <p:nvSpPr>
+          <p:cNvPr id="98" name="Google Shape;98;p15">
+            <a:extLst>
+              <a:ext uri="{FF2B5EF4-FFF2-40B4-BE49-F238E27FC236}">
+                <a16:creationId xmlns:a16="http://schemas.microsoft.com/office/drawing/2014/main" id="{11FC3DC7-17A0-4A10-F750-554CB612CC6D}"/>
+              </a:ext>
+            </a:extLst>
+          </p:cNvPr>
+          <p:cNvSpPr txBox="1"/>
+          <p:nvPr/>
+        </p:nvSpPr>
+        <p:spPr>
+          <a:xfrm>
+            <a:off x="7769225" y="4700275"/>
+            <a:ext cx="975000" cy="319500"/>
+          </a:xfrm>
+          <a:prstGeom prst="rect">
+            <a:avLst/>
+          </a:prstGeom>
+          <a:noFill/>
+          <a:ln>
+            <a:noFill/>
+          </a:ln>
+        </p:spPr>
+        <p:txBody>
+          <a:bodyPr spcFirstLastPara="1" wrap="square" lIns="91425" tIns="91425" rIns="91425" bIns="91425" anchor="t" anchorCtr="0">
+            <a:noAutofit/>
+          </a:bodyPr>
+          <a:lstStyle/>
+          <a:p>
+            <a:pPr lvl="0"/>
+            <a:r>
+              <a:rPr lang="de-DE" sz="900" dirty="0">
+                <a:solidFill>
+                  <a:schemeClr val="dk1"/>
+                </a:solidFill>
+                <a:latin typeface="Roboto"/>
+                <a:ea typeface="Roboto"/>
+                <a:cs typeface="Roboto"/>
+                <a:sym typeface="Roboto"/>
+              </a:rPr>
+              <a:t>Romeis (2025)</a:t>
+            </a:r>
+          </a:p>
+        </p:txBody>
+      </p:sp>
+      <p:sp>
+        <p:nvSpPr>
+          <p:cNvPr id="99" name="Google Shape;99;p15">
+            <a:extLst>
+              <a:ext uri="{FF2B5EF4-FFF2-40B4-BE49-F238E27FC236}">
+                <a16:creationId xmlns:a16="http://schemas.microsoft.com/office/drawing/2014/main" id="{3642F997-FDB6-25E3-85C7-AEE54C5BD093}"/>
+              </a:ext>
+            </a:extLst>
+          </p:cNvPr>
+          <p:cNvSpPr txBox="1"/>
+          <p:nvPr/>
+        </p:nvSpPr>
+        <p:spPr>
+          <a:xfrm>
+            <a:off x="311725" y="1460875"/>
+            <a:ext cx="3438154" cy="3202200"/>
+          </a:xfrm>
+          <a:prstGeom prst="rect">
+            <a:avLst/>
+          </a:prstGeom>
+          <a:noFill/>
+          <a:ln>
+            <a:noFill/>
+          </a:ln>
+        </p:spPr>
+        <p:txBody>
+          <a:bodyPr spcFirstLastPara="1" wrap="square" lIns="91425" tIns="91425" rIns="91425" bIns="91425" anchor="t" anchorCtr="0">
+            <a:noAutofit/>
+          </a:bodyPr>
+          <a:lstStyle/>
+          <a:p>
+            <a:pPr lvl="0">
+              <a:lnSpc>
+                <a:spcPct val="150000"/>
+              </a:lnSpc>
+            </a:pPr>
+            <a:r>
+              <a:rPr lang="de" sz="1600" b="1" dirty="0">
+                <a:solidFill>
+                  <a:schemeClr val="dk1"/>
+                </a:solidFill>
+                <a:latin typeface="Roboto"/>
+                <a:ea typeface="Roboto"/>
+                <a:cs typeface="Roboto"/>
+                <a:sym typeface="Roboto"/>
+              </a:rPr>
+              <a:t>TODO:</a:t>
+            </a:r>
+            <a:br>
+              <a:rPr lang="de" sz="1600" dirty="0">
+                <a:solidFill>
+                  <a:schemeClr val="dk1"/>
+                </a:solidFill>
+                <a:latin typeface="Roboto"/>
+                <a:ea typeface="Roboto"/>
+                <a:cs typeface="Roboto"/>
+                <a:sym typeface="Roboto"/>
+              </a:rPr>
+            </a:br>
+            <a:r>
+              <a:rPr lang="de" sz="1600" dirty="0">
+                <a:solidFill>
+                  <a:schemeClr val="dk1"/>
+                </a:solidFill>
+                <a:latin typeface="Roboto"/>
+                <a:ea typeface="Roboto"/>
+                <a:cs typeface="Roboto"/>
+                <a:sym typeface="Roboto"/>
+              </a:rPr>
+              <a:t>Unit-Tests von Dummy-Logik</a:t>
+            </a:r>
+          </a:p>
+          <a:p>
+            <a:pPr lvl="0">
+              <a:lnSpc>
+                <a:spcPct val="150000"/>
+              </a:lnSpc>
+            </a:pPr>
+            <a:r>
+              <a:rPr lang="de" sz="1600" dirty="0">
+                <a:solidFill>
+                  <a:schemeClr val="dk1"/>
+                </a:solidFill>
+                <a:latin typeface="Roboto"/>
+                <a:ea typeface="Roboto"/>
+                <a:cs typeface="Roboto"/>
+                <a:sym typeface="Roboto"/>
+              </a:rPr>
+              <a:t>=&gt; </a:t>
+            </a:r>
+            <a:r>
+              <a:rPr lang="de-DE" sz="1600" dirty="0">
+                <a:solidFill>
+                  <a:schemeClr val="dk1"/>
+                </a:solidFill>
+                <a:latin typeface="Roboto"/>
+                <a:ea typeface="Roboto"/>
+                <a:cs typeface="Roboto"/>
+                <a:sym typeface="Roboto"/>
+              </a:rPr>
+              <a:t>D</a:t>
+            </a:r>
+            <a:r>
+              <a:rPr lang="de" sz="1600" dirty="0">
+                <a:solidFill>
+                  <a:schemeClr val="dk1"/>
+                </a:solidFill>
+                <a:latin typeface="Roboto"/>
+                <a:ea typeface="Roboto"/>
+                <a:cs typeface="Roboto"/>
+                <a:sym typeface="Roboto"/>
+              </a:rPr>
+              <a:t>anach Abgabe!</a:t>
+            </a:r>
+          </a:p>
+        </p:txBody>
+      </p:sp>
+      <p:pic>
+        <p:nvPicPr>
+          <p:cNvPr id="100" name="Google Shape;100;p15">
+            <a:extLst>
+              <a:ext uri="{FF2B5EF4-FFF2-40B4-BE49-F238E27FC236}">
+                <a16:creationId xmlns:a16="http://schemas.microsoft.com/office/drawing/2014/main" id="{A7AD15F9-CC43-CA60-7392-829ECB8B3813}"/>
+              </a:ext>
+            </a:extLst>
+          </p:cNvPr>
+          <p:cNvPicPr preferRelativeResize="0"/>
+          <p:nvPr/>
+        </p:nvPicPr>
+        <p:blipFill rotWithShape="1">
+          <a:blip r:embed="rId3">
+            <a:alphaModFix/>
+          </a:blip>
+          <a:srcRect r="46193"/>
+          <a:stretch/>
+        </p:blipFill>
+        <p:spPr>
+          <a:xfrm>
+            <a:off x="7707650" y="423050"/>
+            <a:ext cx="1098127" cy="355750"/>
+          </a:xfrm>
+          <a:prstGeom prst="rect">
+            <a:avLst/>
+          </a:prstGeom>
+          <a:noFill/>
+          <a:ln>
+            <a:noFill/>
+          </a:ln>
+        </p:spPr>
+      </p:pic>
+    </p:spTree>
+    <p:extLst>
+      <p:ext uri="{BB962C8B-B14F-4D97-AF65-F5344CB8AC3E}">
+        <p14:creationId xmlns:p14="http://schemas.microsoft.com/office/powerpoint/2010/main" val="3829524692"/>
+      </p:ext>
+    </p:extLst>
+  </p:cSld>
+  <p:clrMapOvr>
+    <a:masterClrMapping/>
+  </p:clrMapOvr>
+</p:sld>
+</file>
+
+<file path=ppt/slides/slide14.xml><?xml version="1.0" encoding="utf-8"?>
+<p:sld xmlns:a="http://schemas.openxmlformats.org/drawingml/2006/main" xmlns:r="http://schemas.openxmlformats.org/officeDocument/2006/relationships" xmlns:p="http://schemas.openxmlformats.org/presentationml/2006/main">
+  <p:cSld>
+    <p:spTree>
+      <p:nvGrpSpPr>
+        <p:cNvPr id="1" name="Shape 112"/>
+        <p:cNvGrpSpPr/>
+        <p:nvPr/>
+      </p:nvGrpSpPr>
+      <p:grpSpPr>
+        <a:xfrm>
+          <a:off x="0" y="0"/>
+          <a:ext cx="0" cy="0"/>
+          <a:chOff x="0" y="0"/>
+          <a:chExt cx="0" cy="0"/>
+        </a:xfrm>
+      </p:grpSpPr>
+      <p:sp>
+        <p:nvSpPr>
+          <p:cNvPr id="113" name="Google Shape;113;p17"/>
+          <p:cNvSpPr txBox="1">
+            <a:spLocks noGrp="1"/>
+          </p:cNvSpPr>
+          <p:nvPr>
+            <p:ph type="sldNum" idx="12"/>
+          </p:nvPr>
+        </p:nvSpPr>
+        <p:spPr>
+          <a:xfrm>
+            <a:off x="8472458" y="4663217"/>
+            <a:ext cx="548700" cy="393600"/>
+          </a:xfrm>
+          <a:prstGeom prst="rect">
+            <a:avLst/>
+          </a:prstGeom>
+        </p:spPr>
+        <p:txBody>
+          <a:bodyPr spcFirstLastPara="1" wrap="square" lIns="91425" tIns="91425" rIns="91425" bIns="91425" anchor="ctr" anchorCtr="0">
+            <a:normAutofit/>
+          </a:bodyPr>
+          <a:lstStyle/>
+          <a:p>
+            <a:pPr marL="0" lvl="0" indent="0" algn="r" rtl="0">
+              <a:spcBef>
+                <a:spcPts val="0"/>
+              </a:spcBef>
+              <a:spcAft>
+                <a:spcPts val="0"/>
+              </a:spcAft>
+              <a:buNone/>
+            </a:pPr>
+            <a:fld id="{00000000-1234-1234-1234-123412341234}" type="slidenum">
+              <a:rPr lang="de"/>
+              <a:t>14</a:t>
+            </a:fld>
+            <a:endParaRPr/>
+          </a:p>
+        </p:txBody>
+      </p:sp>
+      <p:sp>
+        <p:nvSpPr>
+          <p:cNvPr id="114" name="Google Shape;114;p17"/>
+          <p:cNvSpPr txBox="1"/>
+          <p:nvPr/>
+        </p:nvSpPr>
+        <p:spPr>
+          <a:xfrm>
+            <a:off x="7769225" y="4700275"/>
+            <a:ext cx="975000" cy="319500"/>
+          </a:xfrm>
+          <a:prstGeom prst="rect">
+            <a:avLst/>
+          </a:prstGeom>
+          <a:noFill/>
+          <a:ln>
+            <a:noFill/>
+          </a:ln>
+        </p:spPr>
+        <p:txBody>
+          <a:bodyPr spcFirstLastPara="1" wrap="square" lIns="91425" tIns="91425" rIns="91425" bIns="91425" anchor="t" anchorCtr="0">
+            <a:noAutofit/>
+          </a:bodyPr>
+          <a:lstStyle/>
+          <a:p>
+            <a:pPr marL="0" lvl="0" indent="0" algn="l" rtl="0">
+              <a:spcBef>
+                <a:spcPts val="0"/>
+              </a:spcBef>
+              <a:spcAft>
+                <a:spcPts val="0"/>
+              </a:spcAft>
+              <a:buNone/>
+            </a:pPr>
+            <a:r>
+              <a:rPr lang="de" sz="900" dirty="0">
+                <a:solidFill>
+                  <a:schemeClr val="lt1"/>
+                </a:solidFill>
+                <a:latin typeface="Roboto"/>
+                <a:ea typeface="Roboto"/>
+                <a:cs typeface="Roboto"/>
+                <a:sym typeface="Roboto"/>
+              </a:rPr>
+              <a:t>Romeis (2025)</a:t>
+            </a:r>
+            <a:endParaRPr sz="900" dirty="0">
+              <a:solidFill>
+                <a:schemeClr val="lt1"/>
+              </a:solidFill>
+              <a:latin typeface="Roboto"/>
+              <a:ea typeface="Roboto"/>
+              <a:cs typeface="Roboto"/>
+              <a:sym typeface="Roboto"/>
+            </a:endParaRPr>
+          </a:p>
+        </p:txBody>
+      </p:sp>
+      <p:sp>
+        <p:nvSpPr>
+          <p:cNvPr id="115" name="Google Shape;115;p17"/>
+          <p:cNvSpPr txBox="1"/>
+          <p:nvPr/>
+        </p:nvSpPr>
+        <p:spPr>
+          <a:xfrm>
+            <a:off x="1576171" y="2078100"/>
+            <a:ext cx="5991657" cy="987300"/>
+          </a:xfrm>
+          <a:prstGeom prst="rect">
+            <a:avLst/>
+          </a:prstGeom>
+          <a:noFill/>
+          <a:ln>
+            <a:noFill/>
+          </a:ln>
+        </p:spPr>
+        <p:txBody>
+          <a:bodyPr spcFirstLastPara="1" wrap="square" lIns="91425" tIns="91425" rIns="91425" bIns="91425" anchor="t" anchorCtr="0">
+            <a:noAutofit/>
+          </a:bodyPr>
+          <a:lstStyle/>
+          <a:p>
+            <a:pPr marL="0" lvl="0" indent="0" algn="ctr" rtl="0">
+              <a:spcBef>
+                <a:spcPts val="0"/>
+              </a:spcBef>
+              <a:spcAft>
+                <a:spcPts val="0"/>
+              </a:spcAft>
+              <a:buNone/>
+            </a:pPr>
+            <a:r>
+              <a:rPr lang="de-DE" sz="3000" dirty="0">
+                <a:solidFill>
+                  <a:schemeClr val="lt1"/>
+                </a:solidFill>
+                <a:latin typeface="Roboto Black"/>
+                <a:ea typeface="Roboto Black"/>
+                <a:cs typeface="Roboto Black"/>
+                <a:sym typeface="Roboto Black"/>
+              </a:rPr>
+              <a:t>Danke für eure Aufmerksamkeit!</a:t>
+            </a:r>
+            <a:endParaRPr sz="3000" dirty="0">
+              <a:solidFill>
+                <a:schemeClr val="lt1"/>
+              </a:solidFill>
+              <a:latin typeface="Roboto Black"/>
+              <a:ea typeface="Roboto Black"/>
+              <a:cs typeface="Roboto Black"/>
+              <a:sym typeface="Roboto Black"/>
+            </a:endParaRPr>
+          </a:p>
+          <a:p>
+            <a:pPr marL="0" lvl="0" indent="0" algn="ctr" rtl="0">
+              <a:spcBef>
+                <a:spcPts val="0"/>
+              </a:spcBef>
+              <a:spcAft>
+                <a:spcPts val="0"/>
+              </a:spcAft>
+              <a:buNone/>
+            </a:pPr>
+            <a:r>
+              <a:rPr lang="de" sz="1600" dirty="0">
+                <a:solidFill>
+                  <a:schemeClr val="lt1"/>
+                </a:solidFill>
+                <a:latin typeface="Roboto"/>
+                <a:ea typeface="Roboto"/>
+                <a:cs typeface="Roboto"/>
+                <a:sym typeface="Roboto"/>
+              </a:rPr>
+              <a:t>Gibt es Fragen oder Anmerkungen?</a:t>
+            </a:r>
+            <a:endParaRPr sz="1600" dirty="0">
+              <a:solidFill>
+                <a:schemeClr val="lt1"/>
+              </a:solidFill>
+              <a:latin typeface="Roboto"/>
+              <a:ea typeface="Roboto"/>
+              <a:cs typeface="Roboto"/>
+              <a:sym typeface="Roboto"/>
+            </a:endParaRPr>
+          </a:p>
+        </p:txBody>
+      </p:sp>
+    </p:spTree>
+  </p:cSld>
+  <p:clrMapOvr>
+    <a:masterClrMapping/>
+  </p:clrMapOvr>
+</p:sld>
+</file>
+
 <file path=ppt/slides/slide2.xml><?xml version="1.0" encoding="utf-8"?>
 <p:sld xmlns:a="http://schemas.openxmlformats.org/drawingml/2006/main" xmlns:r="http://schemas.openxmlformats.org/officeDocument/2006/relationships" xmlns:p="http://schemas.openxmlformats.org/presentationml/2006/main">
   <p:cSld>
@@ -8554,7 +9178,7 @@
                 <a:cs typeface="Roboto"/>
                 <a:sym typeface="Roboto"/>
               </a:rPr>
-              <a:t>Tools &amp; Frameworks</a:t>
+              <a:t>Überblick Pipelines</a:t>
             </a:r>
             <a:endParaRPr sz="1800" dirty="0">
               <a:solidFill>
@@ -9124,7 +9748,7 @@
         <p:spPr>
           <a:xfrm>
             <a:off x="311725" y="1460875"/>
-            <a:ext cx="8520600" cy="3202200"/>
+            <a:ext cx="3438154" cy="3202200"/>
           </a:xfrm>
           <a:prstGeom prst="rect">
             <a:avLst/>
@@ -9142,7 +9766,7 @@
           <a:p>
             <a:pPr marL="0" lvl="0" indent="0" algn="l" rtl="0">
               <a:lnSpc>
-                <a:spcPct val="200000"/>
+                <a:spcPct val="150000"/>
               </a:lnSpc>
               <a:spcBef>
                 <a:spcPts val="0"/>
@@ -9168,7 +9792,7 @@
           <a:p>
             <a:pPr marL="0" lvl="0" indent="0" algn="l" rtl="0">
               <a:lnSpc>
-                <a:spcPct val="200000"/>
+                <a:spcPct val="150000"/>
               </a:lnSpc>
               <a:spcBef>
                 <a:spcPts val="0"/>
@@ -9254,7 +9878,7 @@
                 <a:cs typeface="Roboto"/>
                 <a:sym typeface="Roboto"/>
               </a:rPr>
-              <a:t>Backend: Node.js</a:t>
+              <a:t>Backend: Fastify (Node.js)</a:t>
             </a:r>
           </a:p>
           <a:p>
@@ -9285,7 +9909,7 @@
                 <a:cs typeface="Roboto"/>
                 <a:sym typeface="Roboto"/>
               </a:rPr>
-              <a:t>Frontend: React  (wo fastify?)</a:t>
+              <a:t>Frontend: React </a:t>
             </a:r>
           </a:p>
           <a:p>
@@ -9608,18 +10232,6 @@
                 <a:spcPct val="200000"/>
               </a:lnSpc>
             </a:pPr>
-            <a:r>
-              <a:rPr lang="de-DE">
-                <a:solidFill>
-                  <a:schemeClr val="dk1"/>
-                </a:solidFill>
-                <a:latin typeface="Roboto"/>
-                <a:ea typeface="Roboto"/>
-                <a:cs typeface="Roboto"/>
-                <a:sym typeface="Roboto"/>
-              </a:rPr>
-              <a:t>https://chatgpt.com/c/685915fd-ec10-8008-9ebb-f95c62eadc66</a:t>
-            </a:r>
             <a:endParaRPr dirty="0">
               <a:solidFill>
                 <a:schemeClr val="dk1"/>
@@ -9665,6 +10277,457 @@
           </a:ln>
         </p:spPr>
       </p:pic>
+      <p:pic>
+        <p:nvPicPr>
+          <p:cNvPr id="3" name="Grafik 2" descr="Ein Bild, das Screenshot, Diagramm, Reihe enthält.&#10;&#10;KI-generierte Inhalte können fehlerhaft sein.">
+            <a:extLst>
+              <a:ext uri="{FF2B5EF4-FFF2-40B4-BE49-F238E27FC236}">
+                <a16:creationId xmlns:a16="http://schemas.microsoft.com/office/drawing/2014/main" id="{71426C10-60BE-6974-41F7-F4B554AB2C98}"/>
+              </a:ext>
+            </a:extLst>
+          </p:cNvPr>
+          <p:cNvPicPr>
+            <a:picLocks noChangeAspect="1"/>
+          </p:cNvPicPr>
+          <p:nvPr/>
+        </p:nvPicPr>
+        <p:blipFill>
+          <a:blip r:embed="rId4"/>
+          <a:stretch>
+            <a:fillRect/>
+          </a:stretch>
+        </p:blipFill>
+        <p:spPr>
+          <a:xfrm>
+            <a:off x="677435" y="3375087"/>
+            <a:ext cx="5941352" cy="1267488"/>
+          </a:xfrm>
+          <a:prstGeom prst="rect">
+            <a:avLst/>
+          </a:prstGeom>
+        </p:spPr>
+      </p:pic>
+      <p:sp>
+        <p:nvSpPr>
+          <p:cNvPr id="4" name="Google Shape;99;p15">
+            <a:extLst>
+              <a:ext uri="{FF2B5EF4-FFF2-40B4-BE49-F238E27FC236}">
+                <a16:creationId xmlns:a16="http://schemas.microsoft.com/office/drawing/2014/main" id="{843E8642-5A50-0EB5-ECAA-F72A8394B760}"/>
+              </a:ext>
+            </a:extLst>
+          </p:cNvPr>
+          <p:cNvSpPr txBox="1"/>
+          <p:nvPr/>
+        </p:nvSpPr>
+        <p:spPr>
+          <a:xfrm>
+            <a:off x="605340" y="2069017"/>
+            <a:ext cx="1953301" cy="623700"/>
+          </a:xfrm>
+          <a:prstGeom prst="rect">
+            <a:avLst/>
+          </a:prstGeom>
+          <a:noFill/>
+          <a:ln>
+            <a:noFill/>
+          </a:ln>
+        </p:spPr>
+        <p:txBody>
+          <a:bodyPr spcFirstLastPara="1" wrap="square" lIns="91425" tIns="91425" rIns="91425" bIns="91425" anchor="t" anchorCtr="0">
+            <a:noAutofit/>
+          </a:bodyPr>
+          <a:lstStyle/>
+          <a:p>
+            <a:pPr marL="0" lvl="0" indent="0" algn="l" rtl="0">
+              <a:lnSpc>
+                <a:spcPct val="200000"/>
+              </a:lnSpc>
+              <a:spcBef>
+                <a:spcPts val="0"/>
+              </a:spcBef>
+              <a:spcAft>
+                <a:spcPts val="0"/>
+              </a:spcAft>
+              <a:buNone/>
+            </a:pPr>
+            <a:r>
+              <a:rPr lang="de" sz="1600" dirty="0">
+                <a:solidFill>
+                  <a:schemeClr val="dk1"/>
+                </a:solidFill>
+                <a:latin typeface="Roboto"/>
+                <a:ea typeface="Roboto"/>
+                <a:cs typeface="Roboto"/>
+                <a:sym typeface="Roboto"/>
+              </a:rPr>
+              <a:t>Projektstruktur</a:t>
+            </a:r>
+          </a:p>
+        </p:txBody>
+      </p:sp>
+      <p:cxnSp>
+        <p:nvCxnSpPr>
+          <p:cNvPr id="6" name="Gerade Verbindung mit Pfeil 5">
+            <a:extLst>
+              <a:ext uri="{FF2B5EF4-FFF2-40B4-BE49-F238E27FC236}">
+                <a16:creationId xmlns:a16="http://schemas.microsoft.com/office/drawing/2014/main" id="{8C5FBE40-9687-4972-1928-A46A30B7EF50}"/>
+              </a:ext>
+            </a:extLst>
+          </p:cNvPr>
+          <p:cNvCxnSpPr>
+            <a:cxnSpLocks/>
+          </p:cNvCxnSpPr>
+          <p:nvPr/>
+        </p:nvCxnSpPr>
+        <p:spPr>
+          <a:xfrm>
+            <a:off x="677485" y="2692859"/>
+            <a:ext cx="7003475" cy="0"/>
+          </a:xfrm>
+          <a:prstGeom prst="straightConnector1">
+            <a:avLst/>
+          </a:prstGeom>
+          <a:ln w="19050">
+            <a:tailEnd type="triangle"/>
+          </a:ln>
+        </p:spPr>
+        <p:style>
+          <a:lnRef idx="1">
+            <a:schemeClr val="accent1"/>
+          </a:lnRef>
+          <a:fillRef idx="0">
+            <a:schemeClr val="accent1"/>
+          </a:fillRef>
+          <a:effectRef idx="0">
+            <a:schemeClr val="accent1"/>
+          </a:effectRef>
+          <a:fontRef idx="minor">
+            <a:schemeClr val="tx1"/>
+          </a:fontRef>
+        </p:style>
+      </p:cxnSp>
+      <p:sp>
+        <p:nvSpPr>
+          <p:cNvPr id="8" name="Google Shape;99;p15">
+            <a:extLst>
+              <a:ext uri="{FF2B5EF4-FFF2-40B4-BE49-F238E27FC236}">
+                <a16:creationId xmlns:a16="http://schemas.microsoft.com/office/drawing/2014/main" id="{7EA57A86-39CD-8DE5-AFEC-CC93DCA84E3D}"/>
+              </a:ext>
+            </a:extLst>
+          </p:cNvPr>
+          <p:cNvSpPr txBox="1"/>
+          <p:nvPr/>
+        </p:nvSpPr>
+        <p:spPr>
+          <a:xfrm>
+            <a:off x="1181022" y="2446131"/>
+            <a:ext cx="1953301" cy="623700"/>
+          </a:xfrm>
+          <a:prstGeom prst="rect">
+            <a:avLst/>
+          </a:prstGeom>
+          <a:noFill/>
+          <a:ln>
+            <a:noFill/>
+          </a:ln>
+        </p:spPr>
+        <p:txBody>
+          <a:bodyPr spcFirstLastPara="1" wrap="square" lIns="91425" tIns="91425" rIns="91425" bIns="91425" anchor="t" anchorCtr="0">
+            <a:noAutofit/>
+          </a:bodyPr>
+          <a:lstStyle/>
+          <a:p>
+            <a:pPr marL="0" lvl="0" indent="0" algn="l" rtl="0">
+              <a:lnSpc>
+                <a:spcPct val="200000"/>
+              </a:lnSpc>
+              <a:spcBef>
+                <a:spcPts val="0"/>
+              </a:spcBef>
+              <a:spcAft>
+                <a:spcPts val="0"/>
+              </a:spcAft>
+              <a:buNone/>
+            </a:pPr>
+            <a:r>
+              <a:rPr lang="de" sz="1600" dirty="0">
+                <a:solidFill>
+                  <a:schemeClr val="dk1"/>
+                </a:solidFill>
+                <a:latin typeface="Roboto"/>
+                <a:ea typeface="Roboto"/>
+                <a:cs typeface="Roboto"/>
+                <a:sym typeface="Roboto"/>
+              </a:rPr>
+              <a:t>Containerisierung</a:t>
+            </a:r>
+          </a:p>
+        </p:txBody>
+      </p:sp>
+      <p:sp>
+        <p:nvSpPr>
+          <p:cNvPr id="9" name="Google Shape;99;p15">
+            <a:extLst>
+              <a:ext uri="{FF2B5EF4-FFF2-40B4-BE49-F238E27FC236}">
+                <a16:creationId xmlns:a16="http://schemas.microsoft.com/office/drawing/2014/main" id="{B62488D6-2A5C-0C54-5646-5BFA8E12904A}"/>
+              </a:ext>
+            </a:extLst>
+          </p:cNvPr>
+          <p:cNvSpPr txBox="1"/>
+          <p:nvPr/>
+        </p:nvSpPr>
+        <p:spPr>
+          <a:xfrm>
+            <a:off x="2365594" y="1806852"/>
+            <a:ext cx="2466365" cy="1490217"/>
+          </a:xfrm>
+          <a:prstGeom prst="rect">
+            <a:avLst/>
+          </a:prstGeom>
+          <a:noFill/>
+          <a:ln>
+            <a:noFill/>
+          </a:ln>
+        </p:spPr>
+        <p:txBody>
+          <a:bodyPr spcFirstLastPara="1" wrap="square" lIns="91425" tIns="91425" rIns="91425" bIns="91425" anchor="t" anchorCtr="0">
+            <a:noAutofit/>
+          </a:bodyPr>
+          <a:lstStyle/>
+          <a:p>
+            <a:pPr marL="0" lvl="0" indent="0" algn="l" rtl="0">
+              <a:lnSpc>
+                <a:spcPct val="150000"/>
+              </a:lnSpc>
+              <a:spcBef>
+                <a:spcPts val="0"/>
+              </a:spcBef>
+              <a:spcAft>
+                <a:spcPts val="0"/>
+              </a:spcAft>
+              <a:buNone/>
+            </a:pPr>
+            <a:r>
+              <a:rPr lang="de" sz="1600" dirty="0">
+                <a:solidFill>
+                  <a:schemeClr val="dk1"/>
+                </a:solidFill>
+                <a:latin typeface="Roboto"/>
+                <a:ea typeface="Roboto"/>
+                <a:cs typeface="Roboto"/>
+                <a:sym typeface="Roboto"/>
+              </a:rPr>
+              <a:t>CI mit Build/Test/Lint</a:t>
+            </a:r>
+          </a:p>
+          <a:p>
+            <a:pPr marL="0" lvl="0" indent="0" algn="l" rtl="0">
+              <a:lnSpc>
+                <a:spcPct val="150000"/>
+              </a:lnSpc>
+              <a:spcBef>
+                <a:spcPts val="0"/>
+              </a:spcBef>
+              <a:spcAft>
+                <a:spcPts val="0"/>
+              </a:spcAft>
+              <a:buNone/>
+            </a:pPr>
+            <a:r>
+              <a:rPr lang="de" sz="1600" dirty="0">
+                <a:solidFill>
+                  <a:schemeClr val="dk1"/>
+                </a:solidFill>
+                <a:latin typeface="Roboto"/>
+                <a:ea typeface="Roboto"/>
+                <a:cs typeface="Roboto"/>
+                <a:sym typeface="Roboto"/>
+              </a:rPr>
+              <a:t>SonarQube-Integration</a:t>
+            </a:r>
+          </a:p>
+        </p:txBody>
+      </p:sp>
+      <p:sp>
+        <p:nvSpPr>
+          <p:cNvPr id="10" name="Google Shape;99;p15">
+            <a:extLst>
+              <a:ext uri="{FF2B5EF4-FFF2-40B4-BE49-F238E27FC236}">
+                <a16:creationId xmlns:a16="http://schemas.microsoft.com/office/drawing/2014/main" id="{855C8BB0-709B-BBB6-9F3A-19B787D19EA9}"/>
+              </a:ext>
+            </a:extLst>
+          </p:cNvPr>
+          <p:cNvSpPr txBox="1"/>
+          <p:nvPr/>
+        </p:nvSpPr>
+        <p:spPr>
+          <a:xfrm>
+            <a:off x="3743213" y="2537226"/>
+            <a:ext cx="1953301" cy="993353"/>
+          </a:xfrm>
+          <a:prstGeom prst="rect">
+            <a:avLst/>
+          </a:prstGeom>
+          <a:noFill/>
+          <a:ln>
+            <a:noFill/>
+          </a:ln>
+        </p:spPr>
+        <p:txBody>
+          <a:bodyPr spcFirstLastPara="1" wrap="square" lIns="91425" tIns="91425" rIns="91425" bIns="91425" anchor="t" anchorCtr="0">
+            <a:noAutofit/>
+          </a:bodyPr>
+          <a:lstStyle/>
+          <a:p>
+            <a:pPr marL="0" lvl="0" indent="0" algn="l" rtl="0">
+              <a:lnSpc>
+                <a:spcPct val="150000"/>
+              </a:lnSpc>
+              <a:spcBef>
+                <a:spcPts val="0"/>
+              </a:spcBef>
+              <a:spcAft>
+                <a:spcPts val="0"/>
+              </a:spcAft>
+              <a:buNone/>
+            </a:pPr>
+            <a:r>
+              <a:rPr lang="de" sz="1600" dirty="0">
+                <a:solidFill>
+                  <a:schemeClr val="dk1"/>
+                </a:solidFill>
+                <a:latin typeface="Roboto"/>
+                <a:ea typeface="Roboto"/>
+                <a:cs typeface="Roboto"/>
+                <a:sym typeface="Roboto"/>
+              </a:rPr>
+              <a:t>Versionierung + Deployment </a:t>
+            </a:r>
+          </a:p>
+        </p:txBody>
+      </p:sp>
+      <p:sp>
+        <p:nvSpPr>
+          <p:cNvPr id="11" name="Google Shape;99;p15">
+            <a:extLst>
+              <a:ext uri="{FF2B5EF4-FFF2-40B4-BE49-F238E27FC236}">
+                <a16:creationId xmlns:a16="http://schemas.microsoft.com/office/drawing/2014/main" id="{E60E625E-E3F0-E4D9-E5A6-EF6D2226D7BD}"/>
+              </a:ext>
+            </a:extLst>
+          </p:cNvPr>
+          <p:cNvSpPr txBox="1"/>
+          <p:nvPr/>
+        </p:nvSpPr>
+        <p:spPr>
+          <a:xfrm>
+            <a:off x="5490884" y="1806852"/>
+            <a:ext cx="2985400" cy="1045405"/>
+          </a:xfrm>
+          <a:prstGeom prst="rect">
+            <a:avLst/>
+          </a:prstGeom>
+          <a:noFill/>
+          <a:ln>
+            <a:noFill/>
+          </a:ln>
+        </p:spPr>
+        <p:txBody>
+          <a:bodyPr spcFirstLastPara="1" wrap="square" lIns="91425" tIns="91425" rIns="91425" bIns="91425" anchor="t" anchorCtr="0">
+            <a:noAutofit/>
+          </a:bodyPr>
+          <a:lstStyle/>
+          <a:p>
+            <a:pPr marL="0" lvl="0" indent="0" algn="l" rtl="0">
+              <a:lnSpc>
+                <a:spcPct val="150000"/>
+              </a:lnSpc>
+              <a:spcBef>
+                <a:spcPts val="0"/>
+              </a:spcBef>
+              <a:spcAft>
+                <a:spcPts val="0"/>
+              </a:spcAft>
+              <a:buNone/>
+            </a:pPr>
+            <a:r>
+              <a:rPr lang="de" sz="1600" dirty="0">
+                <a:solidFill>
+                  <a:schemeClr val="dk1"/>
+                </a:solidFill>
+                <a:latin typeface="Roboto"/>
+                <a:ea typeface="Roboto"/>
+                <a:cs typeface="Roboto"/>
+                <a:sym typeface="Roboto"/>
+              </a:rPr>
+              <a:t>TODO:</a:t>
+            </a:r>
+            <a:br>
+              <a:rPr lang="de" sz="1600" dirty="0">
+                <a:solidFill>
+                  <a:schemeClr val="dk1"/>
+                </a:solidFill>
+                <a:latin typeface="Roboto"/>
+                <a:ea typeface="Roboto"/>
+                <a:cs typeface="Roboto"/>
+                <a:sym typeface="Roboto"/>
+              </a:rPr>
+            </a:br>
+            <a:r>
+              <a:rPr lang="de" sz="1600" dirty="0">
+                <a:solidFill>
+                  <a:schemeClr val="dk1"/>
+                </a:solidFill>
+                <a:latin typeface="Roboto"/>
+                <a:ea typeface="Roboto"/>
+                <a:cs typeface="Roboto"/>
+                <a:sym typeface="Roboto"/>
+              </a:rPr>
+              <a:t>Unit-Tests von Dummy-Logik</a:t>
+            </a:r>
+          </a:p>
+        </p:txBody>
+      </p:sp>
+      <p:cxnSp>
+        <p:nvCxnSpPr>
+          <p:cNvPr id="13" name="Gerader Verbinder 12">
+            <a:extLst>
+              <a:ext uri="{FF2B5EF4-FFF2-40B4-BE49-F238E27FC236}">
+                <a16:creationId xmlns:a16="http://schemas.microsoft.com/office/drawing/2014/main" id="{310CE466-C4B4-39B0-7285-D990A5BC689A}"/>
+              </a:ext>
+            </a:extLst>
+          </p:cNvPr>
+          <p:cNvCxnSpPr>
+            <a:cxnSpLocks/>
+          </p:cNvCxnSpPr>
+          <p:nvPr/>
+        </p:nvCxnSpPr>
+        <p:spPr>
+          <a:xfrm>
+            <a:off x="5490884" y="1460875"/>
+            <a:ext cx="44308" cy="3202200"/>
+          </a:xfrm>
+          <a:prstGeom prst="line">
+            <a:avLst/>
+          </a:prstGeom>
+          <a:ln>
+            <a:prstDash val="dash"/>
+          </a:ln>
+        </p:spPr>
+        <p:style>
+          <a:lnRef idx="1">
+            <a:schemeClr val="accent1"/>
+          </a:lnRef>
+          <a:fillRef idx="0">
+            <a:schemeClr val="accent1"/>
+          </a:fillRef>
+          <a:effectRef idx="0">
+            <a:schemeClr val="accent1"/>
+          </a:effectRef>
+          <a:fontRef idx="minor">
+            <a:schemeClr val="tx1"/>
+          </a:fontRef>
+        </p:style>
+      </p:cxnSp>
     </p:spTree>
     <p:extLst>
       <p:ext uri="{BB962C8B-B14F-4D97-AF65-F5344CB8AC3E}">
@@ -9683,7 +10746,13 @@
   <p:cSld>
     <p:spTree>
       <p:nvGrpSpPr>
-        <p:cNvPr id="1" name="Shape 104"/>
+        <p:cNvPr id="1" name="Shape 112">
+          <a:extLst>
+            <a:ext uri="{FF2B5EF4-FFF2-40B4-BE49-F238E27FC236}">
+              <a16:creationId xmlns:a16="http://schemas.microsoft.com/office/drawing/2014/main" id="{5CD826C9-081C-7173-5C62-B5135B8F160A}"/>
+            </a:ext>
+          </a:extLst>
+        </p:cNvPr>
         <p:cNvGrpSpPr/>
         <p:nvPr/>
       </p:nvGrpSpPr>
@@ -9697,105 +10766,13 @@
       </p:grpSpPr>
       <p:sp>
         <p:nvSpPr>
-          <p:cNvPr id="105" name="Google Shape;105;p16"/>
-          <p:cNvSpPr txBox="1">
-            <a:spLocks noGrp="1"/>
-          </p:cNvSpPr>
-          <p:nvPr>
-            <p:ph type="title"/>
-          </p:nvPr>
-        </p:nvSpPr>
-        <p:spPr>
-          <a:xfrm>
-            <a:off x="311750" y="394750"/>
-            <a:ext cx="7880400" cy="4148400"/>
-          </a:xfrm>
-          <a:prstGeom prst="rect">
-            <a:avLst/>
-          </a:prstGeom>
-        </p:spPr>
-        <p:txBody>
-          <a:bodyPr spcFirstLastPara="1" wrap="square" lIns="91425" tIns="91425" rIns="91425" bIns="91425" anchor="t" anchorCtr="0">
-            <a:noAutofit/>
-          </a:bodyPr>
-          <a:lstStyle/>
-          <a:p>
-            <a:pPr marL="0" lvl="0" indent="0" algn="l" rtl="0">
-              <a:spcBef>
-                <a:spcPts val="0"/>
-              </a:spcBef>
-              <a:spcAft>
-                <a:spcPts val="0"/>
-              </a:spcAft>
-              <a:buSzPts val="990"/>
-              <a:buNone/>
-            </a:pPr>
-            <a:r>
-              <a:rPr lang="de" sz="6000" b="1">
-                <a:latin typeface="Poppins"/>
-                <a:ea typeface="Poppins"/>
-                <a:cs typeface="Poppins"/>
-                <a:sym typeface="Poppins"/>
-              </a:rPr>
-              <a:t>Titel</a:t>
-            </a:r>
-            <a:endParaRPr sz="6000" b="1">
-              <a:latin typeface="Poppins"/>
-              <a:ea typeface="Poppins"/>
-              <a:cs typeface="Poppins"/>
-              <a:sym typeface="Poppins"/>
-            </a:endParaRPr>
-          </a:p>
-          <a:p>
-            <a:pPr marL="0" lvl="0" indent="0" algn="l" rtl="0">
-              <a:spcBef>
-                <a:spcPts val="0"/>
-              </a:spcBef>
-              <a:spcAft>
-                <a:spcPts val="0"/>
-              </a:spcAft>
-              <a:buSzPts val="990"/>
-              <a:buNone/>
-            </a:pPr>
-            <a:endParaRPr sz="6000">
-              <a:latin typeface="Poppins SemiBold"/>
-              <a:ea typeface="Poppins SemiBold"/>
-              <a:cs typeface="Poppins SemiBold"/>
-              <a:sym typeface="Poppins SemiBold"/>
-            </a:endParaRPr>
-          </a:p>
-          <a:p>
-            <a:pPr marL="0" lvl="0" indent="0" algn="l" rtl="0">
-              <a:spcBef>
-                <a:spcPts val="0"/>
-              </a:spcBef>
-              <a:spcAft>
-                <a:spcPts val="0"/>
-              </a:spcAft>
-              <a:buSzPts val="990"/>
-              <a:buNone/>
-            </a:pPr>
-            <a:r>
-              <a:rPr lang="de" sz="4800">
-                <a:latin typeface="Poppins SemiBold"/>
-                <a:ea typeface="Poppins SemiBold"/>
-                <a:cs typeface="Poppins SemiBold"/>
-                <a:sym typeface="Poppins SemiBold"/>
-              </a:rPr>
-              <a:t>Beschreibung</a:t>
-            </a:r>
-            <a:endParaRPr sz="4800">
-              <a:latin typeface="Poppins SemiBold"/>
-              <a:ea typeface="Poppins SemiBold"/>
-              <a:cs typeface="Poppins SemiBold"/>
-              <a:sym typeface="Poppins SemiBold"/>
-            </a:endParaRPr>
-          </a:p>
-        </p:txBody>
-      </p:sp>
-      <p:sp>
-        <p:nvSpPr>
-          <p:cNvPr id="106" name="Google Shape;106;p16"/>
+          <p:cNvPr id="113" name="Google Shape;113;p17">
+            <a:extLst>
+              <a:ext uri="{FF2B5EF4-FFF2-40B4-BE49-F238E27FC236}">
+                <a16:creationId xmlns:a16="http://schemas.microsoft.com/office/drawing/2014/main" id="{C227E9B7-E42A-8D4D-07DA-587CD1B8B7F7}"/>
+              </a:ext>
+            </a:extLst>
+          </p:cNvPr>
           <p:cNvSpPr txBox="1">
             <a:spLocks noGrp="1"/>
           </p:cNvSpPr>
@@ -9835,35 +10812,15 @@
           </a:p>
         </p:txBody>
       </p:sp>
-      <p:cxnSp>
-        <p:nvCxnSpPr>
-          <p:cNvPr id="107" name="Google Shape;107;p16"/>
-          <p:cNvCxnSpPr/>
-          <p:nvPr/>
-        </p:nvCxnSpPr>
-        <p:spPr>
-          <a:xfrm>
-            <a:off x="304975" y="1835100"/>
-            <a:ext cx="5515800" cy="0"/>
-          </a:xfrm>
-          <a:prstGeom prst="straightConnector1">
-            <a:avLst/>
-          </a:prstGeom>
-          <a:noFill/>
-          <a:ln w="38100" cap="flat" cmpd="sng">
-            <a:solidFill>
-              <a:schemeClr val="lt1"/>
-            </a:solidFill>
-            <a:prstDash val="solid"/>
-            <a:round/>
-            <a:headEnd type="none" w="med" len="med"/>
-            <a:tailEnd type="none" w="med" len="med"/>
-          </a:ln>
-        </p:spPr>
-      </p:cxnSp>
       <p:sp>
         <p:nvSpPr>
-          <p:cNvPr id="108" name="Google Shape;108;p16"/>
+          <p:cNvPr id="114" name="Google Shape;114;p17">
+            <a:extLst>
+              <a:ext uri="{FF2B5EF4-FFF2-40B4-BE49-F238E27FC236}">
+                <a16:creationId xmlns:a16="http://schemas.microsoft.com/office/drawing/2014/main" id="{562A7D4E-0C65-D095-BC3C-732C264C42B8}"/>
+              </a:ext>
+            </a:extLst>
+          </p:cNvPr>
           <p:cNvSpPr txBox="1"/>
           <p:nvPr/>
         </p:nvSpPr>
@@ -9919,134 +10876,15 @@
           </a:p>
         </p:txBody>
       </p:sp>
-    </p:spTree>
-  </p:cSld>
-  <p:clrMapOvr>
-    <a:masterClrMapping/>
-  </p:clrMapOvr>
-</p:sld>
-</file>
-
-<file path=ppt/slides/slide6.xml><?xml version="1.0" encoding="utf-8"?>
-<p:sld xmlns:a="http://schemas.openxmlformats.org/drawingml/2006/main" xmlns:r="http://schemas.openxmlformats.org/officeDocument/2006/relationships" xmlns:p="http://schemas.openxmlformats.org/presentationml/2006/main">
-  <p:cSld>
-    <p:spTree>
-      <p:nvGrpSpPr>
-        <p:cNvPr id="1" name="Shape 112"/>
-        <p:cNvGrpSpPr/>
-        <p:nvPr/>
-      </p:nvGrpSpPr>
-      <p:grpSpPr>
-        <a:xfrm>
-          <a:off x="0" y="0"/>
-          <a:ext cx="0" cy="0"/>
-          <a:chOff x="0" y="0"/>
-          <a:chExt cx="0" cy="0"/>
-        </a:xfrm>
-      </p:grpSpPr>
       <p:sp>
         <p:nvSpPr>
-          <p:cNvPr id="113" name="Google Shape;113;p17"/>
-          <p:cNvSpPr txBox="1">
-            <a:spLocks noGrp="1"/>
-          </p:cNvSpPr>
-          <p:nvPr>
-            <p:ph type="sldNum" idx="12"/>
-          </p:nvPr>
-        </p:nvSpPr>
-        <p:spPr>
-          <a:xfrm>
-            <a:off x="8472458" y="4663217"/>
-            <a:ext cx="548700" cy="393600"/>
-          </a:xfrm>
-          <a:prstGeom prst="rect">
-            <a:avLst/>
-          </a:prstGeom>
-        </p:spPr>
-        <p:txBody>
-          <a:bodyPr spcFirstLastPara="1" wrap="square" lIns="91425" tIns="91425" rIns="91425" bIns="91425" anchor="ctr" anchorCtr="0">
-            <a:normAutofit/>
-          </a:bodyPr>
-          <a:lstStyle/>
-          <a:p>
-            <a:pPr marL="0" lvl="0" indent="0" algn="r" rtl="0">
-              <a:spcBef>
-                <a:spcPts val="0"/>
-              </a:spcBef>
-              <a:spcAft>
-                <a:spcPts val="0"/>
-              </a:spcAft>
-              <a:buNone/>
-            </a:pPr>
-            <a:fld id="{00000000-1234-1234-1234-123412341234}" type="slidenum">
-              <a:rPr lang="de"/>
-              <a:t>6</a:t>
-            </a:fld>
-            <a:endParaRPr/>
-          </a:p>
-        </p:txBody>
-      </p:sp>
-      <p:sp>
-        <p:nvSpPr>
-          <p:cNvPr id="114" name="Google Shape;114;p17"/>
-          <p:cNvSpPr txBox="1"/>
-          <p:nvPr/>
-        </p:nvSpPr>
-        <p:spPr>
-          <a:xfrm>
-            <a:off x="7769225" y="4700275"/>
-            <a:ext cx="975000" cy="319500"/>
-          </a:xfrm>
-          <a:prstGeom prst="rect">
-            <a:avLst/>
-          </a:prstGeom>
-          <a:noFill/>
-          <a:ln>
-            <a:noFill/>
-          </a:ln>
-        </p:spPr>
-        <p:txBody>
-          <a:bodyPr spcFirstLastPara="1" wrap="square" lIns="91425" tIns="91425" rIns="91425" bIns="91425" anchor="t" anchorCtr="0">
-            <a:noAutofit/>
-          </a:bodyPr>
-          <a:lstStyle/>
-          <a:p>
-            <a:pPr marL="0" lvl="0" indent="0" algn="l" rtl="0">
-              <a:spcBef>
-                <a:spcPts val="0"/>
-              </a:spcBef>
-              <a:spcAft>
-                <a:spcPts val="0"/>
-              </a:spcAft>
-              <a:buNone/>
-            </a:pPr>
-            <a:r>
-              <a:rPr lang="de" sz="900" dirty="0">
-                <a:solidFill>
-                  <a:schemeClr val="lt1"/>
-                </a:solidFill>
-                <a:latin typeface="Roboto"/>
-                <a:ea typeface="Roboto"/>
-                <a:cs typeface="Roboto"/>
-                <a:sym typeface="Roboto"/>
-              </a:rPr>
-              <a:t>Romeis (2025)</a:t>
-            </a:r>
-            <a:endParaRPr sz="900" dirty="0">
-              <a:solidFill>
-                <a:schemeClr val="lt1"/>
-              </a:solidFill>
-              <a:latin typeface="Roboto"/>
-              <a:ea typeface="Roboto"/>
-              <a:cs typeface="Roboto"/>
-              <a:sym typeface="Roboto"/>
-            </a:endParaRPr>
-          </a:p>
-        </p:txBody>
-      </p:sp>
-      <p:sp>
-        <p:nvSpPr>
-          <p:cNvPr id="115" name="Google Shape;115;p17"/>
+          <p:cNvPr id="115" name="Google Shape;115;p17">
+            <a:extLst>
+              <a:ext uri="{FF2B5EF4-FFF2-40B4-BE49-F238E27FC236}">
+                <a16:creationId xmlns:a16="http://schemas.microsoft.com/office/drawing/2014/main" id="{9CCD09F0-0BB7-7266-A696-9C233ECBC211}"/>
+              </a:ext>
+            </a:extLst>
+          </p:cNvPr>
           <p:cNvSpPr txBox="1"/>
           <p:nvPr/>
         </p:nvSpPr>
@@ -10088,7 +10926,7 @@
                 <a:cs typeface="Roboto Black"/>
                 <a:sym typeface="Roboto Black"/>
               </a:rPr>
-              <a:t>Danke für eure Aufmerksamkeit!</a:t>
+              <a:t>3 Überblick Pipelines</a:t>
             </a:r>
             <a:endParaRPr sz="3000" dirty="0">
               <a:solidFill>
@@ -10100,41 +10938,14 @@
               <a:sym typeface="Roboto Black"/>
             </a:endParaRPr>
           </a:p>
-          <a:p>
-            <a:pPr marL="0" lvl="0" indent="0" algn="ctr" rtl="0">
-              <a:spcBef>
-                <a:spcPts val="0"/>
-              </a:spcBef>
-              <a:spcAft>
-                <a:spcPts val="0"/>
-              </a:spcAft>
-              <a:buNone/>
-            </a:pPr>
-            <a:r>
-              <a:rPr lang="de" sz="1600" dirty="0">
-                <a:solidFill>
-                  <a:schemeClr val="lt1"/>
-                </a:solidFill>
-                <a:latin typeface="Roboto"/>
-                <a:ea typeface="Roboto"/>
-                <a:cs typeface="Roboto"/>
-                <a:sym typeface="Roboto"/>
-              </a:rPr>
-              <a:t>Gibt es Fragen oder Anmerkungen?</a:t>
-            </a:r>
-            <a:endParaRPr sz="1600" dirty="0">
-              <a:solidFill>
-                <a:schemeClr val="lt1"/>
-              </a:solidFill>
-              <a:latin typeface="Roboto"/>
-              <a:ea typeface="Roboto"/>
-              <a:cs typeface="Roboto"/>
-              <a:sym typeface="Roboto"/>
-            </a:endParaRPr>
-          </a:p>
         </p:txBody>
       </p:sp>
     </p:spTree>
+    <p:extLst>
+      <p:ext uri="{BB962C8B-B14F-4D97-AF65-F5344CB8AC3E}">
+        <p14:creationId xmlns:p14="http://schemas.microsoft.com/office/powerpoint/2010/main" val="998214756"/>
+      </p:ext>
+    </p:extLst>
   </p:cSld>
   <p:clrMapOvr>
     <a:masterClrMapping/>
@@ -10142,12 +10953,12 @@
 </p:sld>
 </file>
 
-<file path=ppt/slides/slide7.xml><?xml version="1.0" encoding="utf-8"?>
+<file path=ppt/slides/slide6.xml><?xml version="1.0" encoding="utf-8"?>
 <p:sld xmlns:a="http://schemas.openxmlformats.org/drawingml/2006/main" xmlns:r="http://schemas.openxmlformats.org/officeDocument/2006/relationships" xmlns:p="http://schemas.openxmlformats.org/presentationml/2006/main">
   <p:cSld>
     <p:spTree>
       <p:nvGrpSpPr>
-        <p:cNvPr id="1" name="Shape 119"/>
+        <p:cNvPr id="1" name=""/>
         <p:cNvGrpSpPr/>
         <p:nvPr/>
       </p:nvGrpSpPr>
@@ -10161,258 +10972,74 @@
       </p:grpSpPr>
       <p:sp>
         <p:nvSpPr>
-          <p:cNvPr id="120" name="Google Shape;120;p18"/>
-          <p:cNvSpPr txBox="1">
+          <p:cNvPr id="2" name="Foliennummernplatzhalter 1">
+            <a:extLst>
+              <a:ext uri="{FF2B5EF4-FFF2-40B4-BE49-F238E27FC236}">
+                <a16:creationId xmlns:a16="http://schemas.microsoft.com/office/drawing/2014/main" id="{9E3925D6-B0F3-5626-B112-30BCB1E35169}"/>
+              </a:ext>
+            </a:extLst>
+          </p:cNvPr>
+          <p:cNvSpPr>
             <a:spLocks noGrp="1"/>
           </p:cNvSpPr>
           <p:nvPr>
             <p:ph type="sldNum" idx="12"/>
           </p:nvPr>
         </p:nvSpPr>
+        <p:spPr/>
+        <p:txBody>
+          <a:bodyPr/>
+          <a:lstStyle/>
+          <a:p>
+            <a:pPr marL="0" lvl="0" indent="0" algn="r" rtl="0">
+              <a:spcBef>
+                <a:spcPts val="0"/>
+              </a:spcBef>
+              <a:spcAft>
+                <a:spcPts val="0"/>
+              </a:spcAft>
+              <a:buNone/>
+            </a:pPr>
+            <a:endParaRPr lang="de-DE" dirty="0"/>
+          </a:p>
+        </p:txBody>
+      </p:sp>
+      <p:pic>
+        <p:nvPicPr>
+          <p:cNvPr id="4" name="Grafik 3">
+            <a:extLst>
+              <a:ext uri="{FF2B5EF4-FFF2-40B4-BE49-F238E27FC236}">
+                <a16:creationId xmlns:a16="http://schemas.microsoft.com/office/drawing/2014/main" id="{7EC15EC5-5CAA-1865-903C-13FA80EF0360}"/>
+              </a:ext>
+            </a:extLst>
+          </p:cNvPr>
+          <p:cNvPicPr>
+            <a:picLocks noChangeAspect="1"/>
+          </p:cNvPicPr>
+          <p:nvPr/>
+        </p:nvPicPr>
+        <p:blipFill>
+          <a:blip r:embed="rId2"/>
+          <a:stretch>
+            <a:fillRect/>
+          </a:stretch>
+        </p:blipFill>
         <p:spPr>
           <a:xfrm>
-            <a:off x="8472458" y="4663217"/>
-            <a:ext cx="548700" cy="393600"/>
+            <a:off x="1419847" y="0"/>
+            <a:ext cx="6056534" cy="21943407"/>
           </a:xfrm>
           <a:prstGeom prst="rect">
             <a:avLst/>
           </a:prstGeom>
         </p:spPr>
-        <p:txBody>
-          <a:bodyPr spcFirstLastPara="1" wrap="square" lIns="91425" tIns="91425" rIns="91425" bIns="91425" anchor="ctr" anchorCtr="0">
-            <a:normAutofit/>
-          </a:bodyPr>
-          <a:lstStyle/>
-          <a:p>
-            <a:pPr marL="0" lvl="0" indent="0" algn="r" rtl="0">
-              <a:spcBef>
-                <a:spcPts val="0"/>
-              </a:spcBef>
-              <a:spcAft>
-                <a:spcPts val="0"/>
-              </a:spcAft>
-              <a:buNone/>
-            </a:pPr>
-            <a:fld id="{00000000-1234-1234-1234-123412341234}" type="slidenum">
-              <a:rPr lang="de">
-                <a:solidFill>
-                  <a:schemeClr val="lt1"/>
-                </a:solidFill>
-              </a:rPr>
-              <a:t>7</a:t>
-            </a:fld>
-            <a:endParaRPr>
-              <a:solidFill>
-                <a:schemeClr val="lt1"/>
-              </a:solidFill>
-            </a:endParaRPr>
-          </a:p>
-        </p:txBody>
-      </p:sp>
-      <p:sp>
-        <p:nvSpPr>
-          <p:cNvPr id="121" name="Google Shape;121;p18"/>
-          <p:cNvSpPr txBox="1"/>
-          <p:nvPr/>
-        </p:nvSpPr>
-        <p:spPr>
-          <a:xfrm>
-            <a:off x="7769225" y="4700275"/>
-            <a:ext cx="975000" cy="319500"/>
-          </a:xfrm>
-          <a:prstGeom prst="rect">
-            <a:avLst/>
-          </a:prstGeom>
-          <a:noFill/>
-          <a:ln>
-            <a:noFill/>
-          </a:ln>
-        </p:spPr>
-        <p:txBody>
-          <a:bodyPr spcFirstLastPara="1" wrap="square" lIns="91425" tIns="91425" rIns="91425" bIns="91425" anchor="t" anchorCtr="0">
-            <a:noAutofit/>
-          </a:bodyPr>
-          <a:lstStyle/>
-          <a:p>
-            <a:pPr marL="0" lvl="0" indent="0" algn="l" rtl="0">
-              <a:spcBef>
-                <a:spcPts val="0"/>
-              </a:spcBef>
-              <a:spcAft>
-                <a:spcPts val="0"/>
-              </a:spcAft>
-              <a:buNone/>
-            </a:pPr>
-            <a:r>
-              <a:rPr lang="de" sz="900">
-                <a:solidFill>
-                  <a:schemeClr val="dk1"/>
-                </a:solidFill>
-                <a:latin typeface="Roboto"/>
-                <a:ea typeface="Roboto"/>
-                <a:cs typeface="Roboto"/>
-                <a:sym typeface="Roboto"/>
-              </a:rPr>
-              <a:t>Gerasch (2025)</a:t>
-            </a:r>
-            <a:endParaRPr sz="900">
-              <a:solidFill>
-                <a:schemeClr val="dk1"/>
-              </a:solidFill>
-              <a:latin typeface="Roboto"/>
-              <a:ea typeface="Roboto"/>
-              <a:cs typeface="Roboto"/>
-              <a:sym typeface="Roboto"/>
-            </a:endParaRPr>
-          </a:p>
-        </p:txBody>
-      </p:sp>
-      <p:pic>
-        <p:nvPicPr>
-          <p:cNvPr id="122" name="Google Shape;122;p18"/>
-          <p:cNvPicPr preferRelativeResize="0"/>
-          <p:nvPr/>
-        </p:nvPicPr>
-        <p:blipFill rotWithShape="1">
-          <a:blip r:embed="rId3">
-            <a:alphaModFix/>
-          </a:blip>
-          <a:srcRect r="46193"/>
-          <a:stretch/>
-        </p:blipFill>
-        <p:spPr>
-          <a:xfrm>
-            <a:off x="7707650" y="423050"/>
-            <a:ext cx="1098127" cy="355750"/>
-          </a:xfrm>
-          <a:prstGeom prst="rect">
-            <a:avLst/>
-          </a:prstGeom>
-          <a:noFill/>
-          <a:ln>
-            <a:noFill/>
-          </a:ln>
-        </p:spPr>
       </p:pic>
-      <p:sp>
-        <p:nvSpPr>
-          <p:cNvPr id="123" name="Google Shape;123;p18"/>
-          <p:cNvSpPr txBox="1">
-            <a:spLocks noGrp="1"/>
-          </p:cNvSpPr>
-          <p:nvPr>
-            <p:ph type="title"/>
-          </p:nvPr>
-        </p:nvSpPr>
-        <p:spPr>
-          <a:xfrm>
-            <a:off x="311725" y="500925"/>
-            <a:ext cx="8520600" cy="623700"/>
-          </a:xfrm>
-          <a:prstGeom prst="rect">
-            <a:avLst/>
-          </a:prstGeom>
-        </p:spPr>
-        <p:txBody>
-          <a:bodyPr spcFirstLastPara="1" wrap="square" lIns="91425" tIns="91425" rIns="91425" bIns="91425" anchor="b" anchorCtr="0">
-            <a:normAutofit/>
-          </a:bodyPr>
-          <a:lstStyle/>
-          <a:p>
-            <a:pPr marL="0" lvl="0" indent="0" algn="l" rtl="0">
-              <a:spcBef>
-                <a:spcPts val="0"/>
-              </a:spcBef>
-              <a:spcAft>
-                <a:spcPts val="0"/>
-              </a:spcAft>
-              <a:buNone/>
-            </a:pPr>
-            <a:r>
-              <a:rPr lang="de" sz="2800">
-                <a:latin typeface="Poppins SemiBold"/>
-                <a:ea typeface="Poppins SemiBold"/>
-                <a:cs typeface="Poppins SemiBold"/>
-                <a:sym typeface="Poppins SemiBold"/>
-              </a:rPr>
-              <a:t>Additional Sources</a:t>
-            </a:r>
-            <a:endParaRPr sz="2800">
-              <a:latin typeface="Poppins SemiBold"/>
-              <a:ea typeface="Poppins SemiBold"/>
-              <a:cs typeface="Poppins SemiBold"/>
-              <a:sym typeface="Poppins SemiBold"/>
-            </a:endParaRPr>
-          </a:p>
-        </p:txBody>
-      </p:sp>
-      <p:sp>
-        <p:nvSpPr>
-          <p:cNvPr id="124" name="Google Shape;124;p18"/>
-          <p:cNvSpPr txBox="1"/>
-          <p:nvPr/>
-        </p:nvSpPr>
-        <p:spPr>
-          <a:xfrm>
-            <a:off x="311725" y="1460875"/>
-            <a:ext cx="8520600" cy="3558900"/>
-          </a:xfrm>
-          <a:prstGeom prst="rect">
-            <a:avLst/>
-          </a:prstGeom>
-          <a:noFill/>
-          <a:ln>
-            <a:noFill/>
-          </a:ln>
-        </p:spPr>
-        <p:txBody>
-          <a:bodyPr spcFirstLastPara="1" wrap="square" lIns="91425" tIns="91425" rIns="91425" bIns="91425" anchor="t" anchorCtr="0">
-            <a:noAutofit/>
-          </a:bodyPr>
-          <a:lstStyle/>
-          <a:p>
-            <a:pPr marL="457200" lvl="0" indent="-317500" algn="l" rtl="0">
-              <a:lnSpc>
-                <a:spcPct val="200000"/>
-              </a:lnSpc>
-              <a:spcBef>
-                <a:spcPts val="0"/>
-              </a:spcBef>
-              <a:spcAft>
-                <a:spcPts val="0"/>
-              </a:spcAft>
-              <a:buClr>
-                <a:schemeClr val="lt1"/>
-              </a:buClr>
-              <a:buSzPts val="1400"/>
-              <a:buFont typeface="Roboto"/>
-              <a:buChar char="●"/>
-            </a:pPr>
-            <a:r>
-              <a:rPr lang="de">
-                <a:solidFill>
-                  <a:schemeClr val="lt1"/>
-                </a:solidFill>
-                <a:latin typeface="Roboto"/>
-                <a:ea typeface="Roboto"/>
-                <a:cs typeface="Roboto"/>
-                <a:sym typeface="Roboto"/>
-              </a:rPr>
-              <a:t>Links</a:t>
-            </a:r>
-            <a:endParaRPr>
-              <a:solidFill>
-                <a:schemeClr val="lt1"/>
-              </a:solidFill>
-              <a:latin typeface="Roboto"/>
-              <a:ea typeface="Roboto"/>
-              <a:cs typeface="Roboto"/>
-              <a:sym typeface="Roboto"/>
-            </a:endParaRPr>
-          </a:p>
-        </p:txBody>
-      </p:sp>
     </p:spTree>
+    <p:extLst>
+      <p:ext uri="{BB962C8B-B14F-4D97-AF65-F5344CB8AC3E}">
+        <p14:creationId xmlns:p14="http://schemas.microsoft.com/office/powerpoint/2010/main" val="2947180511"/>
+      </p:ext>
+    </p:extLst>
   </p:cSld>
   <p:clrMapOvr>
     <a:masterClrMapping/>
@@ -10420,12 +11047,18 @@
 </p:sld>
 </file>
 
-<file path=ppt/slides/slide8.xml><?xml version="1.0" encoding="utf-8"?>
+<file path=ppt/slides/slide7.xml><?xml version="1.0" encoding="utf-8"?>
 <p:sld xmlns:a="http://schemas.openxmlformats.org/drawingml/2006/main" xmlns:r="http://schemas.openxmlformats.org/officeDocument/2006/relationships" xmlns:p="http://schemas.openxmlformats.org/presentationml/2006/main">
   <p:cSld>
     <p:spTree>
       <p:nvGrpSpPr>
-        <p:cNvPr id="1" name="Shape 128"/>
+        <p:cNvPr id="1" name="">
+          <a:extLst>
+            <a:ext uri="{FF2B5EF4-FFF2-40B4-BE49-F238E27FC236}">
+              <a16:creationId xmlns:a16="http://schemas.microsoft.com/office/drawing/2014/main" id="{1DF596A9-BC7D-5143-A396-BB4E123ED11C}"/>
+            </a:ext>
+          </a:extLst>
+        </p:cNvPr>
         <p:cNvGrpSpPr/>
         <p:nvPr/>
       </p:nvGrpSpPr>
@@ -10439,27 +11072,135 @@
       </p:grpSpPr>
       <p:sp>
         <p:nvSpPr>
-          <p:cNvPr id="129" name="Google Shape;129;p19"/>
-          <p:cNvSpPr txBox="1">
+          <p:cNvPr id="2" name="Foliennummernplatzhalter 1">
+            <a:extLst>
+              <a:ext uri="{FF2B5EF4-FFF2-40B4-BE49-F238E27FC236}">
+                <a16:creationId xmlns:a16="http://schemas.microsoft.com/office/drawing/2014/main" id="{6609EBCB-36EF-90DC-2C93-C0E7B05D879C}"/>
+              </a:ext>
+            </a:extLst>
+          </p:cNvPr>
+          <p:cNvSpPr>
             <a:spLocks noGrp="1"/>
           </p:cNvSpPr>
           <p:nvPr>
             <p:ph type="sldNum" idx="12"/>
           </p:nvPr>
         </p:nvSpPr>
+        <p:spPr/>
+        <p:txBody>
+          <a:bodyPr/>
+          <a:lstStyle/>
+          <a:p>
+            <a:pPr marL="0" lvl="0" indent="0" algn="r" rtl="0">
+              <a:spcBef>
+                <a:spcPts val="0"/>
+              </a:spcBef>
+              <a:spcAft>
+                <a:spcPts val="0"/>
+              </a:spcAft>
+              <a:buNone/>
+            </a:pPr>
+            <a:endParaRPr lang="de-DE" dirty="0"/>
+          </a:p>
+        </p:txBody>
+      </p:sp>
+      <p:pic>
+        <p:nvPicPr>
+          <p:cNvPr id="4" name="Grafik 3">
+            <a:extLst>
+              <a:ext uri="{FF2B5EF4-FFF2-40B4-BE49-F238E27FC236}">
+                <a16:creationId xmlns:a16="http://schemas.microsoft.com/office/drawing/2014/main" id="{1E8833CB-A7D3-5C58-F5AE-66EB64C63157}"/>
+              </a:ext>
+            </a:extLst>
+          </p:cNvPr>
+          <p:cNvPicPr>
+            <a:picLocks noChangeAspect="1"/>
+          </p:cNvPicPr>
+          <p:nvPr/>
+        </p:nvPicPr>
+        <p:blipFill>
+          <a:blip r:embed="rId2"/>
+          <a:stretch>
+            <a:fillRect/>
+          </a:stretch>
+        </p:blipFill>
         <p:spPr>
           <a:xfrm>
-            <a:off x="8472458" y="4663217"/>
-            <a:ext cx="548700" cy="393600"/>
+            <a:off x="1419847" y="-4927002"/>
+            <a:ext cx="6056534" cy="21943407"/>
           </a:xfrm>
           <a:prstGeom prst="rect">
             <a:avLst/>
           </a:prstGeom>
         </p:spPr>
+      </p:pic>
+    </p:spTree>
+    <p:extLst>
+      <p:ext uri="{BB962C8B-B14F-4D97-AF65-F5344CB8AC3E}">
+        <p14:creationId xmlns:p14="http://schemas.microsoft.com/office/powerpoint/2010/main" val="3214578724"/>
+      </p:ext>
+    </p:extLst>
+  </p:cSld>
+  <p:clrMapOvr>
+    <a:masterClrMapping/>
+  </p:clrMapOvr>
+  <mc:AlternateContent xmlns:mc="http://schemas.openxmlformats.org/markup-compatibility/2006" xmlns:p159="http://schemas.microsoft.com/office/powerpoint/2015/09/main">
+    <mc:Choice Requires="p159">
+      <p:transition xmlns:p14="http://schemas.microsoft.com/office/powerpoint/2010/main" spd="slow" p14:dur="2000">
+        <p159:morph option="byObject"/>
+      </p:transition>
+    </mc:Choice>
+    <mc:Fallback xmlns="">
+      <p:transition spd="slow">
+        <p:fade/>
+      </p:transition>
+    </mc:Fallback>
+  </mc:AlternateContent>
+</p:sld>
+</file>
+
+<file path=ppt/slides/slide8.xml><?xml version="1.0" encoding="utf-8"?>
+<p:sld xmlns:a="http://schemas.openxmlformats.org/drawingml/2006/main" xmlns:r="http://schemas.openxmlformats.org/officeDocument/2006/relationships" xmlns:p="http://schemas.openxmlformats.org/presentationml/2006/main">
+  <p:cSld>
+    <p:spTree>
+      <p:nvGrpSpPr>
+        <p:cNvPr id="1" name="">
+          <a:extLst>
+            <a:ext uri="{FF2B5EF4-FFF2-40B4-BE49-F238E27FC236}">
+              <a16:creationId xmlns:a16="http://schemas.microsoft.com/office/drawing/2014/main" id="{8D516A36-8C47-0B23-34C7-A17DF2E227CA}"/>
+            </a:ext>
+          </a:extLst>
+        </p:cNvPr>
+        <p:cNvGrpSpPr/>
+        <p:nvPr/>
+      </p:nvGrpSpPr>
+      <p:grpSpPr>
+        <a:xfrm>
+          <a:off x="0" y="0"/>
+          <a:ext cx="0" cy="0"/>
+          <a:chOff x="0" y="0"/>
+          <a:chExt cx="0" cy="0"/>
+        </a:xfrm>
+      </p:grpSpPr>
+      <p:sp>
+        <p:nvSpPr>
+          <p:cNvPr id="2" name="Foliennummernplatzhalter 1">
+            <a:extLst>
+              <a:ext uri="{FF2B5EF4-FFF2-40B4-BE49-F238E27FC236}">
+                <a16:creationId xmlns:a16="http://schemas.microsoft.com/office/drawing/2014/main" id="{546F8251-75C4-89A3-9F19-B7BF29354437}"/>
+              </a:ext>
+            </a:extLst>
+          </p:cNvPr>
+          <p:cNvSpPr>
+            <a:spLocks noGrp="1"/>
+          </p:cNvSpPr>
+          <p:nvPr>
+            <p:ph type="sldNum" idx="12"/>
+          </p:nvPr>
+        </p:nvSpPr>
+        <p:spPr/>
         <p:txBody>
-          <a:bodyPr spcFirstLastPara="1" wrap="square" lIns="91425" tIns="91425" rIns="91425" bIns="91425" anchor="ctr" anchorCtr="0">
-            <a:normAutofit/>
-          </a:bodyPr>
+          <a:bodyPr/>
           <a:lstStyle/>
           <a:p>
             <a:pPr marL="0" lvl="0" indent="0" algn="r" rtl="0">
@@ -10471,125 +11212,110 @@
               </a:spcAft>
               <a:buNone/>
             </a:pPr>
-            <a:fld id="{00000000-1234-1234-1234-123412341234}" type="slidenum">
-              <a:rPr lang="de"/>
-              <a:t>8</a:t>
-            </a:fld>
-            <a:endParaRPr/>
-          </a:p>
-        </p:txBody>
-      </p:sp>
-      <p:sp>
-        <p:nvSpPr>
-          <p:cNvPr id="130" name="Google Shape;130;p19"/>
-          <p:cNvSpPr txBox="1"/>
-          <p:nvPr/>
-        </p:nvSpPr>
-        <p:spPr>
-          <a:xfrm>
-            <a:off x="7769225" y="4700275"/>
-            <a:ext cx="975000" cy="319500"/>
-          </a:xfrm>
-          <a:prstGeom prst="rect">
-            <a:avLst/>
-          </a:prstGeom>
-          <a:noFill/>
-          <a:ln>
-            <a:noFill/>
-          </a:ln>
-        </p:spPr>
-        <p:txBody>
-          <a:bodyPr spcFirstLastPara="1" wrap="square" lIns="91425" tIns="91425" rIns="91425" bIns="91425" anchor="t" anchorCtr="0">
-            <a:noAutofit/>
-          </a:bodyPr>
-          <a:lstStyle/>
-          <a:p>
-            <a:pPr marL="0" lvl="0" indent="0" algn="l" rtl="0">
-              <a:spcBef>
-                <a:spcPts val="0"/>
-              </a:spcBef>
-              <a:spcAft>
-                <a:spcPts val="0"/>
-              </a:spcAft>
-              <a:buNone/>
-            </a:pPr>
-            <a:r>
-              <a:rPr lang="de" sz="900">
-                <a:solidFill>
-                  <a:schemeClr val="dk1"/>
-                </a:solidFill>
-                <a:latin typeface="Roboto"/>
-                <a:ea typeface="Roboto"/>
-                <a:cs typeface="Roboto"/>
-                <a:sym typeface="Roboto"/>
-              </a:rPr>
-              <a:t>Gerasch (2025)</a:t>
-            </a:r>
-            <a:endParaRPr sz="900">
-              <a:solidFill>
-                <a:schemeClr val="dk1"/>
-              </a:solidFill>
-              <a:latin typeface="Roboto"/>
-              <a:ea typeface="Roboto"/>
-              <a:cs typeface="Roboto"/>
-              <a:sym typeface="Roboto"/>
-            </a:endParaRPr>
+            <a:endParaRPr lang="de-DE" dirty="0"/>
           </a:p>
         </p:txBody>
       </p:sp>
       <p:pic>
         <p:nvPicPr>
-          <p:cNvPr id="131" name="Google Shape;131;p19"/>
-          <p:cNvPicPr preferRelativeResize="0"/>
+          <p:cNvPr id="4" name="Grafik 3">
+            <a:extLst>
+              <a:ext uri="{FF2B5EF4-FFF2-40B4-BE49-F238E27FC236}">
+                <a16:creationId xmlns:a16="http://schemas.microsoft.com/office/drawing/2014/main" id="{2EF7F242-665A-DABA-4E5A-A5CF6BC0074E}"/>
+              </a:ext>
+            </a:extLst>
+          </p:cNvPr>
+          <p:cNvPicPr>
+            <a:picLocks noChangeAspect="1"/>
+          </p:cNvPicPr>
           <p:nvPr/>
         </p:nvPicPr>
-        <p:blipFill rotWithShape="1">
-          <a:blip r:embed="rId3">
-            <a:alphaModFix/>
-          </a:blip>
-          <a:srcRect r="46193"/>
-          <a:stretch/>
+        <p:blipFill>
+          <a:blip r:embed="rId2"/>
+          <a:stretch>
+            <a:fillRect/>
+          </a:stretch>
         </p:blipFill>
         <p:spPr>
           <a:xfrm>
-            <a:off x="7707650" y="423050"/>
-            <a:ext cx="1098127" cy="355750"/>
-          </a:xfrm>
-          <a:prstGeom prst="rect">
-            <a:avLst/>
-          </a:prstGeom>
-          <a:noFill/>
-          <a:ln>
-            <a:noFill/>
-          </a:ln>
-        </p:spPr>
-      </p:pic>
-      <p:sp>
-        <p:nvSpPr>
-          <p:cNvPr id="132" name="Google Shape;132;p19"/>
-          <p:cNvSpPr txBox="1">
-            <a:spLocks noGrp="1"/>
-          </p:cNvSpPr>
-          <p:nvPr>
-            <p:ph type="title"/>
-          </p:nvPr>
-        </p:nvSpPr>
-        <p:spPr>
-          <a:xfrm>
-            <a:off x="311300" y="500925"/>
-            <a:ext cx="4070400" cy="682800"/>
+            <a:off x="1419847" y="-9918551"/>
+            <a:ext cx="6056534" cy="21943407"/>
           </a:xfrm>
           <a:prstGeom prst="rect">
             <a:avLst/>
           </a:prstGeom>
         </p:spPr>
+      </p:pic>
+    </p:spTree>
+    <p:extLst>
+      <p:ext uri="{BB962C8B-B14F-4D97-AF65-F5344CB8AC3E}">
+        <p14:creationId xmlns:p14="http://schemas.microsoft.com/office/powerpoint/2010/main" val="3572328872"/>
+      </p:ext>
+    </p:extLst>
+  </p:cSld>
+  <p:clrMapOvr>
+    <a:masterClrMapping/>
+  </p:clrMapOvr>
+  <mc:AlternateContent xmlns:mc="http://schemas.openxmlformats.org/markup-compatibility/2006" xmlns:p159="http://schemas.microsoft.com/office/powerpoint/2015/09/main">
+    <mc:Choice Requires="p159">
+      <p:transition xmlns:p14="http://schemas.microsoft.com/office/powerpoint/2010/main" spd="slow" p14:dur="2000">
+        <p159:morph option="byObject"/>
+      </p:transition>
+    </mc:Choice>
+    <mc:Fallback xmlns="">
+      <p:transition spd="slow">
+        <p:fade/>
+      </p:transition>
+    </mc:Fallback>
+  </mc:AlternateContent>
+</p:sld>
+</file>
+
+<file path=ppt/slides/slide9.xml><?xml version="1.0" encoding="utf-8"?>
+<p:sld xmlns:a="http://schemas.openxmlformats.org/drawingml/2006/main" xmlns:r="http://schemas.openxmlformats.org/officeDocument/2006/relationships" xmlns:p="http://schemas.openxmlformats.org/presentationml/2006/main">
+  <p:cSld>
+    <p:spTree>
+      <p:nvGrpSpPr>
+        <p:cNvPr id="1" name="">
+          <a:extLst>
+            <a:ext uri="{FF2B5EF4-FFF2-40B4-BE49-F238E27FC236}">
+              <a16:creationId xmlns:a16="http://schemas.microsoft.com/office/drawing/2014/main" id="{E76E1F42-800B-57F5-23C9-AB1E14B073DA}"/>
+            </a:ext>
+          </a:extLst>
+        </p:cNvPr>
+        <p:cNvGrpSpPr/>
+        <p:nvPr/>
+      </p:nvGrpSpPr>
+      <p:grpSpPr>
+        <a:xfrm>
+          <a:off x="0" y="0"/>
+          <a:ext cx="0" cy="0"/>
+          <a:chOff x="0" y="0"/>
+          <a:chExt cx="0" cy="0"/>
+        </a:xfrm>
+      </p:grpSpPr>
+      <p:sp>
+        <p:nvSpPr>
+          <p:cNvPr id="2" name="Foliennummernplatzhalter 1">
+            <a:extLst>
+              <a:ext uri="{FF2B5EF4-FFF2-40B4-BE49-F238E27FC236}">
+                <a16:creationId xmlns:a16="http://schemas.microsoft.com/office/drawing/2014/main" id="{2A90A9F1-B11C-EAC2-2952-5E79652C3B19}"/>
+              </a:ext>
+            </a:extLst>
+          </p:cNvPr>
+          <p:cNvSpPr>
+            <a:spLocks noGrp="1"/>
+          </p:cNvSpPr>
+          <p:nvPr>
+            <p:ph type="sldNum" idx="12"/>
+          </p:nvPr>
+        </p:nvSpPr>
+        <p:spPr/>
         <p:txBody>
-          <a:bodyPr spcFirstLastPara="1" wrap="square" lIns="91425" tIns="91425" rIns="91425" bIns="91425" anchor="t" anchorCtr="0">
-            <a:normAutofit/>
-          </a:bodyPr>
+          <a:bodyPr/>
           <a:lstStyle/>
           <a:p>
-            <a:pPr marL="0" lvl="0" indent="0" algn="l" rtl="0">
+            <a:pPr marL="0" lvl="0" indent="0" algn="r" rtl="0">
               <a:spcBef>
                 <a:spcPts val="0"/>
               </a:spcBef>
@@ -10598,581 +11324,62 @@
               </a:spcAft>
               <a:buNone/>
             </a:pPr>
-            <a:r>
-              <a:rPr lang="de">
-                <a:latin typeface="Poppins SemiBold"/>
-                <a:ea typeface="Poppins SemiBold"/>
-                <a:cs typeface="Poppins SemiBold"/>
-                <a:sym typeface="Poppins SemiBold"/>
-              </a:rPr>
-              <a:t>Überschrift</a:t>
-            </a:r>
-            <a:endParaRPr sz="2800">
-              <a:latin typeface="Poppins SemiBold"/>
-              <a:ea typeface="Poppins SemiBold"/>
-              <a:cs typeface="Poppins SemiBold"/>
-              <a:sym typeface="Poppins SemiBold"/>
-            </a:endParaRPr>
+            <a:endParaRPr lang="de-DE" dirty="0"/>
           </a:p>
         </p:txBody>
       </p:sp>
-      <p:sp>
-        <p:nvSpPr>
-          <p:cNvPr id="133" name="Google Shape;133;p19"/>
-          <p:cNvSpPr txBox="1"/>
+      <p:pic>
+        <p:nvPicPr>
+          <p:cNvPr id="4" name="Grafik 3">
+            <a:extLst>
+              <a:ext uri="{FF2B5EF4-FFF2-40B4-BE49-F238E27FC236}">
+                <a16:creationId xmlns:a16="http://schemas.microsoft.com/office/drawing/2014/main" id="{A58F80A0-1827-E861-D64E-7557CA24758C}"/>
+              </a:ext>
+            </a:extLst>
+          </p:cNvPr>
+          <p:cNvPicPr>
+            <a:picLocks noChangeAspect="1"/>
+          </p:cNvPicPr>
           <p:nvPr/>
-        </p:nvSpPr>
+        </p:nvPicPr>
+        <p:blipFill>
+          <a:blip r:embed="rId2"/>
+          <a:stretch>
+            <a:fillRect/>
+          </a:stretch>
+        </p:blipFill>
         <p:spPr>
           <a:xfrm>
-            <a:off x="311725" y="1460875"/>
-            <a:ext cx="3870300" cy="962100"/>
-          </a:xfrm>
-          <a:prstGeom prst="rect">
-            <a:avLst/>
-          </a:prstGeom>
-          <a:noFill/>
-          <a:ln>
-            <a:noFill/>
-          </a:ln>
-        </p:spPr>
-        <p:txBody>
-          <a:bodyPr spcFirstLastPara="1" wrap="square" lIns="91425" tIns="91425" rIns="91425" bIns="91425" anchor="t" anchorCtr="0">
-            <a:noAutofit/>
-          </a:bodyPr>
-          <a:lstStyle/>
-          <a:p>
-            <a:pPr marL="0" lvl="0" indent="0" algn="l" rtl="0">
-              <a:lnSpc>
-                <a:spcPct val="200000"/>
-              </a:lnSpc>
-              <a:spcBef>
-                <a:spcPts val="0"/>
-              </a:spcBef>
-              <a:spcAft>
-                <a:spcPts val="0"/>
-              </a:spcAft>
-              <a:buNone/>
-            </a:pPr>
-            <a:r>
-              <a:rPr lang="de" sz="1600" b="1">
-                <a:solidFill>
-                  <a:schemeClr val="lt1"/>
-                </a:solidFill>
-                <a:latin typeface="Roboto"/>
-                <a:ea typeface="Roboto"/>
-                <a:cs typeface="Roboto"/>
-                <a:sym typeface="Roboto"/>
-              </a:rPr>
-              <a:t>Überschrift</a:t>
-            </a:r>
-            <a:endParaRPr>
-              <a:solidFill>
-                <a:schemeClr val="lt1"/>
-              </a:solidFill>
-              <a:latin typeface="Roboto"/>
-              <a:ea typeface="Roboto"/>
-              <a:cs typeface="Roboto"/>
-              <a:sym typeface="Roboto"/>
-            </a:endParaRPr>
-          </a:p>
-          <a:p>
-            <a:pPr marL="457200" lvl="0" indent="-317500" algn="l" rtl="0">
-              <a:lnSpc>
-                <a:spcPct val="200000"/>
-              </a:lnSpc>
-              <a:spcBef>
-                <a:spcPts val="0"/>
-              </a:spcBef>
-              <a:spcAft>
-                <a:spcPts val="0"/>
-              </a:spcAft>
-              <a:buClr>
-                <a:schemeClr val="lt1"/>
-              </a:buClr>
-              <a:buSzPts val="1400"/>
-              <a:buFont typeface="Roboto"/>
-              <a:buChar char="●"/>
-            </a:pPr>
-            <a:r>
-              <a:rPr lang="de">
-                <a:solidFill>
-                  <a:schemeClr val="lt1"/>
-                </a:solidFill>
-                <a:latin typeface="Roboto"/>
-                <a:ea typeface="Roboto"/>
-                <a:cs typeface="Roboto"/>
-                <a:sym typeface="Roboto"/>
-              </a:rPr>
-              <a:t>Text</a:t>
-            </a:r>
-            <a:endParaRPr>
-              <a:solidFill>
-                <a:schemeClr val="lt1"/>
-              </a:solidFill>
-              <a:latin typeface="Roboto"/>
-              <a:ea typeface="Roboto"/>
-              <a:cs typeface="Roboto"/>
-              <a:sym typeface="Roboto"/>
-            </a:endParaRPr>
-          </a:p>
-        </p:txBody>
-      </p:sp>
-      <p:sp>
-        <p:nvSpPr>
-          <p:cNvPr id="134" name="Google Shape;134;p19"/>
-          <p:cNvSpPr txBox="1">
-            <a:spLocks noGrp="1"/>
-          </p:cNvSpPr>
-          <p:nvPr>
-            <p:ph type="title"/>
-          </p:nvPr>
-        </p:nvSpPr>
-        <p:spPr>
-          <a:xfrm>
-            <a:off x="4817525" y="500925"/>
-            <a:ext cx="4070400" cy="682800"/>
+            <a:off x="1419847" y="-15114495"/>
+            <a:ext cx="6056534" cy="21943407"/>
           </a:xfrm>
           <a:prstGeom prst="rect">
             <a:avLst/>
           </a:prstGeom>
         </p:spPr>
-        <p:txBody>
-          <a:bodyPr spcFirstLastPara="1" wrap="square" lIns="91425" tIns="91425" rIns="91425" bIns="91425" anchor="t" anchorCtr="0">
-            <a:normAutofit/>
-          </a:bodyPr>
-          <a:lstStyle/>
-          <a:p>
-            <a:pPr marL="0" lvl="0" indent="0" algn="l" rtl="0">
-              <a:spcBef>
-                <a:spcPts val="0"/>
-              </a:spcBef>
-              <a:spcAft>
-                <a:spcPts val="0"/>
-              </a:spcAft>
-              <a:buNone/>
-            </a:pPr>
-            <a:r>
-              <a:rPr lang="de">
-                <a:solidFill>
-                  <a:schemeClr val="dk1"/>
-                </a:solidFill>
-                <a:latin typeface="Poppins SemiBold"/>
-                <a:ea typeface="Poppins SemiBold"/>
-                <a:cs typeface="Poppins SemiBold"/>
-                <a:sym typeface="Poppins SemiBold"/>
-              </a:rPr>
-              <a:t>Überschrift</a:t>
-            </a:r>
-            <a:endParaRPr sz="2800">
-              <a:solidFill>
-                <a:schemeClr val="dk1"/>
-              </a:solidFill>
-              <a:latin typeface="Poppins SemiBold"/>
-              <a:ea typeface="Poppins SemiBold"/>
-              <a:cs typeface="Poppins SemiBold"/>
-              <a:sym typeface="Poppins SemiBold"/>
-            </a:endParaRPr>
-          </a:p>
-        </p:txBody>
-      </p:sp>
-      <p:sp>
-        <p:nvSpPr>
-          <p:cNvPr id="135" name="Google Shape;135;p19"/>
-          <p:cNvSpPr txBox="1"/>
-          <p:nvPr/>
-        </p:nvSpPr>
-        <p:spPr>
-          <a:xfrm>
-            <a:off x="4845825" y="1460875"/>
-            <a:ext cx="3870300" cy="962100"/>
-          </a:xfrm>
-          <a:prstGeom prst="rect">
-            <a:avLst/>
-          </a:prstGeom>
-          <a:noFill/>
-          <a:ln>
-            <a:noFill/>
-          </a:ln>
-        </p:spPr>
-        <p:txBody>
-          <a:bodyPr spcFirstLastPara="1" wrap="square" lIns="91425" tIns="91425" rIns="91425" bIns="91425" anchor="t" anchorCtr="0">
-            <a:noAutofit/>
-          </a:bodyPr>
-          <a:lstStyle/>
-          <a:p>
-            <a:pPr marL="0" lvl="0" indent="0" algn="l" rtl="0">
-              <a:lnSpc>
-                <a:spcPct val="200000"/>
-              </a:lnSpc>
-              <a:spcBef>
-                <a:spcPts val="0"/>
-              </a:spcBef>
-              <a:spcAft>
-                <a:spcPts val="0"/>
-              </a:spcAft>
-              <a:buNone/>
-            </a:pPr>
-            <a:r>
-              <a:rPr lang="de" sz="1600" b="1">
-                <a:solidFill>
-                  <a:schemeClr val="dk1"/>
-                </a:solidFill>
-                <a:latin typeface="Roboto"/>
-                <a:ea typeface="Roboto"/>
-                <a:cs typeface="Roboto"/>
-                <a:sym typeface="Roboto"/>
-              </a:rPr>
-              <a:t>Überschrift</a:t>
-            </a:r>
-            <a:endParaRPr>
-              <a:solidFill>
-                <a:schemeClr val="dk1"/>
-              </a:solidFill>
-              <a:latin typeface="Roboto"/>
-              <a:ea typeface="Roboto"/>
-              <a:cs typeface="Roboto"/>
-              <a:sym typeface="Roboto"/>
-            </a:endParaRPr>
-          </a:p>
-          <a:p>
-            <a:pPr marL="457200" lvl="0" indent="-317500" algn="l" rtl="0">
-              <a:lnSpc>
-                <a:spcPct val="200000"/>
-              </a:lnSpc>
-              <a:spcBef>
-                <a:spcPts val="0"/>
-              </a:spcBef>
-              <a:spcAft>
-                <a:spcPts val="0"/>
-              </a:spcAft>
-              <a:buClr>
-                <a:schemeClr val="dk1"/>
-              </a:buClr>
-              <a:buSzPts val="1400"/>
-              <a:buFont typeface="Roboto"/>
-              <a:buChar char="●"/>
-            </a:pPr>
-            <a:r>
-              <a:rPr lang="de">
-                <a:solidFill>
-                  <a:schemeClr val="dk1"/>
-                </a:solidFill>
-                <a:latin typeface="Roboto"/>
-                <a:ea typeface="Roboto"/>
-                <a:cs typeface="Roboto"/>
-                <a:sym typeface="Roboto"/>
-              </a:rPr>
-              <a:t>Text</a:t>
-            </a:r>
-            <a:endParaRPr>
-              <a:solidFill>
-                <a:schemeClr val="dk1"/>
-              </a:solidFill>
-              <a:latin typeface="Roboto"/>
-              <a:ea typeface="Roboto"/>
-              <a:cs typeface="Roboto"/>
-              <a:sym typeface="Roboto"/>
-            </a:endParaRPr>
-          </a:p>
-        </p:txBody>
-      </p:sp>
-      <p:cxnSp>
-        <p:nvCxnSpPr>
-          <p:cNvPr id="136" name="Google Shape;136;p19"/>
-          <p:cNvCxnSpPr/>
-          <p:nvPr/>
-        </p:nvCxnSpPr>
-        <p:spPr>
-          <a:xfrm>
-            <a:off x="385275" y="2571750"/>
-            <a:ext cx="3722700" cy="0"/>
-          </a:xfrm>
-          <a:prstGeom prst="straightConnector1">
-            <a:avLst/>
-          </a:prstGeom>
-          <a:noFill/>
-          <a:ln w="19050" cap="flat" cmpd="sng">
-            <a:solidFill>
-              <a:schemeClr val="lt1"/>
-            </a:solidFill>
-            <a:prstDash val="solid"/>
-            <a:round/>
-            <a:headEnd type="none" w="med" len="med"/>
-            <a:tailEnd type="none" w="med" len="med"/>
-          </a:ln>
-        </p:spPr>
-      </p:cxnSp>
-      <p:cxnSp>
-        <p:nvCxnSpPr>
-          <p:cNvPr id="137" name="Google Shape;137;p19"/>
-          <p:cNvCxnSpPr/>
-          <p:nvPr/>
-        </p:nvCxnSpPr>
-        <p:spPr>
-          <a:xfrm>
-            <a:off x="4919625" y="2571750"/>
-            <a:ext cx="3722700" cy="0"/>
-          </a:xfrm>
-          <a:prstGeom prst="straightConnector1">
-            <a:avLst/>
-          </a:prstGeom>
-          <a:noFill/>
-          <a:ln w="19050" cap="flat" cmpd="sng">
-            <a:solidFill>
-              <a:schemeClr val="dk1"/>
-            </a:solidFill>
-            <a:prstDash val="solid"/>
-            <a:round/>
-            <a:headEnd type="none" w="med" len="med"/>
-            <a:tailEnd type="none" w="med" len="med"/>
-          </a:ln>
-        </p:spPr>
-      </p:cxnSp>
-      <p:sp>
-        <p:nvSpPr>
-          <p:cNvPr id="138" name="Google Shape;138;p19"/>
-          <p:cNvSpPr/>
-          <p:nvPr/>
-        </p:nvSpPr>
-        <p:spPr>
-          <a:xfrm>
-            <a:off x="385275" y="2893575"/>
-            <a:ext cx="548700" cy="548700"/>
-          </a:xfrm>
-          <a:prstGeom prst="roundRect">
-            <a:avLst>
-              <a:gd name="adj" fmla="val 16667"/>
-            </a:avLst>
-          </a:prstGeom>
-          <a:solidFill>
-            <a:schemeClr val="lt1"/>
-          </a:solidFill>
-          <a:ln>
-            <a:noFill/>
-          </a:ln>
-        </p:spPr>
-        <p:txBody>
-          <a:bodyPr spcFirstLastPara="1" wrap="square" lIns="91425" tIns="91425" rIns="91425" bIns="91425" anchor="ctr" anchorCtr="0">
-            <a:noAutofit/>
-          </a:bodyPr>
-          <a:lstStyle/>
-          <a:p>
-            <a:pPr marL="0" lvl="0" indent="0" algn="ctr" rtl="0">
-              <a:spcBef>
-                <a:spcPts val="0"/>
-              </a:spcBef>
-              <a:spcAft>
-                <a:spcPts val="0"/>
-              </a:spcAft>
-              <a:buNone/>
-            </a:pPr>
-            <a:r>
-              <a:rPr lang="de" sz="2000">
-                <a:solidFill>
-                  <a:schemeClr val="dk1"/>
-                </a:solidFill>
-                <a:latin typeface="Roboto Black"/>
-                <a:ea typeface="Roboto Black"/>
-                <a:cs typeface="Roboto Black"/>
-                <a:sym typeface="Roboto Black"/>
-              </a:rPr>
-              <a:t>1</a:t>
-            </a:r>
-            <a:endParaRPr sz="2000">
-              <a:solidFill>
-                <a:schemeClr val="dk1"/>
-              </a:solidFill>
-              <a:latin typeface="Roboto Black"/>
-              <a:ea typeface="Roboto Black"/>
-              <a:cs typeface="Roboto Black"/>
-              <a:sym typeface="Roboto Black"/>
-            </a:endParaRPr>
-          </a:p>
-        </p:txBody>
-      </p:sp>
-      <p:sp>
-        <p:nvSpPr>
-          <p:cNvPr id="139" name="Google Shape;139;p19"/>
-          <p:cNvSpPr txBox="1"/>
-          <p:nvPr/>
-        </p:nvSpPr>
-        <p:spPr>
-          <a:xfrm>
-            <a:off x="933975" y="2971125"/>
-            <a:ext cx="1944000" cy="393600"/>
-          </a:xfrm>
-          <a:prstGeom prst="rect">
-            <a:avLst/>
-          </a:prstGeom>
-          <a:noFill/>
-          <a:ln>
-            <a:noFill/>
-          </a:ln>
-        </p:spPr>
-        <p:txBody>
-          <a:bodyPr spcFirstLastPara="1" wrap="square" lIns="91425" tIns="91425" rIns="91425" bIns="91425" anchor="t" anchorCtr="0">
-            <a:noAutofit/>
-          </a:bodyPr>
-          <a:lstStyle/>
-          <a:p>
-            <a:pPr marL="0" lvl="0" indent="0" algn="l" rtl="0">
-              <a:spcBef>
-                <a:spcPts val="0"/>
-              </a:spcBef>
-              <a:spcAft>
-                <a:spcPts val="0"/>
-              </a:spcAft>
-              <a:buNone/>
-            </a:pPr>
-            <a:r>
-              <a:rPr lang="de" sz="1800">
-                <a:solidFill>
-                  <a:schemeClr val="lt1"/>
-                </a:solidFill>
-                <a:latin typeface="Roboto"/>
-                <a:ea typeface="Roboto"/>
-                <a:cs typeface="Roboto"/>
-                <a:sym typeface="Roboto"/>
-              </a:rPr>
-              <a:t>Text</a:t>
-            </a:r>
-            <a:endParaRPr sz="1800">
-              <a:solidFill>
-                <a:schemeClr val="lt1"/>
-              </a:solidFill>
-              <a:latin typeface="Roboto"/>
-              <a:ea typeface="Roboto"/>
-              <a:cs typeface="Roboto"/>
-              <a:sym typeface="Roboto"/>
-            </a:endParaRPr>
-          </a:p>
-        </p:txBody>
-      </p:sp>
-      <p:sp>
-        <p:nvSpPr>
-          <p:cNvPr id="140" name="Google Shape;140;p19"/>
-          <p:cNvSpPr/>
-          <p:nvPr/>
-        </p:nvSpPr>
-        <p:spPr>
-          <a:xfrm>
-            <a:off x="4919625" y="2893575"/>
-            <a:ext cx="548700" cy="548700"/>
-          </a:xfrm>
-          <a:prstGeom prst="roundRect">
-            <a:avLst>
-              <a:gd name="adj" fmla="val 16667"/>
-            </a:avLst>
-          </a:prstGeom>
-          <a:solidFill>
-            <a:schemeClr val="dk1"/>
-          </a:solidFill>
-          <a:ln>
-            <a:noFill/>
-          </a:ln>
-        </p:spPr>
-        <p:txBody>
-          <a:bodyPr spcFirstLastPara="1" wrap="square" lIns="91425" tIns="91425" rIns="91425" bIns="91425" anchor="ctr" anchorCtr="0">
-            <a:noAutofit/>
-          </a:bodyPr>
-          <a:lstStyle/>
-          <a:p>
-            <a:pPr marL="0" lvl="0" indent="0" algn="ctr" rtl="0">
-              <a:spcBef>
-                <a:spcPts val="0"/>
-              </a:spcBef>
-              <a:spcAft>
-                <a:spcPts val="0"/>
-              </a:spcAft>
-              <a:buNone/>
-            </a:pPr>
-            <a:r>
-              <a:rPr lang="de" sz="2000">
-                <a:solidFill>
-                  <a:schemeClr val="lt1"/>
-                </a:solidFill>
-                <a:latin typeface="Roboto Black"/>
-                <a:ea typeface="Roboto Black"/>
-                <a:cs typeface="Roboto Black"/>
-                <a:sym typeface="Roboto Black"/>
-              </a:rPr>
-              <a:t>1</a:t>
-            </a:r>
-            <a:endParaRPr sz="2000">
-              <a:solidFill>
-                <a:schemeClr val="lt1"/>
-              </a:solidFill>
-              <a:latin typeface="Roboto Black"/>
-              <a:ea typeface="Roboto Black"/>
-              <a:cs typeface="Roboto Black"/>
-              <a:sym typeface="Roboto Black"/>
-            </a:endParaRPr>
-          </a:p>
-        </p:txBody>
-      </p:sp>
-      <p:sp>
-        <p:nvSpPr>
-          <p:cNvPr id="141" name="Google Shape;141;p19"/>
-          <p:cNvSpPr txBox="1"/>
-          <p:nvPr/>
-        </p:nvSpPr>
-        <p:spPr>
-          <a:xfrm>
-            <a:off x="5468325" y="2971125"/>
-            <a:ext cx="1944000" cy="393600"/>
-          </a:xfrm>
-          <a:prstGeom prst="rect">
-            <a:avLst/>
-          </a:prstGeom>
-          <a:noFill/>
-          <a:ln>
-            <a:noFill/>
-          </a:ln>
-        </p:spPr>
-        <p:txBody>
-          <a:bodyPr spcFirstLastPara="1" wrap="square" lIns="91425" tIns="91425" rIns="91425" bIns="91425" anchor="t" anchorCtr="0">
-            <a:noAutofit/>
-          </a:bodyPr>
-          <a:lstStyle/>
-          <a:p>
-            <a:pPr marL="0" lvl="0" indent="0" algn="l" rtl="0">
-              <a:spcBef>
-                <a:spcPts val="0"/>
-              </a:spcBef>
-              <a:spcAft>
-                <a:spcPts val="0"/>
-              </a:spcAft>
-              <a:buNone/>
-            </a:pPr>
-            <a:r>
-              <a:rPr lang="de" sz="1800">
-                <a:solidFill>
-                  <a:schemeClr val="dk1"/>
-                </a:solidFill>
-                <a:latin typeface="Roboto"/>
-                <a:ea typeface="Roboto"/>
-                <a:cs typeface="Roboto"/>
-                <a:sym typeface="Roboto"/>
-              </a:rPr>
-              <a:t>Text</a:t>
-            </a:r>
-            <a:endParaRPr sz="1800">
-              <a:solidFill>
-                <a:schemeClr val="dk1"/>
-              </a:solidFill>
-              <a:latin typeface="Roboto"/>
-              <a:ea typeface="Roboto"/>
-              <a:cs typeface="Roboto"/>
-              <a:sym typeface="Roboto"/>
-            </a:endParaRPr>
-          </a:p>
-        </p:txBody>
-      </p:sp>
+      </p:pic>
     </p:spTree>
+    <p:extLst>
+      <p:ext uri="{BB962C8B-B14F-4D97-AF65-F5344CB8AC3E}">
+        <p14:creationId xmlns:p14="http://schemas.microsoft.com/office/powerpoint/2010/main" val="1228444605"/>
+      </p:ext>
+    </p:extLst>
   </p:cSld>
   <p:clrMapOvr>
     <a:masterClrMapping/>
   </p:clrMapOvr>
+  <mc:AlternateContent xmlns:mc="http://schemas.openxmlformats.org/markup-compatibility/2006" xmlns:p159="http://schemas.microsoft.com/office/powerpoint/2015/09/main">
+    <mc:Choice Requires="p159">
+      <p:transition xmlns:p14="http://schemas.microsoft.com/office/powerpoint/2010/main" spd="slow" p14:dur="2000">
+        <p159:morph option="byObject"/>
+      </p:transition>
+    </mc:Choice>
+    <mc:Fallback xmlns="">
+      <p:transition spd="slow">
+        <p:fade/>
+      </p:transition>
+    </mc:Fallback>
+  </mc:AlternateContent>
 </p:sld>
 </file>
 
